--- a/Java_8_desde_cero.pptx
+++ b/Java_8_desde_cero.pptx
@@ -60,6 +60,31 @@
     <p:sldId id="309" r:id="rId54"/>
     <p:sldId id="310" r:id="rId55"/>
     <p:sldId id="311" r:id="rId56"/>
+    <p:sldId id="313" r:id="rId57"/>
+    <p:sldId id="312" r:id="rId58"/>
+    <p:sldId id="315" r:id="rId59"/>
+    <p:sldId id="319" r:id="rId60"/>
+    <p:sldId id="316" r:id="rId61"/>
+    <p:sldId id="320" r:id="rId62"/>
+    <p:sldId id="321" r:id="rId63"/>
+    <p:sldId id="322" r:id="rId64"/>
+    <p:sldId id="323" r:id="rId65"/>
+    <p:sldId id="324" r:id="rId66"/>
+    <p:sldId id="325" r:id="rId67"/>
+    <p:sldId id="317" r:id="rId68"/>
+    <p:sldId id="331" r:id="rId69"/>
+    <p:sldId id="332" r:id="rId70"/>
+    <p:sldId id="336" r:id="rId71"/>
+    <p:sldId id="338" r:id="rId72"/>
+    <p:sldId id="337" r:id="rId73"/>
+    <p:sldId id="333" r:id="rId74"/>
+    <p:sldId id="339" r:id="rId75"/>
+    <p:sldId id="334" r:id="rId76"/>
+    <p:sldId id="340" r:id="rId77"/>
+    <p:sldId id="335" r:id="rId78"/>
+    <p:sldId id="329" r:id="rId79"/>
+    <p:sldId id="341" r:id="rId80"/>
+    <p:sldId id="314" r:id="rId81"/>
   </p:sldIdLst>
   <p:sldSz cx="12192000" cy="6858000"/>
   <p:notesSz cx="6858000" cy="9144000"/>
@@ -158,6 +183,11 @@
       </a:defRPr>
     </a:lvl9pPr>
   </p:defaultTextStyle>
+  <p:extLst>
+    <p:ext uri="{EFAFB233-063F-42B5-8137-9DF3F51BA10A}">
+      <p15:sldGuideLst xmlns:p15="http://schemas.microsoft.com/office/powerpoint/2012/main"/>
+    </p:ext>
+  </p:extLst>
 </p:presentation>
 </file>
 
@@ -675,7 +705,7 @@
           <a:p>
             <a:fld id="{EC745060-679C-4CE5-816B-B6A49815C7B9}" type="datetimeFigureOut">
               <a:rPr lang="en-US" smtClean="0"/>
-              <a:t>4/30/2018</a:t>
+              <a:t>5/2/2018</a:t>
             </a:fld>
             <a:endParaRPr lang="en-US"/>
           </a:p>
@@ -971,7 +1001,7 @@
           <a:p>
             <a:fld id="{EC745060-679C-4CE5-816B-B6A49815C7B9}" type="datetimeFigureOut">
               <a:rPr lang="en-US" smtClean="0"/>
-              <a:t>4/30/2018</a:t>
+              <a:t>5/2/2018</a:t>
             </a:fld>
             <a:endParaRPr lang="en-US"/>
           </a:p>
@@ -1219,7 +1249,7 @@
           <a:p>
             <a:fld id="{EC745060-679C-4CE5-816B-B6A49815C7B9}" type="datetimeFigureOut">
               <a:rPr lang="en-US" smtClean="0"/>
-              <a:t>4/30/2018</a:t>
+              <a:t>5/2/2018</a:t>
             </a:fld>
             <a:endParaRPr lang="en-US"/>
           </a:p>
@@ -1759,7 +1789,7 @@
           <a:p>
             <a:fld id="{EC745060-679C-4CE5-816B-B6A49815C7B9}" type="datetimeFigureOut">
               <a:rPr lang="en-US" smtClean="0"/>
-              <a:t>4/30/2018</a:t>
+              <a:t>5/2/2018</a:t>
             </a:fld>
             <a:endParaRPr lang="en-US"/>
           </a:p>
@@ -2007,7 +2037,7 @@
           <a:p>
             <a:fld id="{EC745060-679C-4CE5-816B-B6A49815C7B9}" type="datetimeFigureOut">
               <a:rPr lang="en-US" smtClean="0"/>
-              <a:t>4/30/2018</a:t>
+              <a:t>5/2/2018</a:t>
             </a:fld>
             <a:endParaRPr lang="en-US"/>
           </a:p>
@@ -2539,7 +2569,7 @@
           <a:p>
             <a:fld id="{EC745060-679C-4CE5-816B-B6A49815C7B9}" type="datetimeFigureOut">
               <a:rPr lang="en-US" smtClean="0"/>
-              <a:t>4/30/2018</a:t>
+              <a:t>5/2/2018</a:t>
             </a:fld>
             <a:endParaRPr lang="en-US"/>
           </a:p>
@@ -2836,7 +2866,7 @@
           <a:p>
             <a:fld id="{EC745060-679C-4CE5-816B-B6A49815C7B9}" type="datetimeFigureOut">
               <a:rPr lang="en-US" smtClean="0"/>
-              <a:t>4/30/2018</a:t>
+              <a:t>5/2/2018</a:t>
             </a:fld>
             <a:endParaRPr lang="en-US"/>
           </a:p>
@@ -3010,7 +3040,7 @@
           <a:p>
             <a:fld id="{EC745060-679C-4CE5-816B-B6A49815C7B9}" type="datetimeFigureOut">
               <a:rPr lang="en-US" smtClean="0"/>
-              <a:t>4/30/2018</a:t>
+              <a:t>5/2/2018</a:t>
             </a:fld>
             <a:endParaRPr lang="en-US"/>
           </a:p>
@@ -3190,7 +3220,7 @@
           <a:p>
             <a:fld id="{EC745060-679C-4CE5-816B-B6A49815C7B9}" type="datetimeFigureOut">
               <a:rPr lang="en-US" smtClean="0"/>
-              <a:t>4/30/2018</a:t>
+              <a:t>5/2/2018</a:t>
             </a:fld>
             <a:endParaRPr lang="en-US"/>
           </a:p>
@@ -3360,7 +3390,7 @@
           <a:p>
             <a:fld id="{EC745060-679C-4CE5-816B-B6A49815C7B9}" type="datetimeFigureOut">
               <a:rPr lang="en-US" smtClean="0"/>
-              <a:t>4/30/2018</a:t>
+              <a:t>5/2/2018</a:t>
             </a:fld>
             <a:endParaRPr lang="en-US"/>
           </a:p>
@@ -3611,7 +3641,7 @@
           <a:p>
             <a:fld id="{EC745060-679C-4CE5-816B-B6A49815C7B9}" type="datetimeFigureOut">
               <a:rPr lang="en-US" smtClean="0"/>
-              <a:t>4/30/2018</a:t>
+              <a:t>5/2/2018</a:t>
             </a:fld>
             <a:endParaRPr lang="en-US"/>
           </a:p>
@@ -3908,7 +3938,7 @@
           <a:p>
             <a:fld id="{EC745060-679C-4CE5-816B-B6A49815C7B9}" type="datetimeFigureOut">
               <a:rPr lang="en-US" smtClean="0"/>
-              <a:t>4/30/2018</a:t>
+              <a:t>5/2/2018</a:t>
             </a:fld>
             <a:endParaRPr lang="en-US"/>
           </a:p>
@@ -4350,7 +4380,7 @@
           <a:p>
             <a:fld id="{EC745060-679C-4CE5-816B-B6A49815C7B9}" type="datetimeFigureOut">
               <a:rPr lang="en-US" smtClean="0"/>
-              <a:t>4/30/2018</a:t>
+              <a:t>5/2/2018</a:t>
             </a:fld>
             <a:endParaRPr lang="en-US"/>
           </a:p>
@@ -4468,7 +4498,7 @@
           <a:p>
             <a:fld id="{EC745060-679C-4CE5-816B-B6A49815C7B9}" type="datetimeFigureOut">
               <a:rPr lang="en-US" smtClean="0"/>
-              <a:t>4/30/2018</a:t>
+              <a:t>5/2/2018</a:t>
             </a:fld>
             <a:endParaRPr lang="en-US"/>
           </a:p>
@@ -4563,7 +4593,7 @@
           <a:p>
             <a:fld id="{EC745060-679C-4CE5-816B-B6A49815C7B9}" type="datetimeFigureOut">
               <a:rPr lang="en-US" smtClean="0"/>
-              <a:t>4/30/2018</a:t>
+              <a:t>5/2/2018</a:t>
             </a:fld>
             <a:endParaRPr lang="en-US"/>
           </a:p>
@@ -4846,7 +4876,7 @@
           <a:p>
             <a:fld id="{EC745060-679C-4CE5-816B-B6A49815C7B9}" type="datetimeFigureOut">
               <a:rPr lang="en-US" smtClean="0"/>
-              <a:t>4/30/2018</a:t>
+              <a:t>5/2/2018</a:t>
             </a:fld>
             <a:endParaRPr lang="en-US"/>
           </a:p>
@@ -5137,7 +5167,7 @@
           <a:p>
             <a:fld id="{EC745060-679C-4CE5-816B-B6A49815C7B9}" type="datetimeFigureOut">
               <a:rPr lang="en-US" smtClean="0"/>
-              <a:t>4/30/2018</a:t>
+              <a:t>5/2/2018</a:t>
             </a:fld>
             <a:endParaRPr lang="en-US"/>
           </a:p>
@@ -5667,7 +5697,7 @@
           <a:p>
             <a:fld id="{EC745060-679C-4CE5-816B-B6A49815C7B9}" type="datetimeFigureOut">
               <a:rPr lang="en-US" smtClean="0"/>
-              <a:t>4/30/2018</a:t>
+              <a:t>5/2/2018</a:t>
             </a:fld>
             <a:endParaRPr lang="en-US"/>
           </a:p>
@@ -6323,7 +6353,6 @@
               <a:rPr lang="en-US" dirty="0"/>
               <a:t>Breve historia de Java</a:t>
             </a:r>
-            <a:endParaRPr lang="en-US" dirty="0"/>
           </a:p>
         </p:txBody>
       </p:sp>
@@ -6448,7 +6477,6 @@
               <a:rPr lang="en-US" dirty="0"/>
               <a:t>Breve historia de Java</a:t>
             </a:r>
-            <a:endParaRPr lang="en-US" dirty="0"/>
           </a:p>
         </p:txBody>
       </p:sp>
@@ -6573,7 +6601,6 @@
               <a:rPr lang="en-US" dirty="0"/>
               <a:t>Breve historia de Java</a:t>
             </a:r>
-            <a:endParaRPr lang="en-US" dirty="0"/>
           </a:p>
         </p:txBody>
       </p:sp>
@@ -6690,7 +6717,6 @@
               <a:rPr lang="en-US" dirty="0"/>
               <a:t>Breve historia de Java</a:t>
             </a:r>
-            <a:endParaRPr lang="en-US" dirty="0"/>
           </a:p>
         </p:txBody>
       </p:sp>
@@ -6863,7 +6889,6 @@
               <a:rPr lang="en-US" dirty="0"/>
               <a:t>Breve historia de Java</a:t>
             </a:r>
-            <a:endParaRPr lang="en-US" dirty="0"/>
           </a:p>
         </p:txBody>
       </p:sp>
@@ -7004,7 +7029,6 @@
               <a:rPr lang="en-US" dirty="0"/>
               <a:t>Breve historia de Java</a:t>
             </a:r>
-            <a:endParaRPr lang="en-US" dirty="0"/>
           </a:p>
         </p:txBody>
       </p:sp>
@@ -7125,7 +7149,6 @@
               <a:rPr lang="en-US" dirty="0"/>
               <a:t>Características del lenguaje Java</a:t>
             </a:r>
-            <a:endParaRPr lang="en-US" dirty="0"/>
           </a:p>
         </p:txBody>
       </p:sp>
@@ -7208,7 +7231,6 @@
               <a:rPr lang="en-US" dirty="0"/>
               <a:t>Características del lenguaje Java</a:t>
             </a:r>
-            <a:endParaRPr lang="en-US" dirty="0"/>
           </a:p>
         </p:txBody>
       </p:sp>
@@ -7325,7 +7347,6 @@
               <a:rPr lang="en-US" dirty="0"/>
               <a:t>Características del lenguaje Java</a:t>
             </a:r>
-            <a:endParaRPr lang="en-US" dirty="0"/>
           </a:p>
         </p:txBody>
       </p:sp>
@@ -7486,7 +7507,6 @@
               <a:rPr lang="en-US" dirty="0"/>
               <a:t>Características del lenguaje Java</a:t>
             </a:r>
-            <a:endParaRPr lang="en-US" dirty="0"/>
           </a:p>
         </p:txBody>
       </p:sp>
@@ -7689,21 +7709,12 @@
           </a:p>
           <a:p>
             <a:r>
-              <a:rPr lang="en-US" b="1" dirty="0" err="1"/>
-              <a:t>Programación</a:t>
-            </a:r>
-            <a:r>
-              <a:rPr lang="en-US" b="1" dirty="0"/>
-              <a:t> </a:t>
-            </a:r>
-            <a:r>
-              <a:rPr lang="en-US" b="1" dirty="0" err="1"/>
-              <a:t>en</a:t>
-            </a:r>
-            <a:r>
-              <a:rPr lang="en-US" b="1" dirty="0"/>
-              <a:t> Java</a:t>
-            </a:r>
+              <a:rPr lang="en-US" b="1" dirty="0">
+                <a:hlinkClick r:id="rId3" action="ppaction://hlinksldjump"/>
+              </a:rPr>
+              <a:t>Programación en Java</a:t>
+            </a:r>
+            <a:endParaRPr lang="en-US" b="1" dirty="0"/>
           </a:p>
           <a:p>
             <a:r>
@@ -7712,15 +7723,7 @@
             </a:r>
             <a:r>
               <a:rPr lang="en-US" b="1" dirty="0"/>
-              <a:t> </a:t>
-            </a:r>
-            <a:r>
-              <a:rPr lang="en-US" b="1" dirty="0" err="1"/>
-              <a:t>en</a:t>
-            </a:r>
-            <a:r>
-              <a:rPr lang="en-US" b="1" dirty="0"/>
-              <a:t> Java</a:t>
+              <a:t> en Java</a:t>
             </a:r>
           </a:p>
           <a:p>
@@ -7775,7 +7778,7 @@
           <p:nvPr/>
         </p:nvPicPr>
         <p:blipFill>
-          <a:blip r:embed="rId3">
+          <a:blip r:embed="rId4">
             <a:extLst>
               <a:ext uri="{28A0092B-C50C-407E-A947-70E740481C1C}">
                 <a14:useLocalDpi xmlns:a14="http://schemas.microsoft.com/office/drawing/2010/main" val="0"/>
@@ -7845,7 +7848,6 @@
               <a:rPr lang="en-US" dirty="0"/>
               <a:t>Características del lenguaje Java</a:t>
             </a:r>
-            <a:endParaRPr lang="en-US" dirty="0"/>
           </a:p>
         </p:txBody>
       </p:sp>
@@ -8437,7 +8439,6 @@
               <a:rPr lang="en-US" dirty="0"/>
               <a:t>Características del lenguaje Java</a:t>
             </a:r>
-            <a:endParaRPr lang="en-US" dirty="0"/>
           </a:p>
         </p:txBody>
       </p:sp>
@@ -9383,7 +9384,6 @@
               <a:rPr lang="en-US" dirty="0"/>
               <a:t>Estructura del JDK 1.8</a:t>
             </a:r>
-            <a:endParaRPr lang="en-US" dirty="0"/>
           </a:p>
         </p:txBody>
       </p:sp>
@@ -9466,7 +9466,6 @@
               <a:rPr lang="en-US" dirty="0"/>
               <a:t>Estructura del JDK 1.8</a:t>
             </a:r>
-            <a:endParaRPr lang="en-US" dirty="0"/>
           </a:p>
         </p:txBody>
       </p:sp>
@@ -9672,7 +9671,6 @@
               <a:rPr lang="en-US" dirty="0"/>
               <a:t>Estructura del JDK 1.8</a:t>
             </a:r>
-            <a:endParaRPr lang="en-US" dirty="0"/>
           </a:p>
         </p:txBody>
       </p:sp>
@@ -9800,7 +9798,6 @@
               <a:rPr lang="en-US" dirty="0"/>
               <a:t>Estructura del JDK 1.8</a:t>
             </a:r>
-            <a:endParaRPr lang="en-US" dirty="0"/>
           </a:p>
         </p:txBody>
       </p:sp>
@@ -9914,7 +9911,6 @@
               <a:rPr lang="en-US" dirty="0"/>
               <a:t>Documentación del API (JavaDoc)</a:t>
             </a:r>
-            <a:endParaRPr lang="en-US" dirty="0"/>
           </a:p>
         </p:txBody>
       </p:sp>
@@ -9997,7 +9993,6 @@
               <a:rPr lang="en-US" dirty="0"/>
               <a:t>Documentación del API (JavaDoc)</a:t>
             </a:r>
-            <a:endParaRPr lang="en-US" dirty="0"/>
           </a:p>
         </p:txBody>
       </p:sp>
@@ -10265,23 +10260,7 @@
             </a:r>
             <a:r>
               <a:rPr lang="en-US" dirty="0"/>
-              <a:t> </a:t>
-            </a:r>
-            <a:r>
-              <a:rPr lang="en-US" dirty="0" err="1"/>
-              <a:t>en</a:t>
-            </a:r>
-            <a:r>
-              <a:rPr lang="en-US" dirty="0"/>
-              <a:t> java </a:t>
-            </a:r>
-            <a:r>
-              <a:rPr lang="en-US" dirty="0" err="1"/>
-              <a:t>es</a:t>
-            </a:r>
-            <a:r>
-              <a:rPr lang="en-US" dirty="0"/>
-              <a:t> </a:t>
+              <a:t> en java es </a:t>
             </a:r>
             <a:r>
               <a:rPr lang="en-US" dirty="0" err="1"/>
@@ -11358,11 +11337,7 @@
           <a:p>
             <a:r>
               <a:rPr lang="en-US" b="1" dirty="0"/>
-              <a:t>¿</a:t>
-            </a:r>
-            <a:r>
-              <a:rPr lang="en-US" b="1" dirty="0"/>
-              <a:t>Qu</a:t>
+              <a:t>¿Qu</a:t>
             </a:r>
             <a:r>
               <a:rPr lang="es-MX" b="1" dirty="0"/>
@@ -12895,15 +12870,7 @@
             </a:r>
             <a:r>
               <a:rPr lang="en-US" dirty="0"/>
-              <a:t>”. </a:t>
-            </a:r>
-            <a:r>
-              <a:rPr lang="en-US" dirty="0" err="1"/>
-              <a:t>En</a:t>
-            </a:r>
-            <a:r>
-              <a:rPr lang="en-US" dirty="0"/>
-              <a:t> </a:t>
+              <a:t>”. En </a:t>
             </a:r>
             <a:r>
               <a:rPr lang="en-US" dirty="0" err="1"/>
@@ -15640,6 +15607,1032 @@
 </p:sld>
 </file>
 
+<file path=ppt/slides/slide56.xml><?xml version="1.0" encoding="utf-8"?>
+<p:sld xmlns:a="http://schemas.openxmlformats.org/drawingml/2006/main" xmlns:r="http://schemas.openxmlformats.org/officeDocument/2006/relationships" xmlns:p="http://schemas.openxmlformats.org/presentationml/2006/main">
+  <p:cSld>
+    <p:spTree>
+      <p:nvGrpSpPr>
+        <p:cNvPr id="1" name=""/>
+        <p:cNvGrpSpPr/>
+        <p:nvPr/>
+      </p:nvGrpSpPr>
+      <p:grpSpPr>
+        <a:xfrm>
+          <a:off x="0" y="0"/>
+          <a:ext cx="0" cy="0"/>
+          <a:chOff x="0" y="0"/>
+          <a:chExt cx="0" cy="0"/>
+        </a:xfrm>
+      </p:grpSpPr>
+      <p:sp>
+        <p:nvSpPr>
+          <p:cNvPr id="12" name="Title 11"/>
+          <p:cNvSpPr>
+            <a:spLocks noGrp="1"/>
+          </p:cNvSpPr>
+          <p:nvPr>
+            <p:ph type="title"/>
+          </p:nvPr>
+        </p:nvSpPr>
+        <p:spPr>
+          <a:xfrm>
+            <a:off x="1395411" y="2679700"/>
+            <a:ext cx="10018713" cy="1752599"/>
+          </a:xfrm>
+        </p:spPr>
+        <p:txBody>
+          <a:bodyPr/>
+          <a:lstStyle/>
+          <a:p>
+            <a:r>
+              <a:rPr lang="es-ES" dirty="0"/>
+              <a:t>Programación en Java</a:t>
+            </a:r>
+          </a:p>
+        </p:txBody>
+      </p:sp>
+      <p:pic>
+        <p:nvPicPr>
+          <p:cNvPr id="14" name="Picture 13"/>
+          <p:cNvPicPr>
+            <a:picLocks noChangeAspect="1"/>
+          </p:cNvPicPr>
+          <p:nvPr/>
+        </p:nvPicPr>
+        <p:blipFill>
+          <a:blip r:embed="rId2">
+            <a:extLst>
+              <a:ext uri="{28A0092B-C50C-407E-A947-70E740481C1C}">
+                <a14:useLocalDpi xmlns:a14="http://schemas.microsoft.com/office/drawing/2010/main" val="0"/>
+              </a:ext>
+            </a:extLst>
+          </a:blip>
+          <a:stretch>
+            <a:fillRect/>
+          </a:stretch>
+        </p:blipFill>
+        <p:spPr>
+          <a:xfrm>
+            <a:off x="10485700" y="54900"/>
+            <a:ext cx="1261800" cy="1261800"/>
+          </a:xfrm>
+          <a:prstGeom prst="rect">
+            <a:avLst/>
+          </a:prstGeom>
+        </p:spPr>
+      </p:pic>
+    </p:spTree>
+    <p:extLst>
+      <p:ext uri="{BB962C8B-B14F-4D97-AF65-F5344CB8AC3E}">
+        <p14:creationId xmlns:p14="http://schemas.microsoft.com/office/powerpoint/2010/main" val="3809701680"/>
+      </p:ext>
+    </p:extLst>
+  </p:cSld>
+  <p:clrMapOvr>
+    <a:masterClrMapping/>
+  </p:clrMapOvr>
+</p:sld>
+</file>
+
+<file path=ppt/slides/slide57.xml><?xml version="1.0" encoding="utf-8"?>
+<p:sld xmlns:a="http://schemas.openxmlformats.org/drawingml/2006/main" xmlns:r="http://schemas.openxmlformats.org/officeDocument/2006/relationships" xmlns:p="http://schemas.openxmlformats.org/presentationml/2006/main">
+  <p:cSld>
+    <p:spTree>
+      <p:nvGrpSpPr>
+        <p:cNvPr id="1" name=""/>
+        <p:cNvGrpSpPr/>
+        <p:nvPr/>
+      </p:nvGrpSpPr>
+      <p:grpSpPr>
+        <a:xfrm>
+          <a:off x="0" y="0"/>
+          <a:ext cx="0" cy="0"/>
+          <a:chOff x="0" y="0"/>
+          <a:chExt cx="0" cy="0"/>
+        </a:xfrm>
+      </p:grpSpPr>
+      <p:sp>
+        <p:nvSpPr>
+          <p:cNvPr id="2" name="Title 1"/>
+          <p:cNvSpPr>
+            <a:spLocks noGrp="1"/>
+          </p:cNvSpPr>
+          <p:nvPr>
+            <p:ph type="title"/>
+          </p:nvPr>
+        </p:nvSpPr>
+        <p:spPr/>
+        <p:txBody>
+          <a:bodyPr/>
+          <a:lstStyle/>
+          <a:p>
+            <a:r>
+              <a:rPr lang="es-ES" dirty="0"/>
+              <a:t>Programación en Java</a:t>
+            </a:r>
+            <a:endParaRPr lang="en-US" dirty="0"/>
+          </a:p>
+        </p:txBody>
+      </p:sp>
+      <p:sp>
+        <p:nvSpPr>
+          <p:cNvPr id="3" name="Content Placeholder 2"/>
+          <p:cNvSpPr>
+            <a:spLocks noGrp="1"/>
+          </p:cNvSpPr>
+          <p:nvPr>
+            <p:ph idx="1"/>
+          </p:nvPr>
+        </p:nvSpPr>
+        <p:spPr/>
+        <p:txBody>
+          <a:bodyPr>
+            <a:normAutofit/>
+          </a:bodyPr>
+          <a:lstStyle/>
+          <a:p>
+            <a:pPr algn="just"/>
+            <a:r>
+              <a:rPr lang="es-MX" dirty="0"/>
+              <a:t>Variables</a:t>
+            </a:r>
+            <a:endParaRPr lang="en-US" dirty="0"/>
+          </a:p>
+          <a:p>
+            <a:pPr algn="just"/>
+            <a:r>
+              <a:rPr lang="en-US" dirty="0"/>
+              <a:t>Tipos de datos primitivos: byte, short, </a:t>
+            </a:r>
+            <a:r>
+              <a:rPr lang="en-US" dirty="0" err="1"/>
+              <a:t>int</a:t>
+            </a:r>
+            <a:r>
+              <a:rPr lang="en-US" dirty="0"/>
+              <a:t>, char, long, float, double</a:t>
+            </a:r>
+          </a:p>
+          <a:p>
+            <a:pPr algn="just"/>
+            <a:r>
+              <a:rPr lang="en-US" dirty="0"/>
+              <a:t>Tipos de Operadores</a:t>
+            </a:r>
+          </a:p>
+          <a:p>
+            <a:pPr algn="just"/>
+            <a:r>
+              <a:rPr lang="es-ES" dirty="0"/>
+              <a:t>Operadores  de incremento  y decremento</a:t>
+            </a:r>
+          </a:p>
+          <a:p>
+            <a:pPr algn="just"/>
+            <a:endParaRPr lang="en-US" dirty="0"/>
+          </a:p>
+          <a:p>
+            <a:pPr algn="just"/>
+            <a:endParaRPr lang="en-US" dirty="0"/>
+          </a:p>
+        </p:txBody>
+      </p:sp>
+      <p:pic>
+        <p:nvPicPr>
+          <p:cNvPr id="4" name="Picture 3"/>
+          <p:cNvPicPr>
+            <a:picLocks noChangeAspect="1"/>
+          </p:cNvPicPr>
+          <p:nvPr/>
+        </p:nvPicPr>
+        <p:blipFill>
+          <a:blip r:embed="rId2">
+            <a:extLst>
+              <a:ext uri="{28A0092B-C50C-407E-A947-70E740481C1C}">
+                <a14:useLocalDpi xmlns:a14="http://schemas.microsoft.com/office/drawing/2010/main" val="0"/>
+              </a:ext>
+            </a:extLst>
+          </a:blip>
+          <a:stretch>
+            <a:fillRect/>
+          </a:stretch>
+        </p:blipFill>
+        <p:spPr>
+          <a:xfrm>
+            <a:off x="10485700" y="54900"/>
+            <a:ext cx="1261800" cy="1261800"/>
+          </a:xfrm>
+          <a:prstGeom prst="rect">
+            <a:avLst/>
+          </a:prstGeom>
+        </p:spPr>
+      </p:pic>
+    </p:spTree>
+    <p:extLst>
+      <p:ext uri="{BB962C8B-B14F-4D97-AF65-F5344CB8AC3E}">
+        <p14:creationId xmlns:p14="http://schemas.microsoft.com/office/powerpoint/2010/main" val="4103702037"/>
+      </p:ext>
+    </p:extLst>
+  </p:cSld>
+  <p:clrMapOvr>
+    <a:masterClrMapping/>
+  </p:clrMapOvr>
+</p:sld>
+</file>
+
+<file path=ppt/slides/slide58.xml><?xml version="1.0" encoding="utf-8"?>
+<p:sld xmlns:a="http://schemas.openxmlformats.org/drawingml/2006/main" xmlns:r="http://schemas.openxmlformats.org/officeDocument/2006/relationships" xmlns:p="http://schemas.openxmlformats.org/presentationml/2006/main">
+  <p:cSld>
+    <p:spTree>
+      <p:nvGrpSpPr>
+        <p:cNvPr id="1" name=""/>
+        <p:cNvGrpSpPr/>
+        <p:nvPr/>
+      </p:nvGrpSpPr>
+      <p:grpSpPr>
+        <a:xfrm>
+          <a:off x="0" y="0"/>
+          <a:ext cx="0" cy="0"/>
+          <a:chOff x="0" y="0"/>
+          <a:chExt cx="0" cy="0"/>
+        </a:xfrm>
+      </p:grpSpPr>
+      <p:sp>
+        <p:nvSpPr>
+          <p:cNvPr id="2" name="Title 1"/>
+          <p:cNvSpPr>
+            <a:spLocks noGrp="1"/>
+          </p:cNvSpPr>
+          <p:nvPr>
+            <p:ph type="title"/>
+          </p:nvPr>
+        </p:nvSpPr>
+        <p:spPr/>
+        <p:txBody>
+          <a:bodyPr/>
+          <a:lstStyle/>
+          <a:p>
+            <a:r>
+              <a:rPr lang="es-ES" dirty="0"/>
+              <a:t>Variables</a:t>
+            </a:r>
+            <a:endParaRPr lang="en-US" dirty="0"/>
+          </a:p>
+        </p:txBody>
+      </p:sp>
+      <p:sp>
+        <p:nvSpPr>
+          <p:cNvPr id="3" name="Content Placeholder 2"/>
+          <p:cNvSpPr>
+            <a:spLocks noGrp="1"/>
+          </p:cNvSpPr>
+          <p:nvPr>
+            <p:ph idx="1"/>
+          </p:nvPr>
+        </p:nvSpPr>
+        <p:spPr/>
+        <p:txBody>
+          <a:bodyPr>
+            <a:normAutofit/>
+          </a:bodyPr>
+          <a:lstStyle/>
+          <a:p>
+            <a:pPr algn="just"/>
+            <a:r>
+              <a:rPr lang="es-ES" dirty="0"/>
+              <a:t>En programación, una variable es un espacio de memoria reservado para almacenar un valor que corresponde a un tipo de dato soportado por el lenguaje de programación.</a:t>
+            </a:r>
+          </a:p>
+          <a:p>
+            <a:pPr algn="just"/>
+            <a:endParaRPr lang="es-ES" dirty="0"/>
+          </a:p>
+          <a:p>
+            <a:pPr algn="just"/>
+            <a:endParaRPr lang="es-ES" dirty="0"/>
+          </a:p>
+          <a:p>
+            <a:pPr algn="just"/>
+            <a:endParaRPr lang="en-US" dirty="0"/>
+          </a:p>
+          <a:p>
+            <a:pPr algn="just"/>
+            <a:endParaRPr lang="en-US" dirty="0"/>
+          </a:p>
+        </p:txBody>
+      </p:sp>
+      <p:pic>
+        <p:nvPicPr>
+          <p:cNvPr id="4" name="Picture 3"/>
+          <p:cNvPicPr>
+            <a:picLocks noChangeAspect="1"/>
+          </p:cNvPicPr>
+          <p:nvPr/>
+        </p:nvPicPr>
+        <p:blipFill>
+          <a:blip r:embed="rId2">
+            <a:extLst>
+              <a:ext uri="{28A0092B-C50C-407E-A947-70E740481C1C}">
+                <a14:useLocalDpi xmlns:a14="http://schemas.microsoft.com/office/drawing/2010/main" val="0"/>
+              </a:ext>
+            </a:extLst>
+          </a:blip>
+          <a:stretch>
+            <a:fillRect/>
+          </a:stretch>
+        </p:blipFill>
+        <p:spPr>
+          <a:xfrm>
+            <a:off x="10485700" y="54900"/>
+            <a:ext cx="1261800" cy="1261800"/>
+          </a:xfrm>
+          <a:prstGeom prst="rect">
+            <a:avLst/>
+          </a:prstGeom>
+        </p:spPr>
+      </p:pic>
+      <p:pic>
+        <p:nvPicPr>
+          <p:cNvPr id="1026" name="Picture 2" descr="Related image"/>
+          <p:cNvPicPr>
+            <a:picLocks noChangeAspect="1" noChangeArrowheads="1"/>
+          </p:cNvPicPr>
+          <p:nvPr/>
+        </p:nvPicPr>
+        <p:blipFill>
+          <a:blip r:embed="rId3">
+            <a:extLst>
+              <a:ext uri="{28A0092B-C50C-407E-A947-70E740481C1C}">
+                <a14:useLocalDpi xmlns:a14="http://schemas.microsoft.com/office/drawing/2010/main" val="0"/>
+              </a:ext>
+            </a:extLst>
+          </a:blip>
+          <a:srcRect/>
+          <a:stretch>
+            <a:fillRect/>
+          </a:stretch>
+        </p:blipFill>
+        <p:spPr bwMode="auto">
+          <a:xfrm>
+            <a:off x="4197292" y="4012167"/>
+            <a:ext cx="3914862" cy="2257162"/>
+          </a:xfrm>
+          <a:prstGeom prst="rect">
+            <a:avLst/>
+          </a:prstGeom>
+          <a:noFill/>
+          <a:extLst>
+            <a:ext uri="{909E8E84-426E-40DD-AFC4-6F175D3DCCD1}">
+              <a14:hiddenFill xmlns:a14="http://schemas.microsoft.com/office/drawing/2010/main">
+                <a:solidFill>
+                  <a:srgbClr val="FFFFFF"/>
+                </a:solidFill>
+              </a14:hiddenFill>
+            </a:ext>
+          </a:extLst>
+        </p:spPr>
+      </p:pic>
+    </p:spTree>
+    <p:extLst>
+      <p:ext uri="{BB962C8B-B14F-4D97-AF65-F5344CB8AC3E}">
+        <p14:creationId xmlns:p14="http://schemas.microsoft.com/office/powerpoint/2010/main" val="785854007"/>
+      </p:ext>
+    </p:extLst>
+  </p:cSld>
+  <p:clrMapOvr>
+    <a:masterClrMapping/>
+  </p:clrMapOvr>
+</p:sld>
+</file>
+
+<file path=ppt/slides/slide59.xml><?xml version="1.0" encoding="utf-8"?>
+<p:sld xmlns:a="http://schemas.openxmlformats.org/drawingml/2006/main" xmlns:r="http://schemas.openxmlformats.org/officeDocument/2006/relationships" xmlns:p="http://schemas.openxmlformats.org/presentationml/2006/main">
+  <p:cSld>
+    <p:spTree>
+      <p:nvGrpSpPr>
+        <p:cNvPr id="1" name=""/>
+        <p:cNvGrpSpPr/>
+        <p:nvPr/>
+      </p:nvGrpSpPr>
+      <p:grpSpPr>
+        <a:xfrm>
+          <a:off x="0" y="0"/>
+          <a:ext cx="0" cy="0"/>
+          <a:chOff x="0" y="0"/>
+          <a:chExt cx="0" cy="0"/>
+        </a:xfrm>
+      </p:grpSpPr>
+      <p:sp>
+        <p:nvSpPr>
+          <p:cNvPr id="2" name="Title 1"/>
+          <p:cNvSpPr>
+            <a:spLocks noGrp="1"/>
+          </p:cNvSpPr>
+          <p:nvPr>
+            <p:ph type="title"/>
+          </p:nvPr>
+        </p:nvSpPr>
+        <p:spPr/>
+        <p:txBody>
+          <a:bodyPr/>
+          <a:lstStyle/>
+          <a:p>
+            <a:r>
+              <a:rPr lang="es-ES" dirty="0"/>
+              <a:t>Variables</a:t>
+            </a:r>
+            <a:endParaRPr lang="en-US" dirty="0"/>
+          </a:p>
+        </p:txBody>
+      </p:sp>
+      <p:sp>
+        <p:nvSpPr>
+          <p:cNvPr id="3" name="Content Placeholder 2"/>
+          <p:cNvSpPr>
+            <a:spLocks noGrp="1"/>
+          </p:cNvSpPr>
+          <p:nvPr>
+            <p:ph idx="1"/>
+          </p:nvPr>
+        </p:nvSpPr>
+        <p:spPr/>
+        <p:txBody>
+          <a:bodyPr>
+            <a:normAutofit/>
+          </a:bodyPr>
+          <a:lstStyle/>
+          <a:p>
+            <a:pPr algn="just"/>
+            <a:endParaRPr lang="es-ES" dirty="0"/>
+          </a:p>
+          <a:p>
+            <a:pPr algn="just"/>
+            <a:endParaRPr lang="es-ES" dirty="0"/>
+          </a:p>
+          <a:p>
+            <a:pPr algn="just"/>
+            <a:endParaRPr lang="es-ES" dirty="0"/>
+          </a:p>
+          <a:p>
+            <a:pPr algn="just"/>
+            <a:endParaRPr lang="en-US" dirty="0"/>
+          </a:p>
+          <a:p>
+            <a:pPr algn="just"/>
+            <a:endParaRPr lang="en-US" dirty="0"/>
+          </a:p>
+        </p:txBody>
+      </p:sp>
+      <p:pic>
+        <p:nvPicPr>
+          <p:cNvPr id="4" name="Picture 3"/>
+          <p:cNvPicPr>
+            <a:picLocks noChangeAspect="1"/>
+          </p:cNvPicPr>
+          <p:nvPr/>
+        </p:nvPicPr>
+        <p:blipFill>
+          <a:blip r:embed="rId2">
+            <a:extLst>
+              <a:ext uri="{28A0092B-C50C-407E-A947-70E740481C1C}">
+                <a14:useLocalDpi xmlns:a14="http://schemas.microsoft.com/office/drawing/2010/main" val="0"/>
+              </a:ext>
+            </a:extLst>
+          </a:blip>
+          <a:stretch>
+            <a:fillRect/>
+          </a:stretch>
+        </p:blipFill>
+        <p:spPr>
+          <a:xfrm>
+            <a:off x="10485700" y="54900"/>
+            <a:ext cx="1261800" cy="1261800"/>
+          </a:xfrm>
+          <a:prstGeom prst="rect">
+            <a:avLst/>
+          </a:prstGeom>
+        </p:spPr>
+      </p:pic>
+      <p:sp>
+        <p:nvSpPr>
+          <p:cNvPr id="5" name="Rectangle: Rounded Corners 4"/>
+          <p:cNvSpPr/>
+          <p:nvPr/>
+        </p:nvSpPr>
+        <p:spPr>
+          <a:xfrm>
+            <a:off x="2617365" y="3481431"/>
+            <a:ext cx="1795244" cy="838900"/>
+          </a:xfrm>
+          <a:prstGeom prst="roundRect">
+            <a:avLst/>
+          </a:prstGeom>
+        </p:spPr>
+        <p:style>
+          <a:lnRef idx="1">
+            <a:schemeClr val="accent2"/>
+          </a:lnRef>
+          <a:fillRef idx="3">
+            <a:schemeClr val="accent2"/>
+          </a:fillRef>
+          <a:effectRef idx="2">
+            <a:schemeClr val="accent2"/>
+          </a:effectRef>
+          <a:fontRef idx="minor">
+            <a:schemeClr val="lt1"/>
+          </a:fontRef>
+        </p:style>
+        <p:txBody>
+          <a:bodyPr rtlCol="0" anchor="ctr"/>
+          <a:lstStyle/>
+          <a:p>
+            <a:pPr algn="ctr"/>
+            <a:r>
+              <a:rPr lang="es-MX" dirty="0"/>
+              <a:t>Variable</a:t>
+            </a:r>
+            <a:endParaRPr lang="en-US" dirty="0"/>
+          </a:p>
+        </p:txBody>
+      </p:sp>
+      <p:sp>
+        <p:nvSpPr>
+          <p:cNvPr id="8" name="Left Brace 7"/>
+          <p:cNvSpPr/>
+          <p:nvPr/>
+        </p:nvSpPr>
+        <p:spPr>
+          <a:xfrm>
+            <a:off x="4630723" y="2438399"/>
+            <a:ext cx="260059" cy="2880222"/>
+          </a:xfrm>
+          <a:prstGeom prst="leftBrace">
+            <a:avLst/>
+          </a:prstGeom>
+          <a:ln w="28575"/>
+        </p:spPr>
+        <p:style>
+          <a:lnRef idx="2">
+            <a:schemeClr val="accent4"/>
+          </a:lnRef>
+          <a:fillRef idx="0">
+            <a:schemeClr val="accent4"/>
+          </a:fillRef>
+          <a:effectRef idx="1">
+            <a:schemeClr val="accent4"/>
+          </a:effectRef>
+          <a:fontRef idx="minor">
+            <a:schemeClr val="tx1"/>
+          </a:fontRef>
+        </p:style>
+        <p:txBody>
+          <a:bodyPr rtlCol="0" anchor="ctr"/>
+          <a:lstStyle/>
+          <a:p>
+            <a:pPr algn="ctr"/>
+            <a:endParaRPr lang="en-US" dirty="0"/>
+          </a:p>
+        </p:txBody>
+      </p:sp>
+      <p:sp>
+        <p:nvSpPr>
+          <p:cNvPr id="9" name="Rectangle: Rounded Corners 8"/>
+          <p:cNvSpPr/>
+          <p:nvPr/>
+        </p:nvSpPr>
+        <p:spPr>
+          <a:xfrm>
+            <a:off x="5334540" y="2435603"/>
+            <a:ext cx="1895912" cy="864066"/>
+          </a:xfrm>
+          <a:prstGeom prst="roundRect">
+            <a:avLst/>
+          </a:prstGeom>
+        </p:spPr>
+        <p:style>
+          <a:lnRef idx="0">
+            <a:schemeClr val="accent1"/>
+          </a:lnRef>
+          <a:fillRef idx="3">
+            <a:schemeClr val="accent1"/>
+          </a:fillRef>
+          <a:effectRef idx="3">
+            <a:schemeClr val="accent1"/>
+          </a:effectRef>
+          <a:fontRef idx="minor">
+            <a:schemeClr val="lt1"/>
+          </a:fontRef>
+        </p:style>
+        <p:txBody>
+          <a:bodyPr rtlCol="0" anchor="ctr"/>
+          <a:lstStyle/>
+          <a:p>
+            <a:pPr algn="ctr"/>
+            <a:r>
+              <a:rPr lang="es-MX" dirty="0"/>
+              <a:t>Contenido</a:t>
+            </a:r>
+            <a:endParaRPr lang="en-US" dirty="0"/>
+          </a:p>
+        </p:txBody>
+      </p:sp>
+      <p:sp>
+        <p:nvSpPr>
+          <p:cNvPr id="10" name="Rectangle: Rounded Corners 9"/>
+          <p:cNvSpPr/>
+          <p:nvPr/>
+        </p:nvSpPr>
+        <p:spPr>
+          <a:xfrm>
+            <a:off x="5334540" y="4513278"/>
+            <a:ext cx="1896770" cy="889233"/>
+          </a:xfrm>
+          <a:prstGeom prst="roundRect">
+            <a:avLst/>
+          </a:prstGeom>
+        </p:spPr>
+        <p:style>
+          <a:lnRef idx="0">
+            <a:schemeClr val="accent1"/>
+          </a:lnRef>
+          <a:fillRef idx="3">
+            <a:schemeClr val="accent1"/>
+          </a:fillRef>
+          <a:effectRef idx="3">
+            <a:schemeClr val="accent1"/>
+          </a:effectRef>
+          <a:fontRef idx="minor">
+            <a:schemeClr val="lt1"/>
+          </a:fontRef>
+        </p:style>
+        <p:txBody>
+          <a:bodyPr rtlCol="0" anchor="ctr"/>
+          <a:lstStyle/>
+          <a:p>
+            <a:pPr algn="ctr"/>
+            <a:r>
+              <a:rPr lang="es-MX" dirty="0"/>
+              <a:t>Por su uso</a:t>
+            </a:r>
+            <a:endParaRPr lang="en-US" dirty="0"/>
+          </a:p>
+        </p:txBody>
+      </p:sp>
+      <p:sp>
+        <p:nvSpPr>
+          <p:cNvPr id="12" name="Left Brace 11"/>
+          <p:cNvSpPr/>
+          <p:nvPr/>
+        </p:nvSpPr>
+        <p:spPr>
+          <a:xfrm>
+            <a:off x="7517076" y="2082216"/>
+            <a:ext cx="260059" cy="1399215"/>
+          </a:xfrm>
+          <a:prstGeom prst="leftBrace">
+            <a:avLst/>
+          </a:prstGeom>
+          <a:ln w="28575"/>
+        </p:spPr>
+        <p:style>
+          <a:lnRef idx="2">
+            <a:schemeClr val="accent4"/>
+          </a:lnRef>
+          <a:fillRef idx="0">
+            <a:schemeClr val="accent4"/>
+          </a:fillRef>
+          <a:effectRef idx="1">
+            <a:schemeClr val="accent4"/>
+          </a:effectRef>
+          <a:fontRef idx="minor">
+            <a:schemeClr val="tx1"/>
+          </a:fontRef>
+        </p:style>
+        <p:txBody>
+          <a:bodyPr rtlCol="0" anchor="ctr"/>
+          <a:lstStyle/>
+          <a:p>
+            <a:pPr algn="ctr"/>
+            <a:endParaRPr lang="en-US" dirty="0"/>
+          </a:p>
+        </p:txBody>
+      </p:sp>
+      <p:sp>
+        <p:nvSpPr>
+          <p:cNvPr id="13" name="Left Brace 12"/>
+          <p:cNvSpPr/>
+          <p:nvPr/>
+        </p:nvSpPr>
+        <p:spPr>
+          <a:xfrm>
+            <a:off x="7545038" y="4258286"/>
+            <a:ext cx="260059" cy="1399215"/>
+          </a:xfrm>
+          <a:prstGeom prst="leftBrace">
+            <a:avLst/>
+          </a:prstGeom>
+          <a:ln w="28575"/>
+        </p:spPr>
+        <p:style>
+          <a:lnRef idx="2">
+            <a:schemeClr val="accent4"/>
+          </a:lnRef>
+          <a:fillRef idx="0">
+            <a:schemeClr val="accent4"/>
+          </a:fillRef>
+          <a:effectRef idx="1">
+            <a:schemeClr val="accent4"/>
+          </a:effectRef>
+          <a:fontRef idx="minor">
+            <a:schemeClr val="tx1"/>
+          </a:fontRef>
+        </p:style>
+        <p:txBody>
+          <a:bodyPr rtlCol="0" anchor="ctr"/>
+          <a:lstStyle/>
+          <a:p>
+            <a:pPr algn="ctr"/>
+            <a:endParaRPr lang="en-US" dirty="0"/>
+          </a:p>
+        </p:txBody>
+      </p:sp>
+      <p:sp>
+        <p:nvSpPr>
+          <p:cNvPr id="11" name="Rectangle: Rounded Corners 10"/>
+          <p:cNvSpPr/>
+          <p:nvPr/>
+        </p:nvSpPr>
+        <p:spPr>
+          <a:xfrm>
+            <a:off x="7935985" y="1988191"/>
+            <a:ext cx="1258349" cy="422245"/>
+          </a:xfrm>
+          <a:prstGeom prst="roundRect">
+            <a:avLst/>
+          </a:prstGeom>
+        </p:spPr>
+        <p:style>
+          <a:lnRef idx="2">
+            <a:schemeClr val="accent3">
+              <a:shade val="50000"/>
+            </a:schemeClr>
+          </a:lnRef>
+          <a:fillRef idx="1">
+            <a:schemeClr val="accent3"/>
+          </a:fillRef>
+          <a:effectRef idx="0">
+            <a:schemeClr val="accent3"/>
+          </a:effectRef>
+          <a:fontRef idx="minor">
+            <a:schemeClr val="lt1"/>
+          </a:fontRef>
+        </p:style>
+        <p:txBody>
+          <a:bodyPr rtlCol="0" anchor="ctr"/>
+          <a:lstStyle/>
+          <a:p>
+            <a:pPr algn="ctr"/>
+            <a:r>
+              <a:rPr lang="es-MX" dirty="0"/>
+              <a:t>Numéricas</a:t>
+            </a:r>
+            <a:endParaRPr lang="en-US" dirty="0"/>
+          </a:p>
+        </p:txBody>
+      </p:sp>
+      <p:sp>
+        <p:nvSpPr>
+          <p:cNvPr id="15" name="Rectangle: Rounded Corners 14"/>
+          <p:cNvSpPr/>
+          <p:nvPr/>
+        </p:nvSpPr>
+        <p:spPr>
+          <a:xfrm>
+            <a:off x="7935985" y="2581710"/>
+            <a:ext cx="1258349" cy="422245"/>
+          </a:xfrm>
+          <a:prstGeom prst="roundRect">
+            <a:avLst/>
+          </a:prstGeom>
+        </p:spPr>
+        <p:style>
+          <a:lnRef idx="2">
+            <a:schemeClr val="accent3">
+              <a:shade val="50000"/>
+            </a:schemeClr>
+          </a:lnRef>
+          <a:fillRef idx="1">
+            <a:schemeClr val="accent3"/>
+          </a:fillRef>
+          <a:effectRef idx="0">
+            <a:schemeClr val="accent3"/>
+          </a:effectRef>
+          <a:fontRef idx="minor">
+            <a:schemeClr val="lt1"/>
+          </a:fontRef>
+        </p:style>
+        <p:txBody>
+          <a:bodyPr rtlCol="0" anchor="ctr"/>
+          <a:lstStyle/>
+          <a:p>
+            <a:pPr algn="ctr"/>
+            <a:r>
+              <a:rPr lang="es-MX" dirty="0"/>
+              <a:t>Lógicas</a:t>
+            </a:r>
+            <a:endParaRPr lang="en-US" dirty="0"/>
+          </a:p>
+        </p:txBody>
+      </p:sp>
+      <p:sp>
+        <p:nvSpPr>
+          <p:cNvPr id="16" name="Rectangle: Rounded Corners 15"/>
+          <p:cNvSpPr/>
+          <p:nvPr/>
+        </p:nvSpPr>
+        <p:spPr>
+          <a:xfrm>
+            <a:off x="7935985" y="3145871"/>
+            <a:ext cx="1258349" cy="422245"/>
+          </a:xfrm>
+          <a:prstGeom prst="roundRect">
+            <a:avLst/>
+          </a:prstGeom>
+        </p:spPr>
+        <p:style>
+          <a:lnRef idx="2">
+            <a:schemeClr val="accent3">
+              <a:shade val="50000"/>
+            </a:schemeClr>
+          </a:lnRef>
+          <a:fillRef idx="1">
+            <a:schemeClr val="accent3"/>
+          </a:fillRef>
+          <a:effectRef idx="0">
+            <a:schemeClr val="accent3"/>
+          </a:effectRef>
+          <a:fontRef idx="minor">
+            <a:schemeClr val="lt1"/>
+          </a:fontRef>
+        </p:style>
+        <p:txBody>
+          <a:bodyPr rtlCol="0" anchor="ctr"/>
+          <a:lstStyle/>
+          <a:p>
+            <a:pPr algn="ctr"/>
+            <a:r>
+              <a:rPr lang="es-MX" sz="1300" dirty="0"/>
+              <a:t>alfanuméricas</a:t>
+            </a:r>
+            <a:endParaRPr lang="en-US" sz="1300" dirty="0"/>
+          </a:p>
+        </p:txBody>
+      </p:sp>
+      <p:sp>
+        <p:nvSpPr>
+          <p:cNvPr id="17" name="Rectangle: Rounded Corners 16"/>
+          <p:cNvSpPr/>
+          <p:nvPr/>
+        </p:nvSpPr>
+        <p:spPr>
+          <a:xfrm>
+            <a:off x="7935984" y="4174221"/>
+            <a:ext cx="1258350" cy="422245"/>
+          </a:xfrm>
+          <a:prstGeom prst="roundRect">
+            <a:avLst/>
+          </a:prstGeom>
+        </p:spPr>
+        <p:style>
+          <a:lnRef idx="2">
+            <a:schemeClr val="accent3">
+              <a:shade val="50000"/>
+            </a:schemeClr>
+          </a:lnRef>
+          <a:fillRef idx="1">
+            <a:schemeClr val="accent3"/>
+          </a:fillRef>
+          <a:effectRef idx="0">
+            <a:schemeClr val="accent3"/>
+          </a:effectRef>
+          <a:fontRef idx="minor">
+            <a:schemeClr val="lt1"/>
+          </a:fontRef>
+        </p:style>
+        <p:txBody>
+          <a:bodyPr rtlCol="0" anchor="ctr"/>
+          <a:lstStyle/>
+          <a:p>
+            <a:pPr algn="ctr"/>
+            <a:r>
+              <a:rPr lang="es-MX" dirty="0"/>
+              <a:t>De trabajo</a:t>
+            </a:r>
+            <a:endParaRPr lang="en-US" dirty="0"/>
+          </a:p>
+        </p:txBody>
+      </p:sp>
+      <p:sp>
+        <p:nvSpPr>
+          <p:cNvPr id="18" name="Rectangle: Rounded Corners 17"/>
+          <p:cNvSpPr/>
+          <p:nvPr/>
+        </p:nvSpPr>
+        <p:spPr>
+          <a:xfrm>
+            <a:off x="7935984" y="4756907"/>
+            <a:ext cx="1258350" cy="422245"/>
+          </a:xfrm>
+          <a:prstGeom prst="roundRect">
+            <a:avLst/>
+          </a:prstGeom>
+        </p:spPr>
+        <p:style>
+          <a:lnRef idx="2">
+            <a:schemeClr val="accent3">
+              <a:shade val="50000"/>
+            </a:schemeClr>
+          </a:lnRef>
+          <a:fillRef idx="1">
+            <a:schemeClr val="accent3"/>
+          </a:fillRef>
+          <a:effectRef idx="0">
+            <a:schemeClr val="accent3"/>
+          </a:effectRef>
+          <a:fontRef idx="minor">
+            <a:schemeClr val="lt1"/>
+          </a:fontRef>
+        </p:style>
+        <p:txBody>
+          <a:bodyPr rtlCol="0" anchor="ctr"/>
+          <a:lstStyle/>
+          <a:p>
+            <a:pPr algn="ctr"/>
+            <a:r>
+              <a:rPr lang="es-MX" sz="1500" dirty="0"/>
+              <a:t>Contadores</a:t>
+            </a:r>
+            <a:endParaRPr lang="en-US" sz="1500" dirty="0"/>
+          </a:p>
+        </p:txBody>
+      </p:sp>
+      <p:sp>
+        <p:nvSpPr>
+          <p:cNvPr id="19" name="Rectangle: Rounded Corners 18"/>
+          <p:cNvSpPr/>
+          <p:nvPr/>
+        </p:nvSpPr>
+        <p:spPr>
+          <a:xfrm>
+            <a:off x="7935984" y="5318621"/>
+            <a:ext cx="1258350" cy="422245"/>
+          </a:xfrm>
+          <a:prstGeom prst="roundRect">
+            <a:avLst/>
+          </a:prstGeom>
+        </p:spPr>
+        <p:style>
+          <a:lnRef idx="2">
+            <a:schemeClr val="accent3">
+              <a:shade val="50000"/>
+            </a:schemeClr>
+          </a:lnRef>
+          <a:fillRef idx="1">
+            <a:schemeClr val="accent3"/>
+          </a:fillRef>
+          <a:effectRef idx="0">
+            <a:schemeClr val="accent3"/>
+          </a:effectRef>
+          <a:fontRef idx="minor">
+            <a:schemeClr val="lt1"/>
+          </a:fontRef>
+        </p:style>
+        <p:txBody>
+          <a:bodyPr rtlCol="0" anchor="ctr"/>
+          <a:lstStyle/>
+          <a:p>
+            <a:pPr algn="ctr"/>
+            <a:r>
+              <a:rPr lang="es-MX" sz="1300" dirty="0"/>
+              <a:t>Acumuladores</a:t>
+            </a:r>
+            <a:endParaRPr lang="en-US" sz="1300" dirty="0"/>
+          </a:p>
+        </p:txBody>
+      </p:sp>
+    </p:spTree>
+    <p:extLst>
+      <p:ext uri="{BB962C8B-B14F-4D97-AF65-F5344CB8AC3E}">
+        <p14:creationId xmlns:p14="http://schemas.microsoft.com/office/powerpoint/2010/main" val="3251692757"/>
+      </p:ext>
+    </p:extLst>
+  </p:cSld>
+  <p:clrMapOvr>
+    <a:masterClrMapping/>
+  </p:clrMapOvr>
+</p:sld>
+</file>
+
 <file path=ppt/slides/slide6.xml><?xml version="1.0" encoding="utf-8"?>
 <p:sld xmlns:a="http://schemas.openxmlformats.org/drawingml/2006/main" xmlns:r="http://schemas.openxmlformats.org/officeDocument/2006/relationships" xmlns:p="http://schemas.openxmlformats.org/presentationml/2006/main">
   <p:cSld>
@@ -15781,6 +16774,3812 @@
     <p:extLst>
       <p:ext uri="{BB962C8B-B14F-4D97-AF65-F5344CB8AC3E}">
         <p14:creationId xmlns:p14="http://schemas.microsoft.com/office/powerpoint/2010/main" val="2129297849"/>
+      </p:ext>
+    </p:extLst>
+  </p:cSld>
+  <p:clrMapOvr>
+    <a:masterClrMapping/>
+  </p:clrMapOvr>
+</p:sld>
+</file>
+
+<file path=ppt/slides/slide60.xml><?xml version="1.0" encoding="utf-8"?>
+<p:sld xmlns:a="http://schemas.openxmlformats.org/drawingml/2006/main" xmlns:r="http://schemas.openxmlformats.org/officeDocument/2006/relationships" xmlns:p="http://schemas.openxmlformats.org/presentationml/2006/main">
+  <p:cSld>
+    <p:spTree>
+      <p:nvGrpSpPr>
+        <p:cNvPr id="1" name=""/>
+        <p:cNvGrpSpPr/>
+        <p:nvPr/>
+      </p:nvGrpSpPr>
+      <p:grpSpPr>
+        <a:xfrm>
+          <a:off x="0" y="0"/>
+          <a:ext cx="0" cy="0"/>
+          <a:chOff x="0" y="0"/>
+          <a:chExt cx="0" cy="0"/>
+        </a:xfrm>
+      </p:grpSpPr>
+      <p:sp>
+        <p:nvSpPr>
+          <p:cNvPr id="2" name="Title 1"/>
+          <p:cNvSpPr>
+            <a:spLocks noGrp="1"/>
+          </p:cNvSpPr>
+          <p:nvPr>
+            <p:ph type="title"/>
+          </p:nvPr>
+        </p:nvSpPr>
+        <p:spPr/>
+        <p:txBody>
+          <a:bodyPr/>
+          <a:lstStyle/>
+          <a:p>
+            <a:r>
+              <a:rPr lang="en-US" dirty="0"/>
+              <a:t>Tipos de datos primitivos</a:t>
+            </a:r>
+            <a:endParaRPr lang="en-US" dirty="0"/>
+          </a:p>
+        </p:txBody>
+      </p:sp>
+      <p:sp>
+        <p:nvSpPr>
+          <p:cNvPr id="3" name="Content Placeholder 2"/>
+          <p:cNvSpPr>
+            <a:spLocks noGrp="1"/>
+          </p:cNvSpPr>
+          <p:nvPr>
+            <p:ph idx="1"/>
+          </p:nvPr>
+        </p:nvSpPr>
+        <p:spPr/>
+        <p:txBody>
+          <a:bodyPr>
+            <a:normAutofit/>
+          </a:bodyPr>
+          <a:lstStyle/>
+          <a:p>
+            <a:pPr algn="just"/>
+            <a:endParaRPr lang="es-ES" dirty="0"/>
+          </a:p>
+          <a:p>
+            <a:pPr algn="just"/>
+            <a:endParaRPr lang="en-US" dirty="0"/>
+          </a:p>
+          <a:p>
+            <a:pPr algn="just"/>
+            <a:endParaRPr lang="en-US" dirty="0"/>
+          </a:p>
+        </p:txBody>
+      </p:sp>
+      <p:pic>
+        <p:nvPicPr>
+          <p:cNvPr id="4" name="Picture 3"/>
+          <p:cNvPicPr>
+            <a:picLocks noChangeAspect="1"/>
+          </p:cNvPicPr>
+          <p:nvPr/>
+        </p:nvPicPr>
+        <p:blipFill>
+          <a:blip r:embed="rId2">
+            <a:extLst>
+              <a:ext uri="{28A0092B-C50C-407E-A947-70E740481C1C}">
+                <a14:useLocalDpi xmlns:a14="http://schemas.microsoft.com/office/drawing/2010/main" val="0"/>
+              </a:ext>
+            </a:extLst>
+          </a:blip>
+          <a:stretch>
+            <a:fillRect/>
+          </a:stretch>
+        </p:blipFill>
+        <p:spPr>
+          <a:xfrm>
+            <a:off x="10485700" y="54900"/>
+            <a:ext cx="1261800" cy="1261800"/>
+          </a:xfrm>
+          <a:prstGeom prst="rect">
+            <a:avLst/>
+          </a:prstGeom>
+        </p:spPr>
+      </p:pic>
+      <p:sp>
+        <p:nvSpPr>
+          <p:cNvPr id="17" name="Rectangle: Rounded Corners 16"/>
+          <p:cNvSpPr/>
+          <p:nvPr/>
+        </p:nvSpPr>
+        <p:spPr>
+          <a:xfrm>
+            <a:off x="1988190" y="3712827"/>
+            <a:ext cx="1795244" cy="838900"/>
+          </a:xfrm>
+          <a:prstGeom prst="roundRect">
+            <a:avLst/>
+          </a:prstGeom>
+        </p:spPr>
+        <p:style>
+          <a:lnRef idx="1">
+            <a:schemeClr val="accent2"/>
+          </a:lnRef>
+          <a:fillRef idx="3">
+            <a:schemeClr val="accent2"/>
+          </a:fillRef>
+          <a:effectRef idx="2">
+            <a:schemeClr val="accent2"/>
+          </a:effectRef>
+          <a:fontRef idx="minor">
+            <a:schemeClr val="lt1"/>
+          </a:fontRef>
+        </p:style>
+        <p:txBody>
+          <a:bodyPr rtlCol="0" anchor="ctr"/>
+          <a:lstStyle/>
+          <a:p>
+            <a:pPr algn="ctr"/>
+            <a:r>
+              <a:rPr lang="es-MX" dirty="0"/>
+              <a:t>Enteros</a:t>
+            </a:r>
+            <a:endParaRPr lang="en-US" dirty="0"/>
+          </a:p>
+        </p:txBody>
+      </p:sp>
+      <p:sp>
+        <p:nvSpPr>
+          <p:cNvPr id="18" name="Left Brace 17"/>
+          <p:cNvSpPr/>
+          <p:nvPr/>
+        </p:nvSpPr>
+        <p:spPr>
+          <a:xfrm>
+            <a:off x="4001548" y="2365696"/>
+            <a:ext cx="260059" cy="3540154"/>
+          </a:xfrm>
+          <a:prstGeom prst="leftBrace">
+            <a:avLst/>
+          </a:prstGeom>
+          <a:ln w="28575"/>
+        </p:spPr>
+        <p:style>
+          <a:lnRef idx="2">
+            <a:schemeClr val="accent4"/>
+          </a:lnRef>
+          <a:fillRef idx="0">
+            <a:schemeClr val="accent4"/>
+          </a:fillRef>
+          <a:effectRef idx="1">
+            <a:schemeClr val="accent4"/>
+          </a:effectRef>
+          <a:fontRef idx="minor">
+            <a:schemeClr val="tx1"/>
+          </a:fontRef>
+        </p:style>
+        <p:txBody>
+          <a:bodyPr rtlCol="0" anchor="ctr"/>
+          <a:lstStyle/>
+          <a:p>
+            <a:pPr algn="ctr"/>
+            <a:endParaRPr lang="en-US" dirty="0"/>
+          </a:p>
+        </p:txBody>
+      </p:sp>
+      <p:sp>
+        <p:nvSpPr>
+          <p:cNvPr id="19" name="Rectangle: Rounded Corners 18"/>
+          <p:cNvSpPr/>
+          <p:nvPr/>
+        </p:nvSpPr>
+        <p:spPr>
+          <a:xfrm>
+            <a:off x="4705365" y="2162956"/>
+            <a:ext cx="2769226" cy="864066"/>
+          </a:xfrm>
+          <a:prstGeom prst="roundRect">
+            <a:avLst/>
+          </a:prstGeom>
+        </p:spPr>
+        <p:style>
+          <a:lnRef idx="0">
+            <a:schemeClr val="accent1"/>
+          </a:lnRef>
+          <a:fillRef idx="3">
+            <a:schemeClr val="accent1"/>
+          </a:fillRef>
+          <a:effectRef idx="3">
+            <a:schemeClr val="accent1"/>
+          </a:effectRef>
+          <a:fontRef idx="minor">
+            <a:schemeClr val="lt1"/>
+          </a:fontRef>
+        </p:style>
+        <p:txBody>
+          <a:bodyPr rtlCol="0" anchor="ctr"/>
+          <a:lstStyle/>
+          <a:p>
+            <a:r>
+              <a:rPr lang="es-MX" b="1" dirty="0"/>
+              <a:t>byte</a:t>
+            </a:r>
+            <a:r>
+              <a:rPr lang="en-US" b="1" dirty="0"/>
+              <a:t>: </a:t>
+            </a:r>
+            <a:r>
+              <a:rPr lang="es-MX" sz="1300" dirty="0"/>
+              <a:t>Rango de  </a:t>
+            </a:r>
+            <a:r>
+              <a:rPr lang="en-US" sz="1300" dirty="0"/>
+              <a:t>-128 hasta 127. El valor por defecto es cero.</a:t>
+            </a:r>
+            <a:r>
+              <a:rPr lang="es-MX" sz="1300" dirty="0"/>
+              <a:t> </a:t>
+            </a:r>
+            <a:endParaRPr lang="en-US" sz="1300" dirty="0"/>
+          </a:p>
+        </p:txBody>
+      </p:sp>
+      <p:sp>
+        <p:nvSpPr>
+          <p:cNvPr id="20" name="Rectangle: Rounded Corners 19"/>
+          <p:cNvSpPr/>
+          <p:nvPr/>
+        </p:nvSpPr>
+        <p:spPr>
+          <a:xfrm>
+            <a:off x="4704507" y="3151462"/>
+            <a:ext cx="2770084" cy="889233"/>
+          </a:xfrm>
+          <a:prstGeom prst="roundRect">
+            <a:avLst/>
+          </a:prstGeom>
+        </p:spPr>
+        <p:style>
+          <a:lnRef idx="0">
+            <a:schemeClr val="accent1"/>
+          </a:lnRef>
+          <a:fillRef idx="3">
+            <a:schemeClr val="accent1"/>
+          </a:fillRef>
+          <a:effectRef idx="3">
+            <a:schemeClr val="accent1"/>
+          </a:effectRef>
+          <a:fontRef idx="minor">
+            <a:schemeClr val="lt1"/>
+          </a:fontRef>
+        </p:style>
+        <p:txBody>
+          <a:bodyPr rtlCol="0" anchor="ctr"/>
+          <a:lstStyle/>
+          <a:p>
+            <a:r>
+              <a:rPr lang="es-MX" b="1" dirty="0"/>
+              <a:t>short:</a:t>
+            </a:r>
+            <a:r>
+              <a:rPr lang="es-MX" dirty="0"/>
+              <a:t> </a:t>
+            </a:r>
+            <a:r>
+              <a:rPr lang="es-MX" sz="1300" dirty="0"/>
+              <a:t>Rango de </a:t>
+            </a:r>
+            <a:r>
+              <a:rPr lang="en-US" sz="1300" dirty="0"/>
+              <a:t>-32768 hasta 32767. El valor por defecto es cero.</a:t>
+            </a:r>
+            <a:r>
+              <a:rPr lang="en-US" dirty="0"/>
+              <a:t> </a:t>
+            </a:r>
+            <a:endParaRPr lang="en-US" dirty="0"/>
+          </a:p>
+        </p:txBody>
+      </p:sp>
+      <p:sp>
+        <p:nvSpPr>
+          <p:cNvPr id="29" name="Rectangle: Rounded Corners 28"/>
+          <p:cNvSpPr/>
+          <p:nvPr/>
+        </p:nvSpPr>
+        <p:spPr>
+          <a:xfrm>
+            <a:off x="4704507" y="4122136"/>
+            <a:ext cx="2770084" cy="889233"/>
+          </a:xfrm>
+          <a:prstGeom prst="roundRect">
+            <a:avLst/>
+          </a:prstGeom>
+        </p:spPr>
+        <p:style>
+          <a:lnRef idx="0">
+            <a:schemeClr val="accent1"/>
+          </a:lnRef>
+          <a:fillRef idx="3">
+            <a:schemeClr val="accent1"/>
+          </a:fillRef>
+          <a:effectRef idx="3">
+            <a:schemeClr val="accent1"/>
+          </a:effectRef>
+          <a:fontRef idx="minor">
+            <a:schemeClr val="lt1"/>
+          </a:fontRef>
+        </p:style>
+        <p:txBody>
+          <a:bodyPr rtlCol="0" anchor="ctr"/>
+          <a:lstStyle/>
+          <a:p>
+            <a:r>
+              <a:rPr lang="es-MX" b="1" dirty="0"/>
+              <a:t>int</a:t>
+            </a:r>
+            <a:r>
+              <a:rPr lang="en-US" b="1" dirty="0"/>
+              <a:t>: </a:t>
+            </a:r>
+            <a:r>
+              <a:rPr lang="en-US" sz="1300" dirty="0"/>
+              <a:t>Rango de </a:t>
+            </a:r>
+            <a:r>
+              <a:rPr lang="en-US" sz="1300" dirty="0"/>
+              <a:t>-2147486648 hasta 2147486647. El valor por defecto es cero.</a:t>
+            </a:r>
+            <a:endParaRPr lang="en-US" sz="1300" dirty="0"/>
+          </a:p>
+        </p:txBody>
+      </p:sp>
+      <p:sp>
+        <p:nvSpPr>
+          <p:cNvPr id="30" name="Rectangle: Rounded Corners 29"/>
+          <p:cNvSpPr/>
+          <p:nvPr/>
+        </p:nvSpPr>
+        <p:spPr>
+          <a:xfrm>
+            <a:off x="4704507" y="5105400"/>
+            <a:ext cx="2770084" cy="889233"/>
+          </a:xfrm>
+          <a:prstGeom prst="roundRect">
+            <a:avLst/>
+          </a:prstGeom>
+        </p:spPr>
+        <p:style>
+          <a:lnRef idx="0">
+            <a:schemeClr val="accent1"/>
+          </a:lnRef>
+          <a:fillRef idx="3">
+            <a:schemeClr val="accent1"/>
+          </a:fillRef>
+          <a:effectRef idx="3">
+            <a:schemeClr val="accent1"/>
+          </a:effectRef>
+          <a:fontRef idx="minor">
+            <a:schemeClr val="lt1"/>
+          </a:fontRef>
+        </p:style>
+        <p:txBody>
+          <a:bodyPr rtlCol="0" anchor="ctr"/>
+          <a:lstStyle/>
+          <a:p>
+            <a:r>
+              <a:rPr lang="es-MX" dirty="0"/>
+              <a:t>long: </a:t>
+            </a:r>
+            <a:r>
+              <a:rPr lang="es-MX" sz="1300" dirty="0"/>
+              <a:t>Rango de </a:t>
+            </a:r>
+            <a:r>
+              <a:rPr lang="es-MX" sz="1300" dirty="0"/>
+              <a:t>-9223372036854775808 hasta 9223372036854775807. </a:t>
+            </a:r>
+            <a:r>
+              <a:rPr lang="es-ES" sz="1300" dirty="0"/>
+              <a:t>El valor por defecto es cero.</a:t>
+            </a:r>
+            <a:endParaRPr lang="en-US" sz="1300" dirty="0"/>
+          </a:p>
+        </p:txBody>
+      </p:sp>
+    </p:spTree>
+    <p:extLst>
+      <p:ext uri="{BB962C8B-B14F-4D97-AF65-F5344CB8AC3E}">
+        <p14:creationId xmlns:p14="http://schemas.microsoft.com/office/powerpoint/2010/main" val="2873864226"/>
+      </p:ext>
+    </p:extLst>
+  </p:cSld>
+  <p:clrMapOvr>
+    <a:masterClrMapping/>
+  </p:clrMapOvr>
+</p:sld>
+</file>
+
+<file path=ppt/slides/slide61.xml><?xml version="1.0" encoding="utf-8"?>
+<p:sld xmlns:a="http://schemas.openxmlformats.org/drawingml/2006/main" xmlns:r="http://schemas.openxmlformats.org/officeDocument/2006/relationships" xmlns:p="http://schemas.openxmlformats.org/presentationml/2006/main">
+  <p:cSld>
+    <p:spTree>
+      <p:nvGrpSpPr>
+        <p:cNvPr id="1" name=""/>
+        <p:cNvGrpSpPr/>
+        <p:nvPr/>
+      </p:nvGrpSpPr>
+      <p:grpSpPr>
+        <a:xfrm>
+          <a:off x="0" y="0"/>
+          <a:ext cx="0" cy="0"/>
+          <a:chOff x="0" y="0"/>
+          <a:chExt cx="0" cy="0"/>
+        </a:xfrm>
+      </p:grpSpPr>
+      <p:sp>
+        <p:nvSpPr>
+          <p:cNvPr id="2" name="Title 1"/>
+          <p:cNvSpPr>
+            <a:spLocks noGrp="1"/>
+          </p:cNvSpPr>
+          <p:nvPr>
+            <p:ph type="title"/>
+          </p:nvPr>
+        </p:nvSpPr>
+        <p:spPr/>
+        <p:txBody>
+          <a:bodyPr/>
+          <a:lstStyle/>
+          <a:p>
+            <a:r>
+              <a:rPr lang="en-US" dirty="0"/>
+              <a:t>Tipos de datos primitivos</a:t>
+            </a:r>
+            <a:endParaRPr lang="en-US" dirty="0"/>
+          </a:p>
+        </p:txBody>
+      </p:sp>
+      <p:sp>
+        <p:nvSpPr>
+          <p:cNvPr id="3" name="Content Placeholder 2"/>
+          <p:cNvSpPr>
+            <a:spLocks noGrp="1"/>
+          </p:cNvSpPr>
+          <p:nvPr>
+            <p:ph idx="1"/>
+          </p:nvPr>
+        </p:nvSpPr>
+        <p:spPr/>
+        <p:txBody>
+          <a:bodyPr>
+            <a:normAutofit/>
+          </a:bodyPr>
+          <a:lstStyle/>
+          <a:p>
+            <a:pPr algn="just"/>
+            <a:endParaRPr lang="es-ES" dirty="0"/>
+          </a:p>
+          <a:p>
+            <a:pPr algn="just"/>
+            <a:endParaRPr lang="en-US" dirty="0"/>
+          </a:p>
+          <a:p>
+            <a:pPr algn="just"/>
+            <a:endParaRPr lang="en-US" dirty="0"/>
+          </a:p>
+        </p:txBody>
+      </p:sp>
+      <p:pic>
+        <p:nvPicPr>
+          <p:cNvPr id="4" name="Picture 3"/>
+          <p:cNvPicPr>
+            <a:picLocks noChangeAspect="1"/>
+          </p:cNvPicPr>
+          <p:nvPr/>
+        </p:nvPicPr>
+        <p:blipFill>
+          <a:blip r:embed="rId2">
+            <a:extLst>
+              <a:ext uri="{28A0092B-C50C-407E-A947-70E740481C1C}">
+                <a14:useLocalDpi xmlns:a14="http://schemas.microsoft.com/office/drawing/2010/main" val="0"/>
+              </a:ext>
+            </a:extLst>
+          </a:blip>
+          <a:stretch>
+            <a:fillRect/>
+          </a:stretch>
+        </p:blipFill>
+        <p:spPr>
+          <a:xfrm>
+            <a:off x="10485700" y="54900"/>
+            <a:ext cx="1261800" cy="1261800"/>
+          </a:xfrm>
+          <a:prstGeom prst="rect">
+            <a:avLst/>
+          </a:prstGeom>
+        </p:spPr>
+      </p:pic>
+      <p:sp>
+        <p:nvSpPr>
+          <p:cNvPr id="17" name="Rectangle: Rounded Corners 16"/>
+          <p:cNvSpPr/>
+          <p:nvPr/>
+        </p:nvSpPr>
+        <p:spPr>
+          <a:xfrm>
+            <a:off x="1988190" y="3712827"/>
+            <a:ext cx="1795244" cy="838900"/>
+          </a:xfrm>
+          <a:prstGeom prst="roundRect">
+            <a:avLst/>
+          </a:prstGeom>
+        </p:spPr>
+        <p:style>
+          <a:lnRef idx="1">
+            <a:schemeClr val="accent2"/>
+          </a:lnRef>
+          <a:fillRef idx="3">
+            <a:schemeClr val="accent2"/>
+          </a:fillRef>
+          <a:effectRef idx="2">
+            <a:schemeClr val="accent2"/>
+          </a:effectRef>
+          <a:fontRef idx="minor">
+            <a:schemeClr val="lt1"/>
+          </a:fontRef>
+        </p:style>
+        <p:txBody>
+          <a:bodyPr rtlCol="0" anchor="ctr"/>
+          <a:lstStyle/>
+          <a:p>
+            <a:pPr algn="ctr"/>
+            <a:r>
+              <a:rPr lang="es-MX" dirty="0"/>
+              <a:t>Real ó decimal</a:t>
+            </a:r>
+            <a:endParaRPr lang="en-US" dirty="0"/>
+          </a:p>
+        </p:txBody>
+      </p:sp>
+      <p:sp>
+        <p:nvSpPr>
+          <p:cNvPr id="18" name="Left Brace 17"/>
+          <p:cNvSpPr/>
+          <p:nvPr/>
+        </p:nvSpPr>
+        <p:spPr>
+          <a:xfrm>
+            <a:off x="4001548" y="3151462"/>
+            <a:ext cx="260059" cy="1859907"/>
+          </a:xfrm>
+          <a:prstGeom prst="leftBrace">
+            <a:avLst/>
+          </a:prstGeom>
+          <a:ln w="28575"/>
+        </p:spPr>
+        <p:style>
+          <a:lnRef idx="2">
+            <a:schemeClr val="accent4"/>
+          </a:lnRef>
+          <a:fillRef idx="0">
+            <a:schemeClr val="accent4"/>
+          </a:fillRef>
+          <a:effectRef idx="1">
+            <a:schemeClr val="accent4"/>
+          </a:effectRef>
+          <a:fontRef idx="minor">
+            <a:schemeClr val="tx1"/>
+          </a:fontRef>
+        </p:style>
+        <p:txBody>
+          <a:bodyPr rtlCol="0" anchor="ctr"/>
+          <a:lstStyle/>
+          <a:p>
+            <a:pPr algn="ctr"/>
+            <a:endParaRPr lang="en-US" dirty="0"/>
+          </a:p>
+        </p:txBody>
+      </p:sp>
+      <p:sp>
+        <p:nvSpPr>
+          <p:cNvPr id="20" name="Rectangle: Rounded Corners 19"/>
+          <p:cNvSpPr/>
+          <p:nvPr/>
+        </p:nvSpPr>
+        <p:spPr>
+          <a:xfrm>
+            <a:off x="4704507" y="3151462"/>
+            <a:ext cx="2770084" cy="889233"/>
+          </a:xfrm>
+          <a:prstGeom prst="roundRect">
+            <a:avLst/>
+          </a:prstGeom>
+        </p:spPr>
+        <p:style>
+          <a:lnRef idx="0">
+            <a:schemeClr val="accent1"/>
+          </a:lnRef>
+          <a:fillRef idx="3">
+            <a:schemeClr val="accent1"/>
+          </a:fillRef>
+          <a:effectRef idx="3">
+            <a:schemeClr val="accent1"/>
+          </a:effectRef>
+          <a:fontRef idx="minor">
+            <a:schemeClr val="lt1"/>
+          </a:fontRef>
+        </p:style>
+        <p:txBody>
+          <a:bodyPr rtlCol="0" anchor="ctr"/>
+          <a:lstStyle/>
+          <a:p>
+            <a:r>
+              <a:rPr lang="es-MX" b="1" dirty="0"/>
+              <a:t>float:</a:t>
+            </a:r>
+            <a:r>
+              <a:rPr lang="es-MX" dirty="0"/>
+              <a:t> </a:t>
+            </a:r>
+            <a:r>
+              <a:rPr lang="en-US" sz="1300" dirty="0"/>
+              <a:t>El valor por defecto es 0.0F.</a:t>
+            </a:r>
+            <a:r>
+              <a:rPr lang="en-US" dirty="0"/>
+              <a:t> </a:t>
+            </a:r>
+            <a:endParaRPr lang="en-US" dirty="0"/>
+          </a:p>
+        </p:txBody>
+      </p:sp>
+      <p:sp>
+        <p:nvSpPr>
+          <p:cNvPr id="29" name="Rectangle: Rounded Corners 28"/>
+          <p:cNvSpPr/>
+          <p:nvPr/>
+        </p:nvSpPr>
+        <p:spPr>
+          <a:xfrm>
+            <a:off x="4704507" y="4122136"/>
+            <a:ext cx="2770084" cy="889233"/>
+          </a:xfrm>
+          <a:prstGeom prst="roundRect">
+            <a:avLst/>
+          </a:prstGeom>
+        </p:spPr>
+        <p:style>
+          <a:lnRef idx="0">
+            <a:schemeClr val="accent1"/>
+          </a:lnRef>
+          <a:fillRef idx="3">
+            <a:schemeClr val="accent1"/>
+          </a:fillRef>
+          <a:effectRef idx="3">
+            <a:schemeClr val="accent1"/>
+          </a:effectRef>
+          <a:fontRef idx="minor">
+            <a:schemeClr val="lt1"/>
+          </a:fontRef>
+        </p:style>
+        <p:txBody>
+          <a:bodyPr rtlCol="0" anchor="ctr"/>
+          <a:lstStyle/>
+          <a:p>
+            <a:r>
+              <a:rPr lang="es-MX" b="1" dirty="0"/>
+              <a:t>double</a:t>
+            </a:r>
+            <a:r>
+              <a:rPr lang="en-US" b="1" dirty="0"/>
+              <a:t>: </a:t>
+            </a:r>
+            <a:r>
+              <a:rPr lang="en-US" sz="1300" dirty="0"/>
+              <a:t>El valor por defecto es 0.0D.</a:t>
+            </a:r>
+            <a:endParaRPr lang="en-US" sz="1300" dirty="0"/>
+          </a:p>
+        </p:txBody>
+      </p:sp>
+    </p:spTree>
+    <p:extLst>
+      <p:ext uri="{BB962C8B-B14F-4D97-AF65-F5344CB8AC3E}">
+        <p14:creationId xmlns:p14="http://schemas.microsoft.com/office/powerpoint/2010/main" val="774384240"/>
+      </p:ext>
+    </p:extLst>
+  </p:cSld>
+  <p:clrMapOvr>
+    <a:masterClrMapping/>
+  </p:clrMapOvr>
+</p:sld>
+</file>
+
+<file path=ppt/slides/slide62.xml><?xml version="1.0" encoding="utf-8"?>
+<p:sld xmlns:a="http://schemas.openxmlformats.org/drawingml/2006/main" xmlns:r="http://schemas.openxmlformats.org/officeDocument/2006/relationships" xmlns:p="http://schemas.openxmlformats.org/presentationml/2006/main">
+  <p:cSld>
+    <p:spTree>
+      <p:nvGrpSpPr>
+        <p:cNvPr id="1" name=""/>
+        <p:cNvGrpSpPr/>
+        <p:nvPr/>
+      </p:nvGrpSpPr>
+      <p:grpSpPr>
+        <a:xfrm>
+          <a:off x="0" y="0"/>
+          <a:ext cx="0" cy="0"/>
+          <a:chOff x="0" y="0"/>
+          <a:chExt cx="0" cy="0"/>
+        </a:xfrm>
+      </p:grpSpPr>
+      <p:sp>
+        <p:nvSpPr>
+          <p:cNvPr id="2" name="Title 1"/>
+          <p:cNvSpPr>
+            <a:spLocks noGrp="1"/>
+          </p:cNvSpPr>
+          <p:nvPr>
+            <p:ph type="title"/>
+          </p:nvPr>
+        </p:nvSpPr>
+        <p:spPr/>
+        <p:txBody>
+          <a:bodyPr/>
+          <a:lstStyle/>
+          <a:p>
+            <a:r>
+              <a:rPr lang="en-US" dirty="0"/>
+              <a:t>Tipos de datos primitivos</a:t>
+            </a:r>
+            <a:endParaRPr lang="en-US" dirty="0"/>
+          </a:p>
+        </p:txBody>
+      </p:sp>
+      <p:sp>
+        <p:nvSpPr>
+          <p:cNvPr id="3" name="Content Placeholder 2"/>
+          <p:cNvSpPr>
+            <a:spLocks noGrp="1"/>
+          </p:cNvSpPr>
+          <p:nvPr>
+            <p:ph idx="1"/>
+          </p:nvPr>
+        </p:nvSpPr>
+        <p:spPr/>
+        <p:txBody>
+          <a:bodyPr>
+            <a:normAutofit/>
+          </a:bodyPr>
+          <a:lstStyle/>
+          <a:p>
+            <a:pPr algn="just"/>
+            <a:endParaRPr lang="es-ES" dirty="0"/>
+          </a:p>
+          <a:p>
+            <a:pPr algn="just"/>
+            <a:endParaRPr lang="en-US" dirty="0"/>
+          </a:p>
+          <a:p>
+            <a:pPr algn="just"/>
+            <a:endParaRPr lang="en-US" dirty="0"/>
+          </a:p>
+        </p:txBody>
+      </p:sp>
+      <p:pic>
+        <p:nvPicPr>
+          <p:cNvPr id="4" name="Picture 3"/>
+          <p:cNvPicPr>
+            <a:picLocks noChangeAspect="1"/>
+          </p:cNvPicPr>
+          <p:nvPr/>
+        </p:nvPicPr>
+        <p:blipFill>
+          <a:blip r:embed="rId2">
+            <a:extLst>
+              <a:ext uri="{28A0092B-C50C-407E-A947-70E740481C1C}">
+                <a14:useLocalDpi xmlns:a14="http://schemas.microsoft.com/office/drawing/2010/main" val="0"/>
+              </a:ext>
+            </a:extLst>
+          </a:blip>
+          <a:stretch>
+            <a:fillRect/>
+          </a:stretch>
+        </p:blipFill>
+        <p:spPr>
+          <a:xfrm>
+            <a:off x="10485700" y="54900"/>
+            <a:ext cx="1261800" cy="1261800"/>
+          </a:xfrm>
+          <a:prstGeom prst="rect">
+            <a:avLst/>
+          </a:prstGeom>
+        </p:spPr>
+      </p:pic>
+      <p:sp>
+        <p:nvSpPr>
+          <p:cNvPr id="17" name="Rectangle: Rounded Corners 16"/>
+          <p:cNvSpPr/>
+          <p:nvPr/>
+        </p:nvSpPr>
+        <p:spPr>
+          <a:xfrm>
+            <a:off x="1988190" y="3712827"/>
+            <a:ext cx="1795244" cy="838900"/>
+          </a:xfrm>
+          <a:prstGeom prst="roundRect">
+            <a:avLst/>
+          </a:prstGeom>
+        </p:spPr>
+        <p:style>
+          <a:lnRef idx="1">
+            <a:schemeClr val="accent2"/>
+          </a:lnRef>
+          <a:fillRef idx="3">
+            <a:schemeClr val="accent2"/>
+          </a:fillRef>
+          <a:effectRef idx="2">
+            <a:schemeClr val="accent2"/>
+          </a:effectRef>
+          <a:fontRef idx="minor">
+            <a:schemeClr val="lt1"/>
+          </a:fontRef>
+        </p:style>
+        <p:txBody>
+          <a:bodyPr rtlCol="0" anchor="ctr"/>
+          <a:lstStyle/>
+          <a:p>
+            <a:pPr algn="ctr"/>
+            <a:r>
+              <a:rPr lang="es-MX" dirty="0"/>
+              <a:t>Booleanos</a:t>
+            </a:r>
+            <a:endParaRPr lang="en-US" dirty="0"/>
+          </a:p>
+        </p:txBody>
+      </p:sp>
+      <p:sp>
+        <p:nvSpPr>
+          <p:cNvPr id="18" name="Left Brace 17"/>
+          <p:cNvSpPr/>
+          <p:nvPr/>
+        </p:nvSpPr>
+        <p:spPr>
+          <a:xfrm>
+            <a:off x="4001548" y="3151462"/>
+            <a:ext cx="260059" cy="1859907"/>
+          </a:xfrm>
+          <a:prstGeom prst="leftBrace">
+            <a:avLst/>
+          </a:prstGeom>
+          <a:ln w="28575"/>
+        </p:spPr>
+        <p:style>
+          <a:lnRef idx="2">
+            <a:schemeClr val="accent4"/>
+          </a:lnRef>
+          <a:fillRef idx="0">
+            <a:schemeClr val="accent4"/>
+          </a:fillRef>
+          <a:effectRef idx="1">
+            <a:schemeClr val="accent4"/>
+          </a:effectRef>
+          <a:fontRef idx="minor">
+            <a:schemeClr val="tx1"/>
+          </a:fontRef>
+        </p:style>
+        <p:txBody>
+          <a:bodyPr rtlCol="0" anchor="ctr"/>
+          <a:lstStyle/>
+          <a:p>
+            <a:pPr algn="ctr"/>
+            <a:endParaRPr lang="en-US" dirty="0"/>
+          </a:p>
+        </p:txBody>
+      </p:sp>
+      <p:sp>
+        <p:nvSpPr>
+          <p:cNvPr id="20" name="Rectangle: Rounded Corners 19"/>
+          <p:cNvSpPr/>
+          <p:nvPr/>
+        </p:nvSpPr>
+        <p:spPr>
+          <a:xfrm>
+            <a:off x="4712896" y="3636798"/>
+            <a:ext cx="2770084" cy="889233"/>
+          </a:xfrm>
+          <a:prstGeom prst="roundRect">
+            <a:avLst/>
+          </a:prstGeom>
+        </p:spPr>
+        <p:style>
+          <a:lnRef idx="0">
+            <a:schemeClr val="accent1"/>
+          </a:lnRef>
+          <a:fillRef idx="3">
+            <a:schemeClr val="accent1"/>
+          </a:fillRef>
+          <a:effectRef idx="3">
+            <a:schemeClr val="accent1"/>
+          </a:effectRef>
+          <a:fontRef idx="minor">
+            <a:schemeClr val="lt1"/>
+          </a:fontRef>
+        </p:style>
+        <p:txBody>
+          <a:bodyPr rtlCol="0" anchor="ctr"/>
+          <a:lstStyle/>
+          <a:p>
+            <a:r>
+              <a:rPr lang="es-MX" b="1" dirty="0"/>
+              <a:t>boolean:</a:t>
+            </a:r>
+            <a:r>
+              <a:rPr lang="es-MX" dirty="0"/>
+              <a:t> </a:t>
+            </a:r>
+            <a:r>
+              <a:rPr lang="en-US" sz="1300" dirty="0"/>
+              <a:t>El valor por defecto es false.</a:t>
+            </a:r>
+            <a:r>
+              <a:rPr lang="en-US" dirty="0"/>
+              <a:t> </a:t>
+            </a:r>
+            <a:endParaRPr lang="en-US" dirty="0"/>
+          </a:p>
+        </p:txBody>
+      </p:sp>
+    </p:spTree>
+    <p:extLst>
+      <p:ext uri="{BB962C8B-B14F-4D97-AF65-F5344CB8AC3E}">
+        <p14:creationId xmlns:p14="http://schemas.microsoft.com/office/powerpoint/2010/main" val="1279479781"/>
+      </p:ext>
+    </p:extLst>
+  </p:cSld>
+  <p:clrMapOvr>
+    <a:masterClrMapping/>
+  </p:clrMapOvr>
+</p:sld>
+</file>
+
+<file path=ppt/slides/slide63.xml><?xml version="1.0" encoding="utf-8"?>
+<p:sld xmlns:a="http://schemas.openxmlformats.org/drawingml/2006/main" xmlns:r="http://schemas.openxmlformats.org/officeDocument/2006/relationships" xmlns:p="http://schemas.openxmlformats.org/presentationml/2006/main">
+  <p:cSld>
+    <p:spTree>
+      <p:nvGrpSpPr>
+        <p:cNvPr id="1" name=""/>
+        <p:cNvGrpSpPr/>
+        <p:nvPr/>
+      </p:nvGrpSpPr>
+      <p:grpSpPr>
+        <a:xfrm>
+          <a:off x="0" y="0"/>
+          <a:ext cx="0" cy="0"/>
+          <a:chOff x="0" y="0"/>
+          <a:chExt cx="0" cy="0"/>
+        </a:xfrm>
+      </p:grpSpPr>
+      <p:sp>
+        <p:nvSpPr>
+          <p:cNvPr id="2" name="Title 1"/>
+          <p:cNvSpPr>
+            <a:spLocks noGrp="1"/>
+          </p:cNvSpPr>
+          <p:nvPr>
+            <p:ph type="title"/>
+          </p:nvPr>
+        </p:nvSpPr>
+        <p:spPr/>
+        <p:txBody>
+          <a:bodyPr/>
+          <a:lstStyle/>
+          <a:p>
+            <a:r>
+              <a:rPr lang="en-US" dirty="0"/>
+              <a:t>Tipos de datos primitivos</a:t>
+            </a:r>
+            <a:endParaRPr lang="en-US" dirty="0"/>
+          </a:p>
+        </p:txBody>
+      </p:sp>
+      <p:sp>
+        <p:nvSpPr>
+          <p:cNvPr id="3" name="Content Placeholder 2"/>
+          <p:cNvSpPr>
+            <a:spLocks noGrp="1"/>
+          </p:cNvSpPr>
+          <p:nvPr>
+            <p:ph idx="1"/>
+          </p:nvPr>
+        </p:nvSpPr>
+        <p:spPr/>
+        <p:txBody>
+          <a:bodyPr>
+            <a:normAutofit/>
+          </a:bodyPr>
+          <a:lstStyle/>
+          <a:p>
+            <a:pPr algn="just"/>
+            <a:endParaRPr lang="es-ES" dirty="0"/>
+          </a:p>
+          <a:p>
+            <a:pPr algn="just"/>
+            <a:endParaRPr lang="en-US" dirty="0"/>
+          </a:p>
+          <a:p>
+            <a:pPr algn="just"/>
+            <a:endParaRPr lang="en-US" dirty="0"/>
+          </a:p>
+        </p:txBody>
+      </p:sp>
+      <p:pic>
+        <p:nvPicPr>
+          <p:cNvPr id="4" name="Picture 3"/>
+          <p:cNvPicPr>
+            <a:picLocks noChangeAspect="1"/>
+          </p:cNvPicPr>
+          <p:nvPr/>
+        </p:nvPicPr>
+        <p:blipFill>
+          <a:blip r:embed="rId2">
+            <a:extLst>
+              <a:ext uri="{28A0092B-C50C-407E-A947-70E740481C1C}">
+                <a14:useLocalDpi xmlns:a14="http://schemas.microsoft.com/office/drawing/2010/main" val="0"/>
+              </a:ext>
+            </a:extLst>
+          </a:blip>
+          <a:stretch>
+            <a:fillRect/>
+          </a:stretch>
+        </p:blipFill>
+        <p:spPr>
+          <a:xfrm>
+            <a:off x="10485700" y="54900"/>
+            <a:ext cx="1261800" cy="1261800"/>
+          </a:xfrm>
+          <a:prstGeom prst="rect">
+            <a:avLst/>
+          </a:prstGeom>
+        </p:spPr>
+      </p:pic>
+      <p:sp>
+        <p:nvSpPr>
+          <p:cNvPr id="17" name="Rectangle: Rounded Corners 16"/>
+          <p:cNvSpPr/>
+          <p:nvPr/>
+        </p:nvSpPr>
+        <p:spPr>
+          <a:xfrm>
+            <a:off x="1988190" y="3712827"/>
+            <a:ext cx="1795244" cy="838900"/>
+          </a:xfrm>
+          <a:prstGeom prst="roundRect">
+            <a:avLst/>
+          </a:prstGeom>
+        </p:spPr>
+        <p:style>
+          <a:lnRef idx="1">
+            <a:schemeClr val="accent2"/>
+          </a:lnRef>
+          <a:fillRef idx="3">
+            <a:schemeClr val="accent2"/>
+          </a:fillRef>
+          <a:effectRef idx="2">
+            <a:schemeClr val="accent2"/>
+          </a:effectRef>
+          <a:fontRef idx="minor">
+            <a:schemeClr val="lt1"/>
+          </a:fontRef>
+        </p:style>
+        <p:txBody>
+          <a:bodyPr rtlCol="0" anchor="ctr"/>
+          <a:lstStyle/>
+          <a:p>
+            <a:pPr algn="ctr"/>
+            <a:r>
+              <a:rPr lang="es-MX" dirty="0"/>
+              <a:t>Caracteres</a:t>
+            </a:r>
+            <a:endParaRPr lang="en-US" dirty="0"/>
+          </a:p>
+        </p:txBody>
+      </p:sp>
+      <p:sp>
+        <p:nvSpPr>
+          <p:cNvPr id="18" name="Left Brace 17"/>
+          <p:cNvSpPr/>
+          <p:nvPr/>
+        </p:nvSpPr>
+        <p:spPr>
+          <a:xfrm>
+            <a:off x="4001548" y="3151462"/>
+            <a:ext cx="260059" cy="1859907"/>
+          </a:xfrm>
+          <a:prstGeom prst="leftBrace">
+            <a:avLst/>
+          </a:prstGeom>
+          <a:ln w="28575"/>
+        </p:spPr>
+        <p:style>
+          <a:lnRef idx="2">
+            <a:schemeClr val="accent4"/>
+          </a:lnRef>
+          <a:fillRef idx="0">
+            <a:schemeClr val="accent4"/>
+          </a:fillRef>
+          <a:effectRef idx="1">
+            <a:schemeClr val="accent4"/>
+          </a:effectRef>
+          <a:fontRef idx="minor">
+            <a:schemeClr val="tx1"/>
+          </a:fontRef>
+        </p:style>
+        <p:txBody>
+          <a:bodyPr rtlCol="0" anchor="ctr"/>
+          <a:lstStyle/>
+          <a:p>
+            <a:pPr algn="ctr"/>
+            <a:endParaRPr lang="en-US" dirty="0"/>
+          </a:p>
+        </p:txBody>
+      </p:sp>
+      <p:sp>
+        <p:nvSpPr>
+          <p:cNvPr id="20" name="Rectangle: Rounded Corners 19"/>
+          <p:cNvSpPr/>
+          <p:nvPr/>
+        </p:nvSpPr>
+        <p:spPr>
+          <a:xfrm>
+            <a:off x="4712896" y="3636798"/>
+            <a:ext cx="2770084" cy="889233"/>
+          </a:xfrm>
+          <a:prstGeom prst="roundRect">
+            <a:avLst/>
+          </a:prstGeom>
+        </p:spPr>
+        <p:style>
+          <a:lnRef idx="0">
+            <a:schemeClr val="accent1"/>
+          </a:lnRef>
+          <a:fillRef idx="3">
+            <a:schemeClr val="accent1"/>
+          </a:fillRef>
+          <a:effectRef idx="3">
+            <a:schemeClr val="accent1"/>
+          </a:effectRef>
+          <a:fontRef idx="minor">
+            <a:schemeClr val="lt1"/>
+          </a:fontRef>
+        </p:style>
+        <p:txBody>
+          <a:bodyPr rtlCol="0" anchor="ctr"/>
+          <a:lstStyle/>
+          <a:p>
+            <a:r>
+              <a:rPr lang="es-MX" b="1" dirty="0"/>
+              <a:t>char:</a:t>
+            </a:r>
+            <a:r>
+              <a:rPr lang="es-MX" dirty="0"/>
+              <a:t> </a:t>
+            </a:r>
+            <a:r>
+              <a:rPr lang="en-US" sz="1300" dirty="0"/>
+              <a:t>El valor por defecto es 0 bien su valor en c</a:t>
+            </a:r>
+            <a:r>
+              <a:rPr lang="es-MX" sz="1300" dirty="0"/>
+              <a:t>ódigo ASCII</a:t>
+            </a:r>
+            <a:r>
+              <a:rPr lang="en-US" sz="1300" dirty="0"/>
+              <a:t>.</a:t>
+            </a:r>
+            <a:r>
+              <a:rPr lang="en-US" dirty="0"/>
+              <a:t> </a:t>
+            </a:r>
+            <a:endParaRPr lang="en-US" dirty="0"/>
+          </a:p>
+        </p:txBody>
+      </p:sp>
+    </p:spTree>
+    <p:extLst>
+      <p:ext uri="{BB962C8B-B14F-4D97-AF65-F5344CB8AC3E}">
+        <p14:creationId xmlns:p14="http://schemas.microsoft.com/office/powerpoint/2010/main" val="2302724383"/>
+      </p:ext>
+    </p:extLst>
+  </p:cSld>
+  <p:clrMapOvr>
+    <a:masterClrMapping/>
+  </p:clrMapOvr>
+</p:sld>
+</file>
+
+<file path=ppt/slides/slide64.xml><?xml version="1.0" encoding="utf-8"?>
+<p:sld xmlns:a="http://schemas.openxmlformats.org/drawingml/2006/main" xmlns:r="http://schemas.openxmlformats.org/officeDocument/2006/relationships" xmlns:p="http://schemas.openxmlformats.org/presentationml/2006/main">
+  <p:cSld>
+    <p:spTree>
+      <p:nvGrpSpPr>
+        <p:cNvPr id="1" name=""/>
+        <p:cNvGrpSpPr/>
+        <p:nvPr/>
+      </p:nvGrpSpPr>
+      <p:grpSpPr>
+        <a:xfrm>
+          <a:off x="0" y="0"/>
+          <a:ext cx="0" cy="0"/>
+          <a:chOff x="0" y="0"/>
+          <a:chExt cx="0" cy="0"/>
+        </a:xfrm>
+      </p:grpSpPr>
+      <p:sp>
+        <p:nvSpPr>
+          <p:cNvPr id="2" name="Title 1"/>
+          <p:cNvSpPr>
+            <a:spLocks noGrp="1"/>
+          </p:cNvSpPr>
+          <p:nvPr>
+            <p:ph type="title"/>
+          </p:nvPr>
+        </p:nvSpPr>
+        <p:spPr/>
+        <p:txBody>
+          <a:bodyPr/>
+          <a:lstStyle/>
+          <a:p>
+            <a:r>
+              <a:rPr lang="en-US" dirty="0"/>
+              <a:t>Tipos de datos </a:t>
+            </a:r>
+            <a:r>
+              <a:rPr lang="en-US" strike="sngStrike" dirty="0">
+                <a:solidFill>
+                  <a:srgbClr val="FF0000"/>
+                </a:solidFill>
+              </a:rPr>
+              <a:t>primitivos</a:t>
+            </a:r>
+            <a:r>
+              <a:rPr lang="en-US" dirty="0"/>
+              <a:t>  referencia</a:t>
+            </a:r>
+            <a:endParaRPr lang="en-US" dirty="0"/>
+          </a:p>
+        </p:txBody>
+      </p:sp>
+      <p:sp>
+        <p:nvSpPr>
+          <p:cNvPr id="3" name="Content Placeholder 2"/>
+          <p:cNvSpPr>
+            <a:spLocks noGrp="1"/>
+          </p:cNvSpPr>
+          <p:nvPr>
+            <p:ph idx="1"/>
+          </p:nvPr>
+        </p:nvSpPr>
+        <p:spPr/>
+        <p:txBody>
+          <a:bodyPr>
+            <a:normAutofit/>
+          </a:bodyPr>
+          <a:lstStyle/>
+          <a:p>
+            <a:pPr algn="just"/>
+            <a:endParaRPr lang="es-ES" dirty="0"/>
+          </a:p>
+          <a:p>
+            <a:pPr algn="just"/>
+            <a:endParaRPr lang="en-US" dirty="0"/>
+          </a:p>
+          <a:p>
+            <a:pPr algn="just"/>
+            <a:endParaRPr lang="en-US" dirty="0"/>
+          </a:p>
+        </p:txBody>
+      </p:sp>
+      <p:pic>
+        <p:nvPicPr>
+          <p:cNvPr id="4" name="Picture 3"/>
+          <p:cNvPicPr>
+            <a:picLocks noChangeAspect="1"/>
+          </p:cNvPicPr>
+          <p:nvPr/>
+        </p:nvPicPr>
+        <p:blipFill>
+          <a:blip r:embed="rId2">
+            <a:extLst>
+              <a:ext uri="{28A0092B-C50C-407E-A947-70E740481C1C}">
+                <a14:useLocalDpi xmlns:a14="http://schemas.microsoft.com/office/drawing/2010/main" val="0"/>
+              </a:ext>
+            </a:extLst>
+          </a:blip>
+          <a:stretch>
+            <a:fillRect/>
+          </a:stretch>
+        </p:blipFill>
+        <p:spPr>
+          <a:xfrm>
+            <a:off x="10485700" y="54900"/>
+            <a:ext cx="1261800" cy="1261800"/>
+          </a:xfrm>
+          <a:prstGeom prst="rect">
+            <a:avLst/>
+          </a:prstGeom>
+        </p:spPr>
+      </p:pic>
+      <p:sp>
+        <p:nvSpPr>
+          <p:cNvPr id="17" name="Rectangle: Rounded Corners 16"/>
+          <p:cNvSpPr/>
+          <p:nvPr/>
+        </p:nvSpPr>
+        <p:spPr>
+          <a:xfrm>
+            <a:off x="1988190" y="3712827"/>
+            <a:ext cx="1795244" cy="838900"/>
+          </a:xfrm>
+          <a:prstGeom prst="roundRect">
+            <a:avLst/>
+          </a:prstGeom>
+        </p:spPr>
+        <p:style>
+          <a:lnRef idx="1">
+            <a:schemeClr val="accent2"/>
+          </a:lnRef>
+          <a:fillRef idx="3">
+            <a:schemeClr val="accent2"/>
+          </a:fillRef>
+          <a:effectRef idx="2">
+            <a:schemeClr val="accent2"/>
+          </a:effectRef>
+          <a:fontRef idx="minor">
+            <a:schemeClr val="lt1"/>
+          </a:fontRef>
+        </p:style>
+        <p:txBody>
+          <a:bodyPr rtlCol="0" anchor="ctr"/>
+          <a:lstStyle/>
+          <a:p>
+            <a:pPr algn="ctr"/>
+            <a:r>
+              <a:rPr lang="es-MX" dirty="0"/>
+              <a:t>Cadenas</a:t>
+            </a:r>
+            <a:endParaRPr lang="en-US" dirty="0"/>
+          </a:p>
+        </p:txBody>
+      </p:sp>
+      <p:sp>
+        <p:nvSpPr>
+          <p:cNvPr id="18" name="Left Brace 17"/>
+          <p:cNvSpPr/>
+          <p:nvPr/>
+        </p:nvSpPr>
+        <p:spPr>
+          <a:xfrm>
+            <a:off x="4001548" y="3151462"/>
+            <a:ext cx="260059" cy="1859907"/>
+          </a:xfrm>
+          <a:prstGeom prst="leftBrace">
+            <a:avLst/>
+          </a:prstGeom>
+          <a:ln w="28575"/>
+        </p:spPr>
+        <p:style>
+          <a:lnRef idx="2">
+            <a:schemeClr val="accent4"/>
+          </a:lnRef>
+          <a:fillRef idx="0">
+            <a:schemeClr val="accent4"/>
+          </a:fillRef>
+          <a:effectRef idx="1">
+            <a:schemeClr val="accent4"/>
+          </a:effectRef>
+          <a:fontRef idx="minor">
+            <a:schemeClr val="tx1"/>
+          </a:fontRef>
+        </p:style>
+        <p:txBody>
+          <a:bodyPr rtlCol="0" anchor="ctr"/>
+          <a:lstStyle/>
+          <a:p>
+            <a:pPr algn="ctr"/>
+            <a:endParaRPr lang="en-US" dirty="0"/>
+          </a:p>
+        </p:txBody>
+      </p:sp>
+      <p:sp>
+        <p:nvSpPr>
+          <p:cNvPr id="20" name="Rectangle: Rounded Corners 19"/>
+          <p:cNvSpPr/>
+          <p:nvPr/>
+        </p:nvSpPr>
+        <p:spPr>
+          <a:xfrm>
+            <a:off x="4634058" y="3533948"/>
+            <a:ext cx="2770084" cy="1094934"/>
+          </a:xfrm>
+          <a:prstGeom prst="roundRect">
+            <a:avLst/>
+          </a:prstGeom>
+        </p:spPr>
+        <p:style>
+          <a:lnRef idx="0">
+            <a:schemeClr val="accent1"/>
+          </a:lnRef>
+          <a:fillRef idx="3">
+            <a:schemeClr val="accent1"/>
+          </a:fillRef>
+          <a:effectRef idx="3">
+            <a:schemeClr val="accent1"/>
+          </a:effectRef>
+          <a:fontRef idx="minor">
+            <a:schemeClr val="lt1"/>
+          </a:fontRef>
+        </p:style>
+        <p:txBody>
+          <a:bodyPr rtlCol="0" anchor="ctr"/>
+          <a:lstStyle/>
+          <a:p>
+            <a:r>
+              <a:rPr lang="es-MX" b="1" dirty="0"/>
+              <a:t>String:</a:t>
+            </a:r>
+            <a:r>
+              <a:rPr lang="es-MX" dirty="0"/>
+              <a:t> </a:t>
+            </a:r>
+            <a:r>
+              <a:rPr lang="es-MX" sz="1300" dirty="0"/>
+              <a:t>Almacena valores alfanuméricos </a:t>
+            </a:r>
+            <a:r>
+              <a:rPr lang="en-US" sz="1300" dirty="0"/>
+              <a:t>(texto, n</a:t>
+            </a:r>
+            <a:r>
+              <a:rPr lang="es-MX" sz="1300" dirty="0"/>
+              <a:t>úmeros, caracteres especiales</a:t>
+            </a:r>
+            <a:r>
+              <a:rPr lang="en-US" sz="1300" dirty="0"/>
+              <a:t>)</a:t>
+            </a:r>
+            <a:r>
+              <a:rPr lang="es-MX" sz="1300" dirty="0"/>
+              <a:t>.E</a:t>
+            </a:r>
+            <a:r>
+              <a:rPr lang="en-US" sz="1300" dirty="0"/>
+              <a:t>l valor por defecto es </a:t>
+            </a:r>
+            <a:r>
+              <a:rPr lang="es-MX" sz="1300" dirty="0"/>
+              <a:t>null</a:t>
+            </a:r>
+            <a:r>
+              <a:rPr lang="en-US" sz="1300" dirty="0"/>
+              <a:t>.</a:t>
+            </a:r>
+            <a:r>
+              <a:rPr lang="en-US" dirty="0"/>
+              <a:t> </a:t>
+            </a:r>
+            <a:endParaRPr lang="en-US" dirty="0"/>
+          </a:p>
+        </p:txBody>
+      </p:sp>
+    </p:spTree>
+    <p:extLst>
+      <p:ext uri="{BB962C8B-B14F-4D97-AF65-F5344CB8AC3E}">
+        <p14:creationId xmlns:p14="http://schemas.microsoft.com/office/powerpoint/2010/main" val="362357953"/>
+      </p:ext>
+    </p:extLst>
+  </p:cSld>
+  <p:clrMapOvr>
+    <a:masterClrMapping/>
+  </p:clrMapOvr>
+</p:sld>
+</file>
+
+<file path=ppt/slides/slide65.xml><?xml version="1.0" encoding="utf-8"?>
+<p:sld xmlns:a="http://schemas.openxmlformats.org/drawingml/2006/main" xmlns:r="http://schemas.openxmlformats.org/officeDocument/2006/relationships" xmlns:p="http://schemas.openxmlformats.org/presentationml/2006/main">
+  <p:cSld>
+    <p:spTree>
+      <p:nvGrpSpPr>
+        <p:cNvPr id="1" name=""/>
+        <p:cNvGrpSpPr/>
+        <p:nvPr/>
+      </p:nvGrpSpPr>
+      <p:grpSpPr>
+        <a:xfrm>
+          <a:off x="0" y="0"/>
+          <a:ext cx="0" cy="0"/>
+          <a:chOff x="0" y="0"/>
+          <a:chExt cx="0" cy="0"/>
+        </a:xfrm>
+      </p:grpSpPr>
+      <p:sp>
+        <p:nvSpPr>
+          <p:cNvPr id="2" name="Title 1"/>
+          <p:cNvSpPr>
+            <a:spLocks noGrp="1"/>
+          </p:cNvSpPr>
+          <p:nvPr>
+            <p:ph type="title"/>
+          </p:nvPr>
+        </p:nvSpPr>
+        <p:spPr/>
+        <p:txBody>
+          <a:bodyPr/>
+          <a:lstStyle/>
+          <a:p>
+            <a:r>
+              <a:rPr lang="es-ES" dirty="0"/>
+              <a:t>Variables</a:t>
+            </a:r>
+            <a:endParaRPr lang="en-US" dirty="0"/>
+          </a:p>
+        </p:txBody>
+      </p:sp>
+      <p:sp>
+        <p:nvSpPr>
+          <p:cNvPr id="3" name="Content Placeholder 2"/>
+          <p:cNvSpPr>
+            <a:spLocks noGrp="1"/>
+          </p:cNvSpPr>
+          <p:nvPr>
+            <p:ph idx="1"/>
+          </p:nvPr>
+        </p:nvSpPr>
+        <p:spPr/>
+        <p:txBody>
+          <a:bodyPr>
+            <a:normAutofit/>
+          </a:bodyPr>
+          <a:lstStyle/>
+          <a:p>
+            <a:pPr algn="just"/>
+            <a:r>
+              <a:rPr lang="es-ES" dirty="0"/>
+              <a:t>Para declarar e inicializar variables en Java utilizamos la siguiente estructura:</a:t>
+            </a:r>
+          </a:p>
+          <a:p>
+            <a:pPr algn="just"/>
+            <a:endParaRPr lang="es-ES" dirty="0"/>
+          </a:p>
+          <a:p>
+            <a:pPr algn="just"/>
+            <a:endParaRPr lang="es-ES" dirty="0"/>
+          </a:p>
+          <a:p>
+            <a:pPr algn="just"/>
+            <a:endParaRPr lang="en-US" dirty="0"/>
+          </a:p>
+          <a:p>
+            <a:pPr algn="just"/>
+            <a:endParaRPr lang="en-US" dirty="0"/>
+          </a:p>
+        </p:txBody>
+      </p:sp>
+      <p:pic>
+        <p:nvPicPr>
+          <p:cNvPr id="4" name="Picture 3"/>
+          <p:cNvPicPr>
+            <a:picLocks noChangeAspect="1"/>
+          </p:cNvPicPr>
+          <p:nvPr/>
+        </p:nvPicPr>
+        <p:blipFill>
+          <a:blip r:embed="rId2">
+            <a:extLst>
+              <a:ext uri="{28A0092B-C50C-407E-A947-70E740481C1C}">
+                <a14:useLocalDpi xmlns:a14="http://schemas.microsoft.com/office/drawing/2010/main" val="0"/>
+              </a:ext>
+            </a:extLst>
+          </a:blip>
+          <a:stretch>
+            <a:fillRect/>
+          </a:stretch>
+        </p:blipFill>
+        <p:spPr>
+          <a:xfrm>
+            <a:off x="10485700" y="54900"/>
+            <a:ext cx="1261800" cy="1261800"/>
+          </a:xfrm>
+          <a:prstGeom prst="rect">
+            <a:avLst/>
+          </a:prstGeom>
+        </p:spPr>
+      </p:pic>
+      <p:sp>
+        <p:nvSpPr>
+          <p:cNvPr id="5" name="Rectangle: Rounded Corners 4"/>
+          <p:cNvSpPr/>
+          <p:nvPr/>
+        </p:nvSpPr>
+        <p:spPr>
+          <a:xfrm>
+            <a:off x="2382472" y="3783434"/>
+            <a:ext cx="1526797" cy="864066"/>
+          </a:xfrm>
+          <a:prstGeom prst="roundRect">
+            <a:avLst/>
+          </a:prstGeom>
+          <a:gradFill flip="none" rotWithShape="1">
+            <a:gsLst>
+              <a:gs pos="0">
+                <a:schemeClr val="accent1">
+                  <a:lumMod val="67000"/>
+                </a:schemeClr>
+              </a:gs>
+              <a:gs pos="48000">
+                <a:schemeClr val="accent1">
+                  <a:lumMod val="97000"/>
+                  <a:lumOff val="3000"/>
+                </a:schemeClr>
+              </a:gs>
+              <a:gs pos="100000">
+                <a:schemeClr val="accent1">
+                  <a:lumMod val="60000"/>
+                  <a:lumOff val="40000"/>
+                </a:schemeClr>
+              </a:gs>
+            </a:gsLst>
+            <a:lin ang="16200000" scaled="1"/>
+            <a:tileRect/>
+          </a:gradFill>
+          <a:ln>
+            <a:noFill/>
+          </a:ln>
+        </p:spPr>
+        <p:style>
+          <a:lnRef idx="0">
+            <a:scrgbClr r="0" g="0" b="0"/>
+          </a:lnRef>
+          <a:fillRef idx="0">
+            <a:scrgbClr r="0" g="0" b="0"/>
+          </a:fillRef>
+          <a:effectRef idx="0">
+            <a:scrgbClr r="0" g="0" b="0"/>
+          </a:effectRef>
+          <a:fontRef idx="minor">
+            <a:schemeClr val="lt1"/>
+          </a:fontRef>
+        </p:style>
+        <p:txBody>
+          <a:bodyPr rtlCol="0" anchor="ctr"/>
+          <a:lstStyle/>
+          <a:p>
+            <a:pPr algn="ctr"/>
+            <a:r>
+              <a:rPr lang="es-MX" dirty="0"/>
+              <a:t>Tipo de dato</a:t>
+            </a:r>
+            <a:endParaRPr lang="en-US" dirty="0"/>
+          </a:p>
+        </p:txBody>
+      </p:sp>
+      <p:sp>
+        <p:nvSpPr>
+          <p:cNvPr id="6" name="Rectangle: Rounded Corners 5"/>
+          <p:cNvSpPr/>
+          <p:nvPr/>
+        </p:nvSpPr>
+        <p:spPr>
+          <a:xfrm>
+            <a:off x="4236439" y="3783434"/>
+            <a:ext cx="2407642" cy="864066"/>
+          </a:xfrm>
+          <a:prstGeom prst="roundRect">
+            <a:avLst/>
+          </a:prstGeom>
+        </p:spPr>
+        <p:style>
+          <a:lnRef idx="0">
+            <a:schemeClr val="accent2"/>
+          </a:lnRef>
+          <a:fillRef idx="3">
+            <a:schemeClr val="accent2"/>
+          </a:fillRef>
+          <a:effectRef idx="3">
+            <a:schemeClr val="accent2"/>
+          </a:effectRef>
+          <a:fontRef idx="minor">
+            <a:schemeClr val="lt1"/>
+          </a:fontRef>
+        </p:style>
+        <p:txBody>
+          <a:bodyPr rtlCol="0" anchor="ctr"/>
+          <a:lstStyle/>
+          <a:p>
+            <a:pPr algn="ctr"/>
+            <a:r>
+              <a:rPr lang="es-MX" dirty="0"/>
+              <a:t>Nombre de la variable</a:t>
+            </a:r>
+            <a:endParaRPr lang="en-US" dirty="0"/>
+          </a:p>
+        </p:txBody>
+      </p:sp>
+      <p:sp>
+        <p:nvSpPr>
+          <p:cNvPr id="9" name="Rectangle: Rounded Corners 8"/>
+          <p:cNvSpPr/>
+          <p:nvPr/>
+        </p:nvSpPr>
+        <p:spPr>
+          <a:xfrm>
+            <a:off x="7953621" y="3674378"/>
+            <a:ext cx="864067" cy="572548"/>
+          </a:xfrm>
+          <a:prstGeom prst="roundRect">
+            <a:avLst/>
+          </a:prstGeom>
+          <a:gradFill flip="none" rotWithShape="1">
+            <a:gsLst>
+              <a:gs pos="0">
+                <a:schemeClr val="accent1">
+                  <a:lumMod val="67000"/>
+                </a:schemeClr>
+              </a:gs>
+              <a:gs pos="48000">
+                <a:schemeClr val="accent1">
+                  <a:lumMod val="97000"/>
+                  <a:lumOff val="3000"/>
+                </a:schemeClr>
+              </a:gs>
+              <a:gs pos="100000">
+                <a:schemeClr val="accent1">
+                  <a:lumMod val="60000"/>
+                  <a:lumOff val="40000"/>
+                </a:schemeClr>
+              </a:gs>
+            </a:gsLst>
+            <a:lin ang="16200000" scaled="1"/>
+            <a:tileRect/>
+          </a:gradFill>
+          <a:ln>
+            <a:noFill/>
+          </a:ln>
+        </p:spPr>
+        <p:style>
+          <a:lnRef idx="0">
+            <a:scrgbClr r="0" g="0" b="0"/>
+          </a:lnRef>
+          <a:fillRef idx="0">
+            <a:scrgbClr r="0" g="0" b="0"/>
+          </a:fillRef>
+          <a:effectRef idx="0">
+            <a:scrgbClr r="0" g="0" b="0"/>
+          </a:effectRef>
+          <a:fontRef idx="minor">
+            <a:schemeClr val="lt1"/>
+          </a:fontRef>
+        </p:style>
+        <p:txBody>
+          <a:bodyPr rtlCol="0" anchor="ctr"/>
+          <a:lstStyle/>
+          <a:p>
+            <a:pPr algn="ctr"/>
+            <a:r>
+              <a:rPr lang="es-MX" dirty="0"/>
+              <a:t>float</a:t>
+            </a:r>
+            <a:endParaRPr lang="en-US" dirty="0"/>
+          </a:p>
+        </p:txBody>
+      </p:sp>
+      <p:sp>
+        <p:nvSpPr>
+          <p:cNvPr id="10" name="Rectangle: Rounded Corners 9"/>
+          <p:cNvSpPr/>
+          <p:nvPr/>
+        </p:nvSpPr>
+        <p:spPr>
+          <a:xfrm>
+            <a:off x="8977616" y="3657600"/>
+            <a:ext cx="880845" cy="572548"/>
+          </a:xfrm>
+          <a:prstGeom prst="roundRect">
+            <a:avLst/>
+          </a:prstGeom>
+        </p:spPr>
+        <p:style>
+          <a:lnRef idx="0">
+            <a:schemeClr val="accent2"/>
+          </a:lnRef>
+          <a:fillRef idx="3">
+            <a:schemeClr val="accent2"/>
+          </a:fillRef>
+          <a:effectRef idx="3">
+            <a:schemeClr val="accent2"/>
+          </a:effectRef>
+          <a:fontRef idx="minor">
+            <a:schemeClr val="lt1"/>
+          </a:fontRef>
+        </p:style>
+        <p:txBody>
+          <a:bodyPr rtlCol="0" anchor="ctr"/>
+          <a:lstStyle/>
+          <a:p>
+            <a:pPr algn="ctr"/>
+            <a:r>
+              <a:rPr lang="es-MX" dirty="0"/>
+              <a:t>peso</a:t>
+            </a:r>
+            <a:endParaRPr lang="en-US" dirty="0"/>
+          </a:p>
+        </p:txBody>
+      </p:sp>
+      <p:sp>
+        <p:nvSpPr>
+          <p:cNvPr id="11" name="Rectangle: Rounded Corners 10"/>
+          <p:cNvSpPr/>
+          <p:nvPr/>
+        </p:nvSpPr>
+        <p:spPr>
+          <a:xfrm>
+            <a:off x="7945231" y="4463992"/>
+            <a:ext cx="864067" cy="572548"/>
+          </a:xfrm>
+          <a:prstGeom prst="roundRect">
+            <a:avLst/>
+          </a:prstGeom>
+          <a:gradFill flip="none" rotWithShape="1">
+            <a:gsLst>
+              <a:gs pos="0">
+                <a:schemeClr val="accent1">
+                  <a:lumMod val="67000"/>
+                </a:schemeClr>
+              </a:gs>
+              <a:gs pos="48000">
+                <a:schemeClr val="accent1">
+                  <a:lumMod val="97000"/>
+                  <a:lumOff val="3000"/>
+                </a:schemeClr>
+              </a:gs>
+              <a:gs pos="100000">
+                <a:schemeClr val="accent1">
+                  <a:lumMod val="60000"/>
+                  <a:lumOff val="40000"/>
+                </a:schemeClr>
+              </a:gs>
+            </a:gsLst>
+            <a:lin ang="16200000" scaled="1"/>
+            <a:tileRect/>
+          </a:gradFill>
+          <a:ln>
+            <a:noFill/>
+          </a:ln>
+        </p:spPr>
+        <p:style>
+          <a:lnRef idx="0">
+            <a:scrgbClr r="0" g="0" b="0"/>
+          </a:lnRef>
+          <a:fillRef idx="0">
+            <a:scrgbClr r="0" g="0" b="0"/>
+          </a:fillRef>
+          <a:effectRef idx="0">
+            <a:scrgbClr r="0" g="0" b="0"/>
+          </a:effectRef>
+          <a:fontRef idx="minor">
+            <a:schemeClr val="lt1"/>
+          </a:fontRef>
+        </p:style>
+        <p:txBody>
+          <a:bodyPr rtlCol="0" anchor="ctr"/>
+          <a:lstStyle/>
+          <a:p>
+            <a:pPr algn="ctr"/>
+            <a:r>
+              <a:rPr lang="es-MX" dirty="0"/>
+              <a:t>int</a:t>
+            </a:r>
+            <a:endParaRPr lang="en-US" dirty="0"/>
+          </a:p>
+        </p:txBody>
+      </p:sp>
+      <p:sp>
+        <p:nvSpPr>
+          <p:cNvPr id="12" name="Rectangle: Rounded Corners 11"/>
+          <p:cNvSpPr/>
+          <p:nvPr/>
+        </p:nvSpPr>
+        <p:spPr>
+          <a:xfrm>
+            <a:off x="8969226" y="4447214"/>
+            <a:ext cx="880845" cy="572548"/>
+          </a:xfrm>
+          <a:prstGeom prst="roundRect">
+            <a:avLst/>
+          </a:prstGeom>
+        </p:spPr>
+        <p:style>
+          <a:lnRef idx="0">
+            <a:schemeClr val="accent2"/>
+          </a:lnRef>
+          <a:fillRef idx="3">
+            <a:schemeClr val="accent2"/>
+          </a:fillRef>
+          <a:effectRef idx="3">
+            <a:schemeClr val="accent2"/>
+          </a:effectRef>
+          <a:fontRef idx="minor">
+            <a:schemeClr val="lt1"/>
+          </a:fontRef>
+        </p:style>
+        <p:txBody>
+          <a:bodyPr rtlCol="0" anchor="ctr"/>
+          <a:lstStyle/>
+          <a:p>
+            <a:pPr algn="ctr"/>
+            <a:r>
+              <a:rPr lang="es-MX" dirty="0"/>
+              <a:t>edad</a:t>
+            </a:r>
+            <a:endParaRPr lang="en-US" dirty="0"/>
+          </a:p>
+        </p:txBody>
+      </p:sp>
+      <p:sp>
+        <p:nvSpPr>
+          <p:cNvPr id="8" name="Rectangle: Rounded Corners 7"/>
+          <p:cNvSpPr/>
+          <p:nvPr/>
+        </p:nvSpPr>
+        <p:spPr>
+          <a:xfrm>
+            <a:off x="9992147" y="3674378"/>
+            <a:ext cx="209725" cy="596317"/>
+          </a:xfrm>
+          <a:prstGeom prst="roundRect">
+            <a:avLst/>
+          </a:prstGeom>
+        </p:spPr>
+        <p:style>
+          <a:lnRef idx="0">
+            <a:schemeClr val="accent5"/>
+          </a:lnRef>
+          <a:fillRef idx="3">
+            <a:schemeClr val="accent5"/>
+          </a:fillRef>
+          <a:effectRef idx="3">
+            <a:schemeClr val="accent5"/>
+          </a:effectRef>
+          <a:fontRef idx="minor">
+            <a:schemeClr val="lt1"/>
+          </a:fontRef>
+        </p:style>
+        <p:txBody>
+          <a:bodyPr rtlCol="0" anchor="ctr"/>
+          <a:lstStyle/>
+          <a:p>
+            <a:pPr algn="ctr"/>
+            <a:r>
+              <a:rPr lang="en-US" dirty="0"/>
+              <a:t>;</a:t>
+            </a:r>
+          </a:p>
+        </p:txBody>
+      </p:sp>
+      <p:sp>
+        <p:nvSpPr>
+          <p:cNvPr id="14" name="Rectangle: Rounded Corners 13"/>
+          <p:cNvSpPr/>
+          <p:nvPr/>
+        </p:nvSpPr>
+        <p:spPr>
+          <a:xfrm>
+            <a:off x="9991609" y="4423445"/>
+            <a:ext cx="209725" cy="596317"/>
+          </a:xfrm>
+          <a:prstGeom prst="roundRect">
+            <a:avLst/>
+          </a:prstGeom>
+        </p:spPr>
+        <p:style>
+          <a:lnRef idx="0">
+            <a:schemeClr val="accent5"/>
+          </a:lnRef>
+          <a:fillRef idx="3">
+            <a:schemeClr val="accent5"/>
+          </a:fillRef>
+          <a:effectRef idx="3">
+            <a:schemeClr val="accent5"/>
+          </a:effectRef>
+          <a:fontRef idx="minor">
+            <a:schemeClr val="lt1"/>
+          </a:fontRef>
+        </p:style>
+        <p:txBody>
+          <a:bodyPr rtlCol="0" anchor="ctr"/>
+          <a:lstStyle/>
+          <a:p>
+            <a:pPr algn="ctr"/>
+            <a:r>
+              <a:rPr lang="en-US" dirty="0"/>
+              <a:t>;</a:t>
+            </a:r>
+          </a:p>
+        </p:txBody>
+      </p:sp>
+      <p:sp>
+        <p:nvSpPr>
+          <p:cNvPr id="15" name="Rectangle: Rounded Corners 14"/>
+          <p:cNvSpPr/>
+          <p:nvPr/>
+        </p:nvSpPr>
+        <p:spPr>
+          <a:xfrm>
+            <a:off x="7945231" y="5227040"/>
+            <a:ext cx="864067" cy="572548"/>
+          </a:xfrm>
+          <a:prstGeom prst="roundRect">
+            <a:avLst/>
+          </a:prstGeom>
+          <a:gradFill flip="none" rotWithShape="1">
+            <a:gsLst>
+              <a:gs pos="0">
+                <a:schemeClr val="accent1">
+                  <a:lumMod val="67000"/>
+                </a:schemeClr>
+              </a:gs>
+              <a:gs pos="48000">
+                <a:schemeClr val="accent1">
+                  <a:lumMod val="97000"/>
+                  <a:lumOff val="3000"/>
+                </a:schemeClr>
+              </a:gs>
+              <a:gs pos="100000">
+                <a:schemeClr val="accent1">
+                  <a:lumMod val="60000"/>
+                  <a:lumOff val="40000"/>
+                </a:schemeClr>
+              </a:gs>
+            </a:gsLst>
+            <a:lin ang="16200000" scaled="1"/>
+            <a:tileRect/>
+          </a:gradFill>
+          <a:ln>
+            <a:noFill/>
+          </a:ln>
+        </p:spPr>
+        <p:style>
+          <a:lnRef idx="0">
+            <a:scrgbClr r="0" g="0" b="0"/>
+          </a:lnRef>
+          <a:fillRef idx="0">
+            <a:scrgbClr r="0" g="0" b="0"/>
+          </a:fillRef>
+          <a:effectRef idx="0">
+            <a:scrgbClr r="0" g="0" b="0"/>
+          </a:effectRef>
+          <a:fontRef idx="minor">
+            <a:schemeClr val="lt1"/>
+          </a:fontRef>
+        </p:style>
+        <p:txBody>
+          <a:bodyPr rtlCol="0" anchor="ctr"/>
+          <a:lstStyle/>
+          <a:p>
+            <a:pPr algn="ctr"/>
+            <a:r>
+              <a:rPr lang="es-MX" dirty="0"/>
+              <a:t>String</a:t>
+            </a:r>
+            <a:endParaRPr lang="en-US" dirty="0"/>
+          </a:p>
+        </p:txBody>
+      </p:sp>
+      <p:sp>
+        <p:nvSpPr>
+          <p:cNvPr id="16" name="Rectangle: Rounded Corners 15"/>
+          <p:cNvSpPr/>
+          <p:nvPr/>
+        </p:nvSpPr>
+        <p:spPr>
+          <a:xfrm>
+            <a:off x="8969226" y="5210262"/>
+            <a:ext cx="880845" cy="572548"/>
+          </a:xfrm>
+          <a:prstGeom prst="roundRect">
+            <a:avLst/>
+          </a:prstGeom>
+        </p:spPr>
+        <p:style>
+          <a:lnRef idx="0">
+            <a:schemeClr val="accent2"/>
+          </a:lnRef>
+          <a:fillRef idx="3">
+            <a:schemeClr val="accent2"/>
+          </a:fillRef>
+          <a:effectRef idx="3">
+            <a:schemeClr val="accent2"/>
+          </a:effectRef>
+          <a:fontRef idx="minor">
+            <a:schemeClr val="lt1"/>
+          </a:fontRef>
+        </p:style>
+        <p:txBody>
+          <a:bodyPr rtlCol="0" anchor="ctr"/>
+          <a:lstStyle/>
+          <a:p>
+            <a:pPr algn="ctr"/>
+            <a:r>
+              <a:rPr lang="es-MX" sz="1400" dirty="0"/>
+              <a:t>nombre</a:t>
+            </a:r>
+            <a:endParaRPr lang="en-US" sz="1400" dirty="0"/>
+          </a:p>
+        </p:txBody>
+      </p:sp>
+      <p:sp>
+        <p:nvSpPr>
+          <p:cNvPr id="17" name="Rectangle: Rounded Corners 16"/>
+          <p:cNvSpPr/>
+          <p:nvPr/>
+        </p:nvSpPr>
+        <p:spPr>
+          <a:xfrm>
+            <a:off x="9991609" y="5186493"/>
+            <a:ext cx="209725" cy="596317"/>
+          </a:xfrm>
+          <a:prstGeom prst="roundRect">
+            <a:avLst/>
+          </a:prstGeom>
+        </p:spPr>
+        <p:style>
+          <a:lnRef idx="0">
+            <a:schemeClr val="accent5"/>
+          </a:lnRef>
+          <a:fillRef idx="3">
+            <a:schemeClr val="accent5"/>
+          </a:fillRef>
+          <a:effectRef idx="3">
+            <a:schemeClr val="accent5"/>
+          </a:effectRef>
+          <a:fontRef idx="minor">
+            <a:schemeClr val="lt1"/>
+          </a:fontRef>
+        </p:style>
+        <p:txBody>
+          <a:bodyPr rtlCol="0" anchor="ctr"/>
+          <a:lstStyle/>
+          <a:p>
+            <a:pPr algn="ctr"/>
+            <a:r>
+              <a:rPr lang="en-US" dirty="0"/>
+              <a:t>;</a:t>
+            </a:r>
+          </a:p>
+        </p:txBody>
+      </p:sp>
+      <p:sp>
+        <p:nvSpPr>
+          <p:cNvPr id="18" name="Rectangle: Rounded Corners 17"/>
+          <p:cNvSpPr/>
+          <p:nvPr/>
+        </p:nvSpPr>
+        <p:spPr>
+          <a:xfrm>
+            <a:off x="7945231" y="5981699"/>
+            <a:ext cx="864067" cy="572548"/>
+          </a:xfrm>
+          <a:prstGeom prst="roundRect">
+            <a:avLst/>
+          </a:prstGeom>
+          <a:gradFill flip="none" rotWithShape="1">
+            <a:gsLst>
+              <a:gs pos="0">
+                <a:schemeClr val="accent1">
+                  <a:lumMod val="67000"/>
+                </a:schemeClr>
+              </a:gs>
+              <a:gs pos="48000">
+                <a:schemeClr val="accent1">
+                  <a:lumMod val="97000"/>
+                  <a:lumOff val="3000"/>
+                </a:schemeClr>
+              </a:gs>
+              <a:gs pos="100000">
+                <a:schemeClr val="accent1">
+                  <a:lumMod val="60000"/>
+                  <a:lumOff val="40000"/>
+                </a:schemeClr>
+              </a:gs>
+            </a:gsLst>
+            <a:lin ang="16200000" scaled="1"/>
+            <a:tileRect/>
+          </a:gradFill>
+          <a:ln>
+            <a:noFill/>
+          </a:ln>
+        </p:spPr>
+        <p:style>
+          <a:lnRef idx="0">
+            <a:scrgbClr r="0" g="0" b="0"/>
+          </a:lnRef>
+          <a:fillRef idx="0">
+            <a:scrgbClr r="0" g="0" b="0"/>
+          </a:fillRef>
+          <a:effectRef idx="0">
+            <a:scrgbClr r="0" g="0" b="0"/>
+          </a:effectRef>
+          <a:fontRef idx="minor">
+            <a:schemeClr val="lt1"/>
+          </a:fontRef>
+        </p:style>
+        <p:txBody>
+          <a:bodyPr rtlCol="0" anchor="ctr"/>
+          <a:lstStyle/>
+          <a:p>
+            <a:pPr algn="ctr"/>
+            <a:r>
+              <a:rPr lang="es-MX" dirty="0"/>
+              <a:t>byte</a:t>
+            </a:r>
+            <a:endParaRPr lang="en-US" dirty="0"/>
+          </a:p>
+        </p:txBody>
+      </p:sp>
+      <p:sp>
+        <p:nvSpPr>
+          <p:cNvPr id="19" name="Rectangle: Rounded Corners 18"/>
+          <p:cNvSpPr/>
+          <p:nvPr/>
+        </p:nvSpPr>
+        <p:spPr>
+          <a:xfrm>
+            <a:off x="8969226" y="5964921"/>
+            <a:ext cx="880845" cy="572548"/>
+          </a:xfrm>
+          <a:prstGeom prst="roundRect">
+            <a:avLst/>
+          </a:prstGeom>
+        </p:spPr>
+        <p:style>
+          <a:lnRef idx="0">
+            <a:schemeClr val="accent2"/>
+          </a:lnRef>
+          <a:fillRef idx="3">
+            <a:schemeClr val="accent2"/>
+          </a:fillRef>
+          <a:effectRef idx="3">
+            <a:schemeClr val="accent2"/>
+          </a:effectRef>
+          <a:fontRef idx="minor">
+            <a:schemeClr val="lt1"/>
+          </a:fontRef>
+        </p:style>
+        <p:txBody>
+          <a:bodyPr rtlCol="0" anchor="ctr"/>
+          <a:lstStyle/>
+          <a:p>
+            <a:pPr algn="ctr"/>
+            <a:r>
+              <a:rPr lang="es-MX" dirty="0" err="1"/>
+              <a:t>miVar</a:t>
+            </a:r>
+            <a:endParaRPr lang="en-US" dirty="0"/>
+          </a:p>
+        </p:txBody>
+      </p:sp>
+      <p:sp>
+        <p:nvSpPr>
+          <p:cNvPr id="20" name="Rectangle: Rounded Corners 19"/>
+          <p:cNvSpPr/>
+          <p:nvPr/>
+        </p:nvSpPr>
+        <p:spPr>
+          <a:xfrm>
+            <a:off x="9991609" y="5941152"/>
+            <a:ext cx="209725" cy="596317"/>
+          </a:xfrm>
+          <a:prstGeom prst="roundRect">
+            <a:avLst/>
+          </a:prstGeom>
+        </p:spPr>
+        <p:style>
+          <a:lnRef idx="0">
+            <a:schemeClr val="accent5"/>
+          </a:lnRef>
+          <a:fillRef idx="3">
+            <a:schemeClr val="accent5"/>
+          </a:fillRef>
+          <a:effectRef idx="3">
+            <a:schemeClr val="accent5"/>
+          </a:effectRef>
+          <a:fontRef idx="minor">
+            <a:schemeClr val="lt1"/>
+          </a:fontRef>
+        </p:style>
+        <p:txBody>
+          <a:bodyPr rtlCol="0" anchor="ctr"/>
+          <a:lstStyle/>
+          <a:p>
+            <a:pPr algn="ctr"/>
+            <a:r>
+              <a:rPr lang="en-US" dirty="0"/>
+              <a:t>;</a:t>
+            </a:r>
+          </a:p>
+        </p:txBody>
+      </p:sp>
+      <p:sp>
+        <p:nvSpPr>
+          <p:cNvPr id="21" name="Rectangle: Rounded Corners 20"/>
+          <p:cNvSpPr/>
+          <p:nvPr/>
+        </p:nvSpPr>
+        <p:spPr>
+          <a:xfrm>
+            <a:off x="6804010" y="3783434"/>
+            <a:ext cx="167242" cy="864066"/>
+          </a:xfrm>
+          <a:prstGeom prst="roundRect">
+            <a:avLst/>
+          </a:prstGeom>
+        </p:spPr>
+        <p:style>
+          <a:lnRef idx="0">
+            <a:schemeClr val="accent5"/>
+          </a:lnRef>
+          <a:fillRef idx="3">
+            <a:schemeClr val="accent5"/>
+          </a:fillRef>
+          <a:effectRef idx="3">
+            <a:schemeClr val="accent5"/>
+          </a:effectRef>
+          <a:fontRef idx="minor">
+            <a:schemeClr val="lt1"/>
+          </a:fontRef>
+        </p:style>
+        <p:txBody>
+          <a:bodyPr rtlCol="0" anchor="ctr"/>
+          <a:lstStyle/>
+          <a:p>
+            <a:pPr algn="ctr"/>
+            <a:r>
+              <a:rPr lang="en-US" dirty="0"/>
+              <a:t>;</a:t>
+            </a:r>
+          </a:p>
+        </p:txBody>
+      </p:sp>
+    </p:spTree>
+    <p:extLst>
+      <p:ext uri="{BB962C8B-B14F-4D97-AF65-F5344CB8AC3E}">
+        <p14:creationId xmlns:p14="http://schemas.microsoft.com/office/powerpoint/2010/main" val="2032386481"/>
+      </p:ext>
+    </p:extLst>
+  </p:cSld>
+  <p:clrMapOvr>
+    <a:masterClrMapping/>
+  </p:clrMapOvr>
+</p:sld>
+</file>
+
+<file path=ppt/slides/slide66.xml><?xml version="1.0" encoding="utf-8"?>
+<p:sld xmlns:a="http://schemas.openxmlformats.org/drawingml/2006/main" xmlns:r="http://schemas.openxmlformats.org/officeDocument/2006/relationships" xmlns:p="http://schemas.openxmlformats.org/presentationml/2006/main">
+  <p:cSld>
+    <p:spTree>
+      <p:nvGrpSpPr>
+        <p:cNvPr id="1" name=""/>
+        <p:cNvGrpSpPr/>
+        <p:nvPr/>
+      </p:nvGrpSpPr>
+      <p:grpSpPr>
+        <a:xfrm>
+          <a:off x="0" y="0"/>
+          <a:ext cx="0" cy="0"/>
+          <a:chOff x="0" y="0"/>
+          <a:chExt cx="0" cy="0"/>
+        </a:xfrm>
+      </p:grpSpPr>
+      <p:sp>
+        <p:nvSpPr>
+          <p:cNvPr id="2" name="Title 1"/>
+          <p:cNvSpPr>
+            <a:spLocks noGrp="1"/>
+          </p:cNvSpPr>
+          <p:nvPr>
+            <p:ph type="title"/>
+          </p:nvPr>
+        </p:nvSpPr>
+        <p:spPr/>
+        <p:txBody>
+          <a:bodyPr/>
+          <a:lstStyle/>
+          <a:p>
+            <a:r>
+              <a:rPr lang="es-ES" dirty="0"/>
+              <a:t>Variables</a:t>
+            </a:r>
+            <a:endParaRPr lang="en-US" dirty="0"/>
+          </a:p>
+        </p:txBody>
+      </p:sp>
+      <p:sp>
+        <p:nvSpPr>
+          <p:cNvPr id="3" name="Content Placeholder 2"/>
+          <p:cNvSpPr>
+            <a:spLocks noGrp="1"/>
+          </p:cNvSpPr>
+          <p:nvPr>
+            <p:ph idx="1"/>
+          </p:nvPr>
+        </p:nvSpPr>
+        <p:spPr/>
+        <p:txBody>
+          <a:bodyPr>
+            <a:normAutofit/>
+          </a:bodyPr>
+          <a:lstStyle/>
+          <a:p>
+            <a:pPr algn="just"/>
+            <a:r>
+              <a:rPr lang="es-ES" dirty="0"/>
+              <a:t>Ejemplo:</a:t>
+            </a:r>
+          </a:p>
+          <a:p>
+            <a:pPr algn="just"/>
+            <a:endParaRPr lang="es-ES" dirty="0"/>
+          </a:p>
+          <a:p>
+            <a:pPr algn="just"/>
+            <a:endParaRPr lang="es-ES" dirty="0"/>
+          </a:p>
+          <a:p>
+            <a:pPr algn="just"/>
+            <a:endParaRPr lang="en-US" dirty="0"/>
+          </a:p>
+          <a:p>
+            <a:pPr algn="just"/>
+            <a:endParaRPr lang="en-US" dirty="0"/>
+          </a:p>
+        </p:txBody>
+      </p:sp>
+      <p:pic>
+        <p:nvPicPr>
+          <p:cNvPr id="4" name="Picture 3"/>
+          <p:cNvPicPr>
+            <a:picLocks noChangeAspect="1"/>
+          </p:cNvPicPr>
+          <p:nvPr/>
+        </p:nvPicPr>
+        <p:blipFill>
+          <a:blip r:embed="rId2">
+            <a:extLst>
+              <a:ext uri="{28A0092B-C50C-407E-A947-70E740481C1C}">
+                <a14:useLocalDpi xmlns:a14="http://schemas.microsoft.com/office/drawing/2010/main" val="0"/>
+              </a:ext>
+            </a:extLst>
+          </a:blip>
+          <a:stretch>
+            <a:fillRect/>
+          </a:stretch>
+        </p:blipFill>
+        <p:spPr>
+          <a:xfrm>
+            <a:off x="10485700" y="54900"/>
+            <a:ext cx="1261800" cy="1261800"/>
+          </a:xfrm>
+          <a:prstGeom prst="rect">
+            <a:avLst/>
+          </a:prstGeom>
+        </p:spPr>
+      </p:pic>
+      <p:pic>
+        <p:nvPicPr>
+          <p:cNvPr id="7" name="Picture 6"/>
+          <p:cNvPicPr>
+            <a:picLocks noChangeAspect="1"/>
+          </p:cNvPicPr>
+          <p:nvPr/>
+        </p:nvPicPr>
+        <p:blipFill>
+          <a:blip r:embed="rId3"/>
+          <a:stretch>
+            <a:fillRect/>
+          </a:stretch>
+        </p:blipFill>
+        <p:spPr>
+          <a:xfrm>
+            <a:off x="3376612" y="3800475"/>
+            <a:ext cx="3895725" cy="1990725"/>
+          </a:xfrm>
+          <a:prstGeom prst="rect">
+            <a:avLst/>
+          </a:prstGeom>
+        </p:spPr>
+      </p:pic>
+    </p:spTree>
+    <p:extLst>
+      <p:ext uri="{BB962C8B-B14F-4D97-AF65-F5344CB8AC3E}">
+        <p14:creationId xmlns:p14="http://schemas.microsoft.com/office/powerpoint/2010/main" val="2034858034"/>
+      </p:ext>
+    </p:extLst>
+  </p:cSld>
+  <p:clrMapOvr>
+    <a:masterClrMapping/>
+  </p:clrMapOvr>
+</p:sld>
+</file>
+
+<file path=ppt/slides/slide67.xml><?xml version="1.0" encoding="utf-8"?>
+<p:sld xmlns:a="http://schemas.openxmlformats.org/drawingml/2006/main" xmlns:r="http://schemas.openxmlformats.org/officeDocument/2006/relationships" xmlns:p="http://schemas.openxmlformats.org/presentationml/2006/main">
+  <p:cSld>
+    <p:spTree>
+      <p:nvGrpSpPr>
+        <p:cNvPr id="1" name=""/>
+        <p:cNvGrpSpPr/>
+        <p:nvPr/>
+      </p:nvGrpSpPr>
+      <p:grpSpPr>
+        <a:xfrm>
+          <a:off x="0" y="0"/>
+          <a:ext cx="0" cy="0"/>
+          <a:chOff x="0" y="0"/>
+          <a:chExt cx="0" cy="0"/>
+        </a:xfrm>
+      </p:grpSpPr>
+      <p:sp>
+        <p:nvSpPr>
+          <p:cNvPr id="2" name="Title 1"/>
+          <p:cNvSpPr>
+            <a:spLocks noGrp="1"/>
+          </p:cNvSpPr>
+          <p:nvPr>
+            <p:ph type="title"/>
+          </p:nvPr>
+        </p:nvSpPr>
+        <p:spPr/>
+        <p:txBody>
+          <a:bodyPr/>
+          <a:lstStyle/>
+          <a:p>
+            <a:r>
+              <a:rPr lang="en-US" dirty="0"/>
+              <a:t>Tipos de Operadores</a:t>
+            </a:r>
+          </a:p>
+        </p:txBody>
+      </p:sp>
+      <p:sp>
+        <p:nvSpPr>
+          <p:cNvPr id="3" name="Content Placeholder 2"/>
+          <p:cNvSpPr>
+            <a:spLocks noGrp="1"/>
+          </p:cNvSpPr>
+          <p:nvPr>
+            <p:ph idx="1"/>
+          </p:nvPr>
+        </p:nvSpPr>
+        <p:spPr/>
+        <p:txBody>
+          <a:bodyPr>
+            <a:normAutofit/>
+          </a:bodyPr>
+          <a:lstStyle/>
+          <a:p>
+            <a:pPr algn="just"/>
+            <a:r>
+              <a:rPr lang="es-MX" dirty="0"/>
+              <a:t>Operadores Aritméticos</a:t>
+            </a:r>
+          </a:p>
+          <a:p>
+            <a:pPr algn="just"/>
+            <a:r>
+              <a:rPr lang="es-MX" dirty="0"/>
+              <a:t>Operadores de Asignación</a:t>
+            </a:r>
+          </a:p>
+          <a:p>
+            <a:pPr algn="just"/>
+            <a:r>
+              <a:rPr lang="es-MX" dirty="0"/>
+              <a:t>Operadores Relacionales</a:t>
+            </a:r>
+          </a:p>
+          <a:p>
+            <a:pPr algn="just"/>
+            <a:r>
+              <a:rPr lang="es-MX" dirty="0"/>
+              <a:t>Operadores Lógicos</a:t>
+            </a:r>
+          </a:p>
+          <a:p>
+            <a:pPr algn="just"/>
+            <a:r>
+              <a:rPr lang="es-MX" dirty="0"/>
+              <a:t>Operadores de incremento y decremento</a:t>
+            </a:r>
+            <a:endParaRPr lang="es-ES" dirty="0"/>
+          </a:p>
+        </p:txBody>
+      </p:sp>
+      <p:pic>
+        <p:nvPicPr>
+          <p:cNvPr id="4" name="Picture 3"/>
+          <p:cNvPicPr>
+            <a:picLocks noChangeAspect="1"/>
+          </p:cNvPicPr>
+          <p:nvPr/>
+        </p:nvPicPr>
+        <p:blipFill>
+          <a:blip r:embed="rId2">
+            <a:extLst>
+              <a:ext uri="{28A0092B-C50C-407E-A947-70E740481C1C}">
+                <a14:useLocalDpi xmlns:a14="http://schemas.microsoft.com/office/drawing/2010/main" val="0"/>
+              </a:ext>
+            </a:extLst>
+          </a:blip>
+          <a:stretch>
+            <a:fillRect/>
+          </a:stretch>
+        </p:blipFill>
+        <p:spPr>
+          <a:xfrm>
+            <a:off x="10485700" y="54900"/>
+            <a:ext cx="1261800" cy="1261800"/>
+          </a:xfrm>
+          <a:prstGeom prst="rect">
+            <a:avLst/>
+          </a:prstGeom>
+        </p:spPr>
+      </p:pic>
+    </p:spTree>
+    <p:extLst>
+      <p:ext uri="{BB962C8B-B14F-4D97-AF65-F5344CB8AC3E}">
+        <p14:creationId xmlns:p14="http://schemas.microsoft.com/office/powerpoint/2010/main" val="3438356857"/>
+      </p:ext>
+    </p:extLst>
+  </p:cSld>
+  <p:clrMapOvr>
+    <a:masterClrMapping/>
+  </p:clrMapOvr>
+</p:sld>
+</file>
+
+<file path=ppt/slides/slide68.xml><?xml version="1.0" encoding="utf-8"?>
+<p:sld xmlns:a="http://schemas.openxmlformats.org/drawingml/2006/main" xmlns:r="http://schemas.openxmlformats.org/officeDocument/2006/relationships" xmlns:p="http://schemas.openxmlformats.org/presentationml/2006/main">
+  <p:cSld>
+    <p:spTree>
+      <p:nvGrpSpPr>
+        <p:cNvPr id="1" name=""/>
+        <p:cNvGrpSpPr/>
+        <p:nvPr/>
+      </p:nvGrpSpPr>
+      <p:grpSpPr>
+        <a:xfrm>
+          <a:off x="0" y="0"/>
+          <a:ext cx="0" cy="0"/>
+          <a:chOff x="0" y="0"/>
+          <a:chExt cx="0" cy="0"/>
+        </a:xfrm>
+      </p:grpSpPr>
+      <p:sp>
+        <p:nvSpPr>
+          <p:cNvPr id="2" name="Title 1"/>
+          <p:cNvSpPr>
+            <a:spLocks noGrp="1"/>
+          </p:cNvSpPr>
+          <p:nvPr>
+            <p:ph type="title"/>
+          </p:nvPr>
+        </p:nvSpPr>
+        <p:spPr/>
+        <p:txBody>
+          <a:bodyPr/>
+          <a:lstStyle/>
+          <a:p>
+            <a:r>
+              <a:rPr lang="es-ES" dirty="0"/>
+              <a:t>Operadores Aritméticos</a:t>
+            </a:r>
+            <a:endParaRPr lang="en-US" dirty="0"/>
+          </a:p>
+        </p:txBody>
+      </p:sp>
+      <p:sp>
+        <p:nvSpPr>
+          <p:cNvPr id="3" name="Content Placeholder 2"/>
+          <p:cNvSpPr>
+            <a:spLocks noGrp="1"/>
+          </p:cNvSpPr>
+          <p:nvPr>
+            <p:ph idx="1"/>
+          </p:nvPr>
+        </p:nvSpPr>
+        <p:spPr/>
+        <p:txBody>
+          <a:bodyPr>
+            <a:normAutofit/>
+          </a:bodyPr>
+          <a:lstStyle/>
+          <a:p>
+            <a:pPr algn="just"/>
+            <a:r>
+              <a:rPr lang="es-MX" dirty="0"/>
+              <a:t>El resultado de una operación aritmética siempre es numérica.</a:t>
+            </a:r>
+          </a:p>
+          <a:p>
+            <a:pPr algn="just"/>
+            <a:endParaRPr lang="es-MX" dirty="0"/>
+          </a:p>
+          <a:p>
+            <a:pPr algn="just"/>
+            <a:endParaRPr lang="es-MX" dirty="0"/>
+          </a:p>
+          <a:p>
+            <a:pPr algn="just"/>
+            <a:endParaRPr lang="es-MX" dirty="0"/>
+          </a:p>
+          <a:p>
+            <a:pPr algn="just"/>
+            <a:endParaRPr lang="es-MX" dirty="0"/>
+          </a:p>
+          <a:p>
+            <a:pPr algn="just"/>
+            <a:endParaRPr lang="es-ES" dirty="0"/>
+          </a:p>
+        </p:txBody>
+      </p:sp>
+      <p:pic>
+        <p:nvPicPr>
+          <p:cNvPr id="4" name="Picture 3"/>
+          <p:cNvPicPr>
+            <a:picLocks noChangeAspect="1"/>
+          </p:cNvPicPr>
+          <p:nvPr/>
+        </p:nvPicPr>
+        <p:blipFill>
+          <a:blip r:embed="rId2">
+            <a:extLst>
+              <a:ext uri="{28A0092B-C50C-407E-A947-70E740481C1C}">
+                <a14:useLocalDpi xmlns:a14="http://schemas.microsoft.com/office/drawing/2010/main" val="0"/>
+              </a:ext>
+            </a:extLst>
+          </a:blip>
+          <a:stretch>
+            <a:fillRect/>
+          </a:stretch>
+        </p:blipFill>
+        <p:spPr>
+          <a:xfrm>
+            <a:off x="10485700" y="54900"/>
+            <a:ext cx="1261800" cy="1261800"/>
+          </a:xfrm>
+          <a:prstGeom prst="rect">
+            <a:avLst/>
+          </a:prstGeom>
+        </p:spPr>
+      </p:pic>
+      <p:graphicFrame>
+        <p:nvGraphicFramePr>
+          <p:cNvPr id="6" name="Table 5"/>
+          <p:cNvGraphicFramePr>
+            <a:graphicFrameLocks noGrp="1"/>
+          </p:cNvGraphicFramePr>
+          <p:nvPr>
+            <p:extLst>
+              <p:ext uri="{D42A27DB-BD31-4B8C-83A1-F6EECF244321}">
+                <p14:modId xmlns:p14="http://schemas.microsoft.com/office/powerpoint/2010/main" val="187341215"/>
+              </p:ext>
+            </p:extLst>
+          </p:nvPr>
+        </p:nvGraphicFramePr>
+        <p:xfrm>
+          <a:off x="1993900" y="3540124"/>
+          <a:ext cx="8127999" cy="2225040"/>
+        </p:xfrm>
+        <a:graphic>
+          <a:graphicData uri="http://schemas.openxmlformats.org/drawingml/2006/table">
+            <a:tbl>
+              <a:tblPr firstRow="1" bandRow="1">
+                <a:tableStyleId>{5C22544A-7EE6-4342-B048-85BDC9FD1C3A}</a:tableStyleId>
+              </a:tblPr>
+              <a:tblGrid>
+                <a:gridCol w="2709333">
+                  <a:extLst>
+                    <a:ext uri="{9D8B030D-6E8A-4147-A177-3AD203B41FA5}">
+                      <a16:colId xmlns:a16="http://schemas.microsoft.com/office/drawing/2014/main" val="4101450725"/>
+                    </a:ext>
+                  </a:extLst>
+                </a:gridCol>
+                <a:gridCol w="2709333">
+                  <a:extLst>
+                    <a:ext uri="{9D8B030D-6E8A-4147-A177-3AD203B41FA5}">
+                      <a16:colId xmlns:a16="http://schemas.microsoft.com/office/drawing/2014/main" val="2774718006"/>
+                    </a:ext>
+                  </a:extLst>
+                </a:gridCol>
+                <a:gridCol w="2709333">
+                  <a:extLst>
+                    <a:ext uri="{9D8B030D-6E8A-4147-A177-3AD203B41FA5}">
+                      <a16:colId xmlns:a16="http://schemas.microsoft.com/office/drawing/2014/main" val="1352485083"/>
+                    </a:ext>
+                  </a:extLst>
+                </a:gridCol>
+              </a:tblGrid>
+              <a:tr h="370840">
+                <a:tc>
+                  <a:txBody>
+                    <a:bodyPr/>
+                    <a:lstStyle/>
+                    <a:p>
+                      <a:pPr algn="ctr"/>
+                      <a:r>
+                        <a:rPr lang="es-MX" dirty="0"/>
+                        <a:t>Operador</a:t>
+                      </a:r>
+                      <a:endParaRPr lang="en-US" dirty="0"/>
+                    </a:p>
+                  </a:txBody>
+                  <a:tcPr/>
+                </a:tc>
+                <a:tc>
+                  <a:txBody>
+                    <a:bodyPr/>
+                    <a:lstStyle/>
+                    <a:p>
+                      <a:pPr algn="ctr"/>
+                      <a:r>
+                        <a:rPr lang="es-MX" dirty="0"/>
+                        <a:t>Significado</a:t>
+                      </a:r>
+                      <a:endParaRPr lang="en-US" dirty="0"/>
+                    </a:p>
+                  </a:txBody>
+                  <a:tcPr/>
+                </a:tc>
+                <a:tc>
+                  <a:txBody>
+                    <a:bodyPr/>
+                    <a:lstStyle/>
+                    <a:p>
+                      <a:pPr algn="ctr"/>
+                      <a:r>
+                        <a:rPr lang="es-MX" dirty="0"/>
+                        <a:t>Ejemplo</a:t>
+                      </a:r>
+                      <a:endParaRPr lang="en-US" dirty="0"/>
+                    </a:p>
+                  </a:txBody>
+                  <a:tcPr/>
+                </a:tc>
+                <a:extLst>
+                  <a:ext uri="{0D108BD9-81ED-4DB2-BD59-A6C34878D82A}">
+                    <a16:rowId xmlns:a16="http://schemas.microsoft.com/office/drawing/2014/main" val="1636450651"/>
+                  </a:ext>
+                </a:extLst>
+              </a:tr>
+              <a:tr h="370840">
+                <a:tc>
+                  <a:txBody>
+                    <a:bodyPr/>
+                    <a:lstStyle/>
+                    <a:p>
+                      <a:pPr algn="ctr"/>
+                      <a:r>
+                        <a:rPr lang="es-MX" dirty="0"/>
+                        <a:t>+</a:t>
+                      </a:r>
+                      <a:endParaRPr lang="en-US" dirty="0"/>
+                    </a:p>
+                  </a:txBody>
+                  <a:tcPr/>
+                </a:tc>
+                <a:tc>
+                  <a:txBody>
+                    <a:bodyPr/>
+                    <a:lstStyle/>
+                    <a:p>
+                      <a:pPr algn="l"/>
+                      <a:r>
+                        <a:rPr lang="es-MX" dirty="0"/>
+                        <a:t>Suma</a:t>
+                      </a:r>
+                      <a:endParaRPr lang="en-US" dirty="0"/>
+                    </a:p>
+                  </a:txBody>
+                  <a:tcPr/>
+                </a:tc>
+                <a:tc>
+                  <a:txBody>
+                    <a:bodyPr/>
+                    <a:lstStyle/>
+                    <a:p>
+                      <a:pPr algn="ctr"/>
+                      <a:r>
+                        <a:rPr lang="es-MX" dirty="0"/>
+                        <a:t>a + b</a:t>
+                      </a:r>
+                      <a:endParaRPr lang="en-US" dirty="0"/>
+                    </a:p>
+                  </a:txBody>
+                  <a:tcPr/>
+                </a:tc>
+                <a:extLst>
+                  <a:ext uri="{0D108BD9-81ED-4DB2-BD59-A6C34878D82A}">
+                    <a16:rowId xmlns:a16="http://schemas.microsoft.com/office/drawing/2014/main" val="3448554321"/>
+                  </a:ext>
+                </a:extLst>
+              </a:tr>
+              <a:tr h="370840">
+                <a:tc>
+                  <a:txBody>
+                    <a:bodyPr/>
+                    <a:lstStyle/>
+                    <a:p>
+                      <a:pPr algn="ctr"/>
+                      <a:r>
+                        <a:rPr lang="es-MX" dirty="0"/>
+                        <a:t>-</a:t>
+                      </a:r>
+                      <a:endParaRPr lang="en-US" dirty="0"/>
+                    </a:p>
+                  </a:txBody>
+                  <a:tcPr/>
+                </a:tc>
+                <a:tc>
+                  <a:txBody>
+                    <a:bodyPr/>
+                    <a:lstStyle/>
+                    <a:p>
+                      <a:pPr algn="l"/>
+                      <a:r>
+                        <a:rPr lang="es-MX" dirty="0"/>
+                        <a:t>Resta</a:t>
+                      </a:r>
+                    </a:p>
+                  </a:txBody>
+                  <a:tcPr/>
+                </a:tc>
+                <a:tc>
+                  <a:txBody>
+                    <a:bodyPr/>
+                    <a:lstStyle/>
+                    <a:p>
+                      <a:pPr algn="ctr"/>
+                      <a:r>
+                        <a:rPr lang="es-MX" dirty="0"/>
+                        <a:t>a – b</a:t>
+                      </a:r>
+                      <a:endParaRPr lang="en-US" dirty="0"/>
+                    </a:p>
+                  </a:txBody>
+                  <a:tcPr/>
+                </a:tc>
+                <a:extLst>
+                  <a:ext uri="{0D108BD9-81ED-4DB2-BD59-A6C34878D82A}">
+                    <a16:rowId xmlns:a16="http://schemas.microsoft.com/office/drawing/2014/main" val="1238671571"/>
+                  </a:ext>
+                </a:extLst>
+              </a:tr>
+              <a:tr h="370840">
+                <a:tc>
+                  <a:txBody>
+                    <a:bodyPr/>
+                    <a:lstStyle/>
+                    <a:p>
+                      <a:pPr algn="ctr"/>
+                      <a:r>
+                        <a:rPr lang="es-MX" dirty="0"/>
+                        <a:t>*</a:t>
+                      </a:r>
+                      <a:endParaRPr lang="en-US" dirty="0"/>
+                    </a:p>
+                  </a:txBody>
+                  <a:tcPr/>
+                </a:tc>
+                <a:tc>
+                  <a:txBody>
+                    <a:bodyPr/>
+                    <a:lstStyle/>
+                    <a:p>
+                      <a:pPr algn="l"/>
+                      <a:r>
+                        <a:rPr lang="es-MX" dirty="0"/>
+                        <a:t>Multiplicación</a:t>
+                      </a:r>
+                      <a:endParaRPr lang="en-US" dirty="0"/>
+                    </a:p>
+                  </a:txBody>
+                  <a:tcPr/>
+                </a:tc>
+                <a:tc>
+                  <a:txBody>
+                    <a:bodyPr/>
+                    <a:lstStyle/>
+                    <a:p>
+                      <a:pPr algn="ctr"/>
+                      <a:r>
+                        <a:rPr lang="es-MX" dirty="0"/>
+                        <a:t>a * b</a:t>
+                      </a:r>
+                      <a:endParaRPr lang="en-US" dirty="0"/>
+                    </a:p>
+                  </a:txBody>
+                  <a:tcPr/>
+                </a:tc>
+                <a:extLst>
+                  <a:ext uri="{0D108BD9-81ED-4DB2-BD59-A6C34878D82A}">
+                    <a16:rowId xmlns:a16="http://schemas.microsoft.com/office/drawing/2014/main" val="4210579691"/>
+                  </a:ext>
+                </a:extLst>
+              </a:tr>
+              <a:tr h="370840">
+                <a:tc>
+                  <a:txBody>
+                    <a:bodyPr/>
+                    <a:lstStyle/>
+                    <a:p>
+                      <a:pPr algn="ctr"/>
+                      <a:r>
+                        <a:rPr lang="es-MX" dirty="0"/>
+                        <a:t>/</a:t>
+                      </a:r>
+                      <a:endParaRPr lang="en-US" dirty="0"/>
+                    </a:p>
+                  </a:txBody>
+                  <a:tcPr/>
+                </a:tc>
+                <a:tc>
+                  <a:txBody>
+                    <a:bodyPr/>
+                    <a:lstStyle/>
+                    <a:p>
+                      <a:pPr algn="l"/>
+                      <a:r>
+                        <a:rPr lang="es-MX" dirty="0"/>
+                        <a:t>División</a:t>
+                      </a:r>
+                      <a:endParaRPr lang="en-US" dirty="0"/>
+                    </a:p>
+                  </a:txBody>
+                  <a:tcPr/>
+                </a:tc>
+                <a:tc>
+                  <a:txBody>
+                    <a:bodyPr/>
+                    <a:lstStyle/>
+                    <a:p>
+                      <a:pPr algn="ctr"/>
+                      <a:r>
+                        <a:rPr lang="es-MX" dirty="0"/>
+                        <a:t>a / b</a:t>
+                      </a:r>
+                      <a:endParaRPr lang="en-US" dirty="0"/>
+                    </a:p>
+                  </a:txBody>
+                  <a:tcPr/>
+                </a:tc>
+                <a:extLst>
+                  <a:ext uri="{0D108BD9-81ED-4DB2-BD59-A6C34878D82A}">
+                    <a16:rowId xmlns:a16="http://schemas.microsoft.com/office/drawing/2014/main" val="223873400"/>
+                  </a:ext>
+                </a:extLst>
+              </a:tr>
+              <a:tr h="370840">
+                <a:tc>
+                  <a:txBody>
+                    <a:bodyPr/>
+                    <a:lstStyle/>
+                    <a:p>
+                      <a:pPr algn="ctr"/>
+                      <a:r>
+                        <a:rPr lang="es-MX" dirty="0"/>
+                        <a:t>%</a:t>
+                      </a:r>
+                      <a:endParaRPr lang="en-US" dirty="0"/>
+                    </a:p>
+                  </a:txBody>
+                  <a:tcPr/>
+                </a:tc>
+                <a:tc>
+                  <a:txBody>
+                    <a:bodyPr/>
+                    <a:lstStyle/>
+                    <a:p>
+                      <a:pPr algn="l"/>
+                      <a:r>
+                        <a:rPr lang="es-MX" dirty="0"/>
+                        <a:t>Módulo</a:t>
+                      </a:r>
+                      <a:endParaRPr lang="en-US" dirty="0"/>
+                    </a:p>
+                  </a:txBody>
+                  <a:tcPr/>
+                </a:tc>
+                <a:tc>
+                  <a:txBody>
+                    <a:bodyPr/>
+                    <a:lstStyle/>
+                    <a:p>
+                      <a:pPr algn="ctr"/>
+                      <a:r>
+                        <a:rPr lang="es-MX" dirty="0"/>
+                        <a:t>a % b</a:t>
+                      </a:r>
+                      <a:endParaRPr lang="en-US" dirty="0"/>
+                    </a:p>
+                  </a:txBody>
+                  <a:tcPr/>
+                </a:tc>
+                <a:extLst>
+                  <a:ext uri="{0D108BD9-81ED-4DB2-BD59-A6C34878D82A}">
+                    <a16:rowId xmlns:a16="http://schemas.microsoft.com/office/drawing/2014/main" val="1681699687"/>
+                  </a:ext>
+                </a:extLst>
+              </a:tr>
+            </a:tbl>
+          </a:graphicData>
+        </a:graphic>
+      </p:graphicFrame>
+    </p:spTree>
+    <p:extLst>
+      <p:ext uri="{BB962C8B-B14F-4D97-AF65-F5344CB8AC3E}">
+        <p14:creationId xmlns:p14="http://schemas.microsoft.com/office/powerpoint/2010/main" val="3455993054"/>
+      </p:ext>
+    </p:extLst>
+  </p:cSld>
+  <p:clrMapOvr>
+    <a:masterClrMapping/>
+  </p:clrMapOvr>
+</p:sld>
+</file>
+
+<file path=ppt/slides/slide69.xml><?xml version="1.0" encoding="utf-8"?>
+<p:sld xmlns:a="http://schemas.openxmlformats.org/drawingml/2006/main" xmlns:r="http://schemas.openxmlformats.org/officeDocument/2006/relationships" xmlns:p="http://schemas.openxmlformats.org/presentationml/2006/main">
+  <p:cSld>
+    <p:spTree>
+      <p:nvGrpSpPr>
+        <p:cNvPr id="1" name=""/>
+        <p:cNvGrpSpPr/>
+        <p:nvPr/>
+      </p:nvGrpSpPr>
+      <p:grpSpPr>
+        <a:xfrm>
+          <a:off x="0" y="0"/>
+          <a:ext cx="0" cy="0"/>
+          <a:chOff x="0" y="0"/>
+          <a:chExt cx="0" cy="0"/>
+        </a:xfrm>
+      </p:grpSpPr>
+      <p:sp>
+        <p:nvSpPr>
+          <p:cNvPr id="2" name="Title 1"/>
+          <p:cNvSpPr>
+            <a:spLocks noGrp="1"/>
+          </p:cNvSpPr>
+          <p:nvPr>
+            <p:ph type="title"/>
+          </p:nvPr>
+        </p:nvSpPr>
+        <p:spPr/>
+        <p:txBody>
+          <a:bodyPr/>
+          <a:lstStyle/>
+          <a:p>
+            <a:r>
+              <a:rPr lang="es-ES" dirty="0"/>
+              <a:t>Operadores de Asignación</a:t>
+            </a:r>
+            <a:endParaRPr lang="en-US" dirty="0"/>
+          </a:p>
+        </p:txBody>
+      </p:sp>
+      <p:sp>
+        <p:nvSpPr>
+          <p:cNvPr id="3" name="Content Placeholder 2"/>
+          <p:cNvSpPr>
+            <a:spLocks noGrp="1"/>
+          </p:cNvSpPr>
+          <p:nvPr>
+            <p:ph idx="1"/>
+          </p:nvPr>
+        </p:nvSpPr>
+        <p:spPr/>
+        <p:txBody>
+          <a:bodyPr>
+            <a:normAutofit/>
+          </a:bodyPr>
+          <a:lstStyle/>
+          <a:p>
+            <a:r>
+              <a:rPr lang="es-MX" dirty="0"/>
+              <a:t>Este operador asigna el valor de la operación realizada entre los operandos de la derecha.</a:t>
+            </a:r>
+          </a:p>
+          <a:p>
+            <a:pPr algn="just"/>
+            <a:endParaRPr lang="es-MX" dirty="0"/>
+          </a:p>
+          <a:p>
+            <a:pPr algn="just"/>
+            <a:endParaRPr lang="es-MX" dirty="0"/>
+          </a:p>
+          <a:p>
+            <a:pPr algn="just"/>
+            <a:endParaRPr lang="es-MX" dirty="0"/>
+          </a:p>
+          <a:p>
+            <a:pPr algn="just"/>
+            <a:endParaRPr lang="es-MX" dirty="0"/>
+          </a:p>
+          <a:p>
+            <a:pPr algn="just"/>
+            <a:endParaRPr lang="es-ES" dirty="0"/>
+          </a:p>
+        </p:txBody>
+      </p:sp>
+      <p:pic>
+        <p:nvPicPr>
+          <p:cNvPr id="4" name="Picture 3"/>
+          <p:cNvPicPr>
+            <a:picLocks noChangeAspect="1"/>
+          </p:cNvPicPr>
+          <p:nvPr/>
+        </p:nvPicPr>
+        <p:blipFill>
+          <a:blip r:embed="rId2">
+            <a:extLst>
+              <a:ext uri="{28A0092B-C50C-407E-A947-70E740481C1C}">
+                <a14:useLocalDpi xmlns:a14="http://schemas.microsoft.com/office/drawing/2010/main" val="0"/>
+              </a:ext>
+            </a:extLst>
+          </a:blip>
+          <a:stretch>
+            <a:fillRect/>
+          </a:stretch>
+        </p:blipFill>
+        <p:spPr>
+          <a:xfrm>
+            <a:off x="10485700" y="54900"/>
+            <a:ext cx="1261800" cy="1261800"/>
+          </a:xfrm>
+          <a:prstGeom prst="rect">
+            <a:avLst/>
+          </a:prstGeom>
+        </p:spPr>
+      </p:pic>
+      <p:graphicFrame>
+        <p:nvGraphicFramePr>
+          <p:cNvPr id="7" name="Table 6"/>
+          <p:cNvGraphicFramePr>
+            <a:graphicFrameLocks noGrp="1"/>
+          </p:cNvGraphicFramePr>
+          <p:nvPr>
+            <p:extLst>
+              <p:ext uri="{D42A27DB-BD31-4B8C-83A1-F6EECF244321}">
+                <p14:modId xmlns:p14="http://schemas.microsoft.com/office/powerpoint/2010/main" val="1891695525"/>
+              </p:ext>
+            </p:extLst>
+          </p:nvPr>
+        </p:nvGraphicFramePr>
+        <p:xfrm>
+          <a:off x="1993900" y="3378199"/>
+          <a:ext cx="8127999" cy="2865120"/>
+        </p:xfrm>
+        <a:graphic>
+          <a:graphicData uri="http://schemas.openxmlformats.org/drawingml/2006/table">
+            <a:tbl>
+              <a:tblPr firstRow="1" bandRow="1">
+                <a:tableStyleId>{5C22544A-7EE6-4342-B048-85BDC9FD1C3A}</a:tableStyleId>
+              </a:tblPr>
+              <a:tblGrid>
+                <a:gridCol w="2709333">
+                  <a:extLst>
+                    <a:ext uri="{9D8B030D-6E8A-4147-A177-3AD203B41FA5}">
+                      <a16:colId xmlns:a16="http://schemas.microsoft.com/office/drawing/2014/main" val="4101450725"/>
+                    </a:ext>
+                  </a:extLst>
+                </a:gridCol>
+                <a:gridCol w="2709333">
+                  <a:extLst>
+                    <a:ext uri="{9D8B030D-6E8A-4147-A177-3AD203B41FA5}">
+                      <a16:colId xmlns:a16="http://schemas.microsoft.com/office/drawing/2014/main" val="2774718006"/>
+                    </a:ext>
+                  </a:extLst>
+                </a:gridCol>
+                <a:gridCol w="2709333">
+                  <a:extLst>
+                    <a:ext uri="{9D8B030D-6E8A-4147-A177-3AD203B41FA5}">
+                      <a16:colId xmlns:a16="http://schemas.microsoft.com/office/drawing/2014/main" val="1352485083"/>
+                    </a:ext>
+                  </a:extLst>
+                </a:gridCol>
+              </a:tblGrid>
+              <a:tr h="370840">
+                <a:tc>
+                  <a:txBody>
+                    <a:bodyPr/>
+                    <a:lstStyle/>
+                    <a:p>
+                      <a:pPr algn="ctr"/>
+                      <a:r>
+                        <a:rPr lang="es-MX" dirty="0"/>
+                        <a:t>Operador</a:t>
+                      </a:r>
+                      <a:endParaRPr lang="en-US" dirty="0"/>
+                    </a:p>
+                  </a:txBody>
+                  <a:tcPr/>
+                </a:tc>
+                <a:tc>
+                  <a:txBody>
+                    <a:bodyPr/>
+                    <a:lstStyle/>
+                    <a:p>
+                      <a:pPr algn="ctr"/>
+                      <a:r>
+                        <a:rPr lang="es-MX" dirty="0"/>
+                        <a:t>Significado</a:t>
+                      </a:r>
+                      <a:endParaRPr lang="en-US" dirty="0"/>
+                    </a:p>
+                  </a:txBody>
+                  <a:tcPr/>
+                </a:tc>
+                <a:tc>
+                  <a:txBody>
+                    <a:bodyPr/>
+                    <a:lstStyle/>
+                    <a:p>
+                      <a:pPr algn="ctr"/>
+                      <a:r>
+                        <a:rPr lang="es-MX" dirty="0"/>
+                        <a:t>Ejemplo</a:t>
+                      </a:r>
+                      <a:endParaRPr lang="en-US" dirty="0"/>
+                    </a:p>
+                  </a:txBody>
+                  <a:tcPr/>
+                </a:tc>
+                <a:extLst>
+                  <a:ext uri="{0D108BD9-81ED-4DB2-BD59-A6C34878D82A}">
+                    <a16:rowId xmlns:a16="http://schemas.microsoft.com/office/drawing/2014/main" val="1636450651"/>
+                  </a:ext>
+                </a:extLst>
+              </a:tr>
+              <a:tr h="370840">
+                <a:tc>
+                  <a:txBody>
+                    <a:bodyPr/>
+                    <a:lstStyle/>
+                    <a:p>
+                      <a:pPr algn="ctr"/>
+                      <a:r>
+                        <a:rPr lang="en-US" dirty="0"/>
+                        <a:t>=</a:t>
+                      </a:r>
+                    </a:p>
+                  </a:txBody>
+                  <a:tcPr/>
+                </a:tc>
+                <a:tc>
+                  <a:txBody>
+                    <a:bodyPr/>
+                    <a:lstStyle/>
+                    <a:p>
+                      <a:pPr algn="l"/>
+                      <a:r>
+                        <a:rPr lang="en-US" dirty="0"/>
+                        <a:t>Asignaci</a:t>
+                      </a:r>
+                      <a:r>
+                        <a:rPr lang="es-MX" dirty="0"/>
+                        <a:t>ón</a:t>
+                      </a:r>
+                      <a:endParaRPr lang="en-US" dirty="0"/>
+                    </a:p>
+                  </a:txBody>
+                  <a:tcPr/>
+                </a:tc>
+                <a:tc>
+                  <a:txBody>
+                    <a:bodyPr/>
+                    <a:lstStyle/>
+                    <a:p>
+                      <a:pPr algn="ctr"/>
+                      <a:r>
+                        <a:rPr lang="en-US" dirty="0"/>
+                        <a:t>a = b</a:t>
+                      </a:r>
+                    </a:p>
+                  </a:txBody>
+                  <a:tcPr/>
+                </a:tc>
+                <a:extLst>
+                  <a:ext uri="{0D108BD9-81ED-4DB2-BD59-A6C34878D82A}">
+                    <a16:rowId xmlns:a16="http://schemas.microsoft.com/office/drawing/2014/main" val="3448554321"/>
+                  </a:ext>
+                </a:extLst>
+              </a:tr>
+              <a:tr h="370840">
+                <a:tc>
+                  <a:txBody>
+                    <a:bodyPr/>
+                    <a:lstStyle/>
+                    <a:p>
+                      <a:pPr algn="ctr"/>
+                      <a:r>
+                        <a:rPr lang="en-US" dirty="0"/>
+                        <a:t>+=</a:t>
+                      </a:r>
+                    </a:p>
+                  </a:txBody>
+                  <a:tcPr/>
+                </a:tc>
+                <a:tc>
+                  <a:txBody>
+                    <a:bodyPr/>
+                    <a:lstStyle/>
+                    <a:p>
+                      <a:pPr marL="0" marR="0" lvl="0" indent="0" algn="l" defTabSz="457200" rtl="0" eaLnBrk="1" fontAlgn="auto" latinLnBrk="0" hangingPunct="1">
+                        <a:lnSpc>
+                          <a:spcPct val="100000"/>
+                        </a:lnSpc>
+                        <a:spcBef>
+                          <a:spcPts val="0"/>
+                        </a:spcBef>
+                        <a:spcAft>
+                          <a:spcPts val="0"/>
+                        </a:spcAft>
+                        <a:buClrTx/>
+                        <a:buSzTx/>
+                        <a:buFontTx/>
+                        <a:buNone/>
+                        <a:tabLst/>
+                        <a:defRPr/>
+                      </a:pPr>
+                      <a:r>
+                        <a:rPr lang="en-US" dirty="0"/>
+                        <a:t>Asignaci</a:t>
+                      </a:r>
+                      <a:r>
+                        <a:rPr lang="es-MX" dirty="0"/>
+                        <a:t>ón</a:t>
+                      </a:r>
+                      <a:r>
+                        <a:rPr lang="es-MX" baseline="0" dirty="0"/>
+                        <a:t> y suma</a:t>
+                      </a:r>
+                      <a:endParaRPr lang="en-US" dirty="0"/>
+                    </a:p>
+                  </a:txBody>
+                  <a:tcPr/>
+                </a:tc>
+                <a:tc>
+                  <a:txBody>
+                    <a:bodyPr/>
+                    <a:lstStyle/>
+                    <a:p>
+                      <a:pPr algn="ctr"/>
+                      <a:r>
+                        <a:rPr lang="en-US" dirty="0"/>
+                        <a:t>a += c + d</a:t>
+                      </a:r>
+                    </a:p>
+                  </a:txBody>
+                  <a:tcPr/>
+                </a:tc>
+                <a:extLst>
+                  <a:ext uri="{0D108BD9-81ED-4DB2-BD59-A6C34878D82A}">
+                    <a16:rowId xmlns:a16="http://schemas.microsoft.com/office/drawing/2014/main" val="1238671571"/>
+                  </a:ext>
+                </a:extLst>
+              </a:tr>
+              <a:tr h="370840">
+                <a:tc>
+                  <a:txBody>
+                    <a:bodyPr/>
+                    <a:lstStyle/>
+                    <a:p>
+                      <a:pPr algn="ctr"/>
+                      <a:r>
+                        <a:rPr lang="en-US" dirty="0"/>
+                        <a:t>-=</a:t>
+                      </a:r>
+                    </a:p>
+                  </a:txBody>
+                  <a:tcPr/>
+                </a:tc>
+                <a:tc>
+                  <a:txBody>
+                    <a:bodyPr/>
+                    <a:lstStyle/>
+                    <a:p>
+                      <a:pPr algn="l"/>
+                      <a:r>
+                        <a:rPr lang="en-US" dirty="0"/>
+                        <a:t>Asignaci</a:t>
+                      </a:r>
+                      <a:r>
+                        <a:rPr lang="es-MX" dirty="0"/>
+                        <a:t>ón</a:t>
+                      </a:r>
+                      <a:r>
+                        <a:rPr lang="es-MX" baseline="0" dirty="0"/>
+                        <a:t> y resta</a:t>
+                      </a:r>
+                      <a:endParaRPr lang="en-US" dirty="0"/>
+                    </a:p>
+                  </a:txBody>
+                  <a:tcPr/>
+                </a:tc>
+                <a:tc>
+                  <a:txBody>
+                    <a:bodyPr/>
+                    <a:lstStyle/>
+                    <a:p>
+                      <a:pPr marL="0" marR="0" lvl="0" indent="0" algn="ctr" defTabSz="457200" rtl="0" eaLnBrk="1" fontAlgn="auto" latinLnBrk="0" hangingPunct="1">
+                        <a:lnSpc>
+                          <a:spcPct val="100000"/>
+                        </a:lnSpc>
+                        <a:spcBef>
+                          <a:spcPts val="0"/>
+                        </a:spcBef>
+                        <a:spcAft>
+                          <a:spcPts val="0"/>
+                        </a:spcAft>
+                        <a:buClrTx/>
+                        <a:buSzTx/>
+                        <a:buFontTx/>
+                        <a:buNone/>
+                        <a:tabLst/>
+                        <a:defRPr/>
+                      </a:pPr>
+                      <a:r>
+                        <a:rPr lang="en-US" dirty="0"/>
+                        <a:t>a -= c + d</a:t>
+                      </a:r>
+                    </a:p>
+                  </a:txBody>
+                  <a:tcPr/>
+                </a:tc>
+                <a:extLst>
+                  <a:ext uri="{0D108BD9-81ED-4DB2-BD59-A6C34878D82A}">
+                    <a16:rowId xmlns:a16="http://schemas.microsoft.com/office/drawing/2014/main" val="4210579691"/>
+                  </a:ext>
+                </a:extLst>
+              </a:tr>
+              <a:tr h="370840">
+                <a:tc>
+                  <a:txBody>
+                    <a:bodyPr/>
+                    <a:lstStyle/>
+                    <a:p>
+                      <a:pPr algn="ctr"/>
+                      <a:r>
+                        <a:rPr lang="en-US" dirty="0"/>
+                        <a:t>*=</a:t>
+                      </a:r>
+                    </a:p>
+                  </a:txBody>
+                  <a:tcPr/>
+                </a:tc>
+                <a:tc>
+                  <a:txBody>
+                    <a:bodyPr/>
+                    <a:lstStyle/>
+                    <a:p>
+                      <a:pPr algn="l"/>
+                      <a:r>
+                        <a:rPr lang="en-US" dirty="0"/>
+                        <a:t>Asignaci</a:t>
+                      </a:r>
+                      <a:r>
+                        <a:rPr lang="es-MX" dirty="0"/>
+                        <a:t>ón</a:t>
+                      </a:r>
+                      <a:r>
+                        <a:rPr lang="es-MX" baseline="0" dirty="0"/>
+                        <a:t> y multiplicación</a:t>
+                      </a:r>
+                      <a:endParaRPr lang="en-US" dirty="0"/>
+                    </a:p>
+                  </a:txBody>
+                  <a:tcPr/>
+                </a:tc>
+                <a:tc>
+                  <a:txBody>
+                    <a:bodyPr/>
+                    <a:lstStyle/>
+                    <a:p>
+                      <a:pPr marL="0" marR="0" lvl="0" indent="0" algn="ctr" defTabSz="457200" rtl="0" eaLnBrk="1" fontAlgn="auto" latinLnBrk="0" hangingPunct="1">
+                        <a:lnSpc>
+                          <a:spcPct val="100000"/>
+                        </a:lnSpc>
+                        <a:spcBef>
+                          <a:spcPts val="0"/>
+                        </a:spcBef>
+                        <a:spcAft>
+                          <a:spcPts val="0"/>
+                        </a:spcAft>
+                        <a:buClrTx/>
+                        <a:buSzTx/>
+                        <a:buFontTx/>
+                        <a:buNone/>
+                        <a:tabLst/>
+                        <a:defRPr/>
+                      </a:pPr>
+                      <a:r>
+                        <a:rPr lang="en-US" dirty="0"/>
+                        <a:t>a *= c + d</a:t>
+                      </a:r>
+                    </a:p>
+                  </a:txBody>
+                  <a:tcPr/>
+                </a:tc>
+                <a:extLst>
+                  <a:ext uri="{0D108BD9-81ED-4DB2-BD59-A6C34878D82A}">
+                    <a16:rowId xmlns:a16="http://schemas.microsoft.com/office/drawing/2014/main" val="223873400"/>
+                  </a:ext>
+                </a:extLst>
+              </a:tr>
+              <a:tr h="370840">
+                <a:tc>
+                  <a:txBody>
+                    <a:bodyPr/>
+                    <a:lstStyle/>
+                    <a:p>
+                      <a:pPr algn="ctr"/>
+                      <a:r>
+                        <a:rPr lang="en-US" dirty="0"/>
+                        <a:t>/=</a:t>
+                      </a:r>
+                    </a:p>
+                  </a:txBody>
+                  <a:tcPr/>
+                </a:tc>
+                <a:tc>
+                  <a:txBody>
+                    <a:bodyPr/>
+                    <a:lstStyle/>
+                    <a:p>
+                      <a:pPr algn="l"/>
+                      <a:r>
+                        <a:rPr lang="en-US" dirty="0"/>
+                        <a:t>Asignaci</a:t>
+                      </a:r>
+                      <a:r>
+                        <a:rPr lang="es-MX" dirty="0"/>
+                        <a:t>ón</a:t>
+                      </a:r>
+                      <a:r>
+                        <a:rPr lang="es-MX" baseline="0" dirty="0"/>
+                        <a:t> y división</a:t>
+                      </a:r>
+                      <a:endParaRPr lang="en-US" dirty="0"/>
+                    </a:p>
+                  </a:txBody>
+                  <a:tcPr/>
+                </a:tc>
+                <a:tc>
+                  <a:txBody>
+                    <a:bodyPr/>
+                    <a:lstStyle/>
+                    <a:p>
+                      <a:pPr marL="0" marR="0" lvl="0" indent="0" algn="ctr" defTabSz="457200" rtl="0" eaLnBrk="1" fontAlgn="auto" latinLnBrk="0" hangingPunct="1">
+                        <a:lnSpc>
+                          <a:spcPct val="100000"/>
+                        </a:lnSpc>
+                        <a:spcBef>
+                          <a:spcPts val="0"/>
+                        </a:spcBef>
+                        <a:spcAft>
+                          <a:spcPts val="0"/>
+                        </a:spcAft>
+                        <a:buClrTx/>
+                        <a:buSzTx/>
+                        <a:buFontTx/>
+                        <a:buNone/>
+                        <a:tabLst/>
+                        <a:defRPr/>
+                      </a:pPr>
+                      <a:r>
+                        <a:rPr lang="en-US" dirty="0"/>
+                        <a:t>a /= c + d</a:t>
+                      </a:r>
+                    </a:p>
+                  </a:txBody>
+                  <a:tcPr/>
+                </a:tc>
+                <a:extLst>
+                  <a:ext uri="{0D108BD9-81ED-4DB2-BD59-A6C34878D82A}">
+                    <a16:rowId xmlns:a16="http://schemas.microsoft.com/office/drawing/2014/main" val="1683909347"/>
+                  </a:ext>
+                </a:extLst>
+              </a:tr>
+              <a:tr h="370840">
+                <a:tc>
+                  <a:txBody>
+                    <a:bodyPr/>
+                    <a:lstStyle/>
+                    <a:p>
+                      <a:pPr algn="ctr"/>
+                      <a:r>
+                        <a:rPr lang="en-US" dirty="0"/>
+                        <a:t>%=</a:t>
+                      </a:r>
+                    </a:p>
+                  </a:txBody>
+                  <a:tcPr/>
+                </a:tc>
+                <a:tc>
+                  <a:txBody>
+                    <a:bodyPr/>
+                    <a:lstStyle/>
+                    <a:p>
+                      <a:pPr algn="l"/>
+                      <a:r>
+                        <a:rPr lang="en-US" dirty="0"/>
+                        <a:t>Asignaci</a:t>
+                      </a:r>
+                      <a:r>
+                        <a:rPr lang="es-MX" dirty="0"/>
+                        <a:t>ón</a:t>
+                      </a:r>
+                      <a:r>
+                        <a:rPr lang="es-MX" baseline="0" dirty="0"/>
+                        <a:t> y módulo</a:t>
+                      </a:r>
+                      <a:endParaRPr lang="en-US" dirty="0"/>
+                    </a:p>
+                  </a:txBody>
+                  <a:tcPr/>
+                </a:tc>
+                <a:tc>
+                  <a:txBody>
+                    <a:bodyPr/>
+                    <a:lstStyle/>
+                    <a:p>
+                      <a:pPr marL="0" marR="0" lvl="0" indent="0" algn="ctr" defTabSz="457200" rtl="0" eaLnBrk="1" fontAlgn="auto" latinLnBrk="0" hangingPunct="1">
+                        <a:lnSpc>
+                          <a:spcPct val="100000"/>
+                        </a:lnSpc>
+                        <a:spcBef>
+                          <a:spcPts val="0"/>
+                        </a:spcBef>
+                        <a:spcAft>
+                          <a:spcPts val="0"/>
+                        </a:spcAft>
+                        <a:buClrTx/>
+                        <a:buSzTx/>
+                        <a:buFontTx/>
+                        <a:buNone/>
+                        <a:tabLst/>
+                        <a:defRPr/>
+                      </a:pPr>
+                      <a:r>
+                        <a:rPr lang="en-US" dirty="0"/>
+                        <a:t>a %= c + d</a:t>
+                      </a:r>
+                    </a:p>
+                  </a:txBody>
+                  <a:tcPr/>
+                </a:tc>
+                <a:extLst>
+                  <a:ext uri="{0D108BD9-81ED-4DB2-BD59-A6C34878D82A}">
+                    <a16:rowId xmlns:a16="http://schemas.microsoft.com/office/drawing/2014/main" val="184160768"/>
+                  </a:ext>
+                </a:extLst>
+              </a:tr>
+            </a:tbl>
+          </a:graphicData>
+        </a:graphic>
+      </p:graphicFrame>
+    </p:spTree>
+    <p:extLst>
+      <p:ext uri="{BB962C8B-B14F-4D97-AF65-F5344CB8AC3E}">
+        <p14:creationId xmlns:p14="http://schemas.microsoft.com/office/powerpoint/2010/main" val="573798862"/>
       </p:ext>
     </p:extLst>
   </p:cSld>
@@ -15831,7 +20630,6 @@
               <a:rPr lang="en-US" dirty="0"/>
               <a:t>Breve historia de Java</a:t>
             </a:r>
-            <a:endParaRPr lang="en-US" dirty="0"/>
           </a:p>
         </p:txBody>
       </p:sp>
@@ -15869,6 +20667,3514 @@
     <p:extLst>
       <p:ext uri="{BB962C8B-B14F-4D97-AF65-F5344CB8AC3E}">
         <p14:creationId xmlns:p14="http://schemas.microsoft.com/office/powerpoint/2010/main" val="2063076025"/>
+      </p:ext>
+    </p:extLst>
+  </p:cSld>
+  <p:clrMapOvr>
+    <a:masterClrMapping/>
+  </p:clrMapOvr>
+</p:sld>
+</file>
+
+<file path=ppt/slides/slide70.xml><?xml version="1.0" encoding="utf-8"?>
+<p:sld xmlns:a="http://schemas.openxmlformats.org/drawingml/2006/main" xmlns:r="http://schemas.openxmlformats.org/officeDocument/2006/relationships" xmlns:p="http://schemas.openxmlformats.org/presentationml/2006/main">
+  <p:cSld>
+    <p:spTree>
+      <p:nvGrpSpPr>
+        <p:cNvPr id="1" name=""/>
+        <p:cNvGrpSpPr/>
+        <p:nvPr/>
+      </p:nvGrpSpPr>
+      <p:grpSpPr>
+        <a:xfrm>
+          <a:off x="0" y="0"/>
+          <a:ext cx="0" cy="0"/>
+          <a:chOff x="0" y="0"/>
+          <a:chExt cx="0" cy="0"/>
+        </a:xfrm>
+      </p:grpSpPr>
+      <p:sp>
+        <p:nvSpPr>
+          <p:cNvPr id="2" name="Title 1"/>
+          <p:cNvSpPr>
+            <a:spLocks noGrp="1"/>
+          </p:cNvSpPr>
+          <p:nvPr>
+            <p:ph type="title"/>
+          </p:nvPr>
+        </p:nvSpPr>
+        <p:spPr/>
+        <p:txBody>
+          <a:bodyPr/>
+          <a:lstStyle/>
+          <a:p>
+            <a:r>
+              <a:rPr lang="es-ES" dirty="0"/>
+              <a:t>Operadores de Asignación</a:t>
+            </a:r>
+            <a:endParaRPr lang="en-US" dirty="0"/>
+          </a:p>
+        </p:txBody>
+      </p:sp>
+      <p:sp>
+        <p:nvSpPr>
+          <p:cNvPr id="3" name="Content Placeholder 2"/>
+          <p:cNvSpPr>
+            <a:spLocks noGrp="1"/>
+          </p:cNvSpPr>
+          <p:nvPr>
+            <p:ph idx="1"/>
+          </p:nvPr>
+        </p:nvSpPr>
+        <p:spPr/>
+        <p:txBody>
+          <a:bodyPr>
+            <a:normAutofit/>
+          </a:bodyPr>
+          <a:lstStyle/>
+          <a:p>
+            <a:r>
+              <a:rPr lang="es-MX" dirty="0"/>
+              <a:t>Ejemplo:</a:t>
+            </a:r>
+          </a:p>
+          <a:p>
+            <a:pPr algn="just"/>
+            <a:endParaRPr lang="es-MX" dirty="0"/>
+          </a:p>
+          <a:p>
+            <a:pPr algn="just"/>
+            <a:endParaRPr lang="es-MX" dirty="0"/>
+          </a:p>
+          <a:p>
+            <a:pPr algn="just"/>
+            <a:endParaRPr lang="es-MX" dirty="0"/>
+          </a:p>
+          <a:p>
+            <a:pPr algn="just"/>
+            <a:endParaRPr lang="es-MX" dirty="0"/>
+          </a:p>
+          <a:p>
+            <a:pPr algn="just"/>
+            <a:endParaRPr lang="es-ES" dirty="0"/>
+          </a:p>
+        </p:txBody>
+      </p:sp>
+      <p:pic>
+        <p:nvPicPr>
+          <p:cNvPr id="4" name="Picture 3"/>
+          <p:cNvPicPr>
+            <a:picLocks noChangeAspect="1"/>
+          </p:cNvPicPr>
+          <p:nvPr/>
+        </p:nvPicPr>
+        <p:blipFill>
+          <a:blip r:embed="rId2">
+            <a:extLst>
+              <a:ext uri="{28A0092B-C50C-407E-A947-70E740481C1C}">
+                <a14:useLocalDpi xmlns:a14="http://schemas.microsoft.com/office/drawing/2010/main" val="0"/>
+              </a:ext>
+            </a:extLst>
+          </a:blip>
+          <a:stretch>
+            <a:fillRect/>
+          </a:stretch>
+        </p:blipFill>
+        <p:spPr>
+          <a:xfrm>
+            <a:off x="10485700" y="54900"/>
+            <a:ext cx="1261800" cy="1261800"/>
+          </a:xfrm>
+          <a:prstGeom prst="rect">
+            <a:avLst/>
+          </a:prstGeom>
+        </p:spPr>
+      </p:pic>
+      <p:pic>
+        <p:nvPicPr>
+          <p:cNvPr id="11" name="Picture 10"/>
+          <p:cNvPicPr>
+            <a:picLocks noChangeAspect="1"/>
+          </p:cNvPicPr>
+          <p:nvPr/>
+        </p:nvPicPr>
+        <p:blipFill>
+          <a:blip r:embed="rId3"/>
+          <a:stretch>
+            <a:fillRect/>
+          </a:stretch>
+        </p:blipFill>
+        <p:spPr>
+          <a:xfrm>
+            <a:off x="3576625" y="3409950"/>
+            <a:ext cx="3905250" cy="2495550"/>
+          </a:xfrm>
+          <a:prstGeom prst="rect">
+            <a:avLst/>
+          </a:prstGeom>
+        </p:spPr>
+      </p:pic>
+      <p:cxnSp>
+        <p:nvCxnSpPr>
+          <p:cNvPr id="12" name="Straight Arrow Connector 11"/>
+          <p:cNvCxnSpPr/>
+          <p:nvPr/>
+        </p:nvCxnSpPr>
+        <p:spPr>
+          <a:xfrm flipH="1">
+            <a:off x="5674516" y="4342626"/>
+            <a:ext cx="438150" cy="0"/>
+          </a:xfrm>
+          <a:prstGeom prst="straightConnector1">
+            <a:avLst/>
+          </a:prstGeom>
+          <a:ln w="28575">
+            <a:tailEnd type="triangle"/>
+          </a:ln>
+        </p:spPr>
+        <p:style>
+          <a:lnRef idx="2">
+            <a:schemeClr val="accent4"/>
+          </a:lnRef>
+          <a:fillRef idx="0">
+            <a:schemeClr val="accent4"/>
+          </a:fillRef>
+          <a:effectRef idx="1">
+            <a:schemeClr val="accent4"/>
+          </a:effectRef>
+          <a:fontRef idx="minor">
+            <a:schemeClr val="tx1"/>
+          </a:fontRef>
+        </p:style>
+      </p:cxnSp>
+      <p:sp>
+        <p:nvSpPr>
+          <p:cNvPr id="13" name="TextBox 12"/>
+          <p:cNvSpPr txBox="1"/>
+          <p:nvPr/>
+        </p:nvSpPr>
+        <p:spPr>
+          <a:xfrm>
+            <a:off x="6112666" y="4229099"/>
+            <a:ext cx="1364476" cy="507831"/>
+          </a:xfrm>
+          <a:prstGeom prst="rect">
+            <a:avLst/>
+          </a:prstGeom>
+          <a:noFill/>
+        </p:spPr>
+        <p:txBody>
+          <a:bodyPr wrap="none" rtlCol="0">
+            <a:spAutoFit/>
+          </a:bodyPr>
+          <a:lstStyle/>
+          <a:p>
+            <a:r>
+              <a:rPr lang="en-US" sz="900" b="1" dirty="0"/>
+              <a:t>El valor a asignar va del </a:t>
+            </a:r>
+          </a:p>
+          <a:p>
+            <a:r>
+              <a:rPr lang="en-US" sz="900" b="1" dirty="0"/>
+              <a:t>lado derecho </a:t>
+            </a:r>
+          </a:p>
+          <a:p>
+            <a:r>
+              <a:rPr lang="en-US" sz="900" b="1" dirty="0"/>
+              <a:t>del operador “=”.</a:t>
+            </a:r>
+          </a:p>
+        </p:txBody>
+      </p:sp>
+    </p:spTree>
+    <p:extLst>
+      <p:ext uri="{BB962C8B-B14F-4D97-AF65-F5344CB8AC3E}">
+        <p14:creationId xmlns:p14="http://schemas.microsoft.com/office/powerpoint/2010/main" val="1344552081"/>
+      </p:ext>
+    </p:extLst>
+  </p:cSld>
+  <p:clrMapOvr>
+    <a:masterClrMapping/>
+  </p:clrMapOvr>
+</p:sld>
+</file>
+
+<file path=ppt/slides/slide71.xml><?xml version="1.0" encoding="utf-8"?>
+<p:sld xmlns:a="http://schemas.openxmlformats.org/drawingml/2006/main" xmlns:r="http://schemas.openxmlformats.org/officeDocument/2006/relationships" xmlns:p="http://schemas.openxmlformats.org/presentationml/2006/main">
+  <p:cSld>
+    <p:spTree>
+      <p:nvGrpSpPr>
+        <p:cNvPr id="1" name=""/>
+        <p:cNvGrpSpPr/>
+        <p:nvPr/>
+      </p:nvGrpSpPr>
+      <p:grpSpPr>
+        <a:xfrm>
+          <a:off x="0" y="0"/>
+          <a:ext cx="0" cy="0"/>
+          <a:chOff x="0" y="0"/>
+          <a:chExt cx="0" cy="0"/>
+        </a:xfrm>
+      </p:grpSpPr>
+      <p:sp>
+        <p:nvSpPr>
+          <p:cNvPr id="2" name="Title 1"/>
+          <p:cNvSpPr>
+            <a:spLocks noGrp="1"/>
+          </p:cNvSpPr>
+          <p:nvPr>
+            <p:ph type="title"/>
+          </p:nvPr>
+        </p:nvSpPr>
+        <p:spPr/>
+        <p:txBody>
+          <a:bodyPr/>
+          <a:lstStyle/>
+          <a:p>
+            <a:r>
+              <a:rPr lang="es-ES" dirty="0"/>
+              <a:t>Operadores de Asignación</a:t>
+            </a:r>
+            <a:endParaRPr lang="en-US" dirty="0"/>
+          </a:p>
+        </p:txBody>
+      </p:sp>
+      <p:sp>
+        <p:nvSpPr>
+          <p:cNvPr id="3" name="Content Placeholder 2"/>
+          <p:cNvSpPr>
+            <a:spLocks noGrp="1"/>
+          </p:cNvSpPr>
+          <p:nvPr>
+            <p:ph idx="1"/>
+          </p:nvPr>
+        </p:nvSpPr>
+        <p:spPr/>
+        <p:txBody>
+          <a:bodyPr>
+            <a:normAutofit/>
+          </a:bodyPr>
+          <a:lstStyle/>
+          <a:p>
+            <a:r>
+              <a:rPr lang="es-MX" dirty="0"/>
+              <a:t>Ejemplo:</a:t>
+            </a:r>
+          </a:p>
+          <a:p>
+            <a:pPr algn="just"/>
+            <a:endParaRPr lang="es-MX" dirty="0"/>
+          </a:p>
+          <a:p>
+            <a:pPr algn="just"/>
+            <a:endParaRPr lang="es-MX" dirty="0"/>
+          </a:p>
+          <a:p>
+            <a:pPr algn="just"/>
+            <a:endParaRPr lang="es-MX" dirty="0"/>
+          </a:p>
+          <a:p>
+            <a:pPr algn="just"/>
+            <a:endParaRPr lang="es-MX" dirty="0"/>
+          </a:p>
+          <a:p>
+            <a:pPr algn="just"/>
+            <a:endParaRPr lang="es-ES" dirty="0"/>
+          </a:p>
+        </p:txBody>
+      </p:sp>
+      <p:pic>
+        <p:nvPicPr>
+          <p:cNvPr id="4" name="Picture 3"/>
+          <p:cNvPicPr>
+            <a:picLocks noChangeAspect="1"/>
+          </p:cNvPicPr>
+          <p:nvPr/>
+        </p:nvPicPr>
+        <p:blipFill>
+          <a:blip r:embed="rId2">
+            <a:extLst>
+              <a:ext uri="{28A0092B-C50C-407E-A947-70E740481C1C}">
+                <a14:useLocalDpi xmlns:a14="http://schemas.microsoft.com/office/drawing/2010/main" val="0"/>
+              </a:ext>
+            </a:extLst>
+          </a:blip>
+          <a:stretch>
+            <a:fillRect/>
+          </a:stretch>
+        </p:blipFill>
+        <p:spPr>
+          <a:xfrm>
+            <a:off x="10485700" y="54900"/>
+            <a:ext cx="1261800" cy="1261800"/>
+          </a:xfrm>
+          <a:prstGeom prst="rect">
+            <a:avLst/>
+          </a:prstGeom>
+        </p:spPr>
+      </p:pic>
+      <p:pic>
+        <p:nvPicPr>
+          <p:cNvPr id="5" name="Picture 4"/>
+          <p:cNvPicPr>
+            <a:picLocks noChangeAspect="1"/>
+          </p:cNvPicPr>
+          <p:nvPr/>
+        </p:nvPicPr>
+        <p:blipFill>
+          <a:blip r:embed="rId3"/>
+          <a:stretch>
+            <a:fillRect/>
+          </a:stretch>
+        </p:blipFill>
+        <p:spPr>
+          <a:xfrm>
+            <a:off x="2971800" y="3486150"/>
+            <a:ext cx="4191000" cy="2305050"/>
+          </a:xfrm>
+          <a:prstGeom prst="rect">
+            <a:avLst/>
+          </a:prstGeom>
+        </p:spPr>
+      </p:pic>
+    </p:spTree>
+    <p:extLst>
+      <p:ext uri="{BB962C8B-B14F-4D97-AF65-F5344CB8AC3E}">
+        <p14:creationId xmlns:p14="http://schemas.microsoft.com/office/powerpoint/2010/main" val="3632307083"/>
+      </p:ext>
+    </p:extLst>
+  </p:cSld>
+  <p:clrMapOvr>
+    <a:masterClrMapping/>
+  </p:clrMapOvr>
+</p:sld>
+</file>
+
+<file path=ppt/slides/slide72.xml><?xml version="1.0" encoding="utf-8"?>
+<p:sld xmlns:a="http://schemas.openxmlformats.org/drawingml/2006/main" xmlns:r="http://schemas.openxmlformats.org/officeDocument/2006/relationships" xmlns:p="http://schemas.openxmlformats.org/presentationml/2006/main">
+  <p:cSld>
+    <p:spTree>
+      <p:nvGrpSpPr>
+        <p:cNvPr id="1" name=""/>
+        <p:cNvGrpSpPr/>
+        <p:nvPr/>
+      </p:nvGrpSpPr>
+      <p:grpSpPr>
+        <a:xfrm>
+          <a:off x="0" y="0"/>
+          <a:ext cx="0" cy="0"/>
+          <a:chOff x="0" y="0"/>
+          <a:chExt cx="0" cy="0"/>
+        </a:xfrm>
+      </p:grpSpPr>
+      <p:sp>
+        <p:nvSpPr>
+          <p:cNvPr id="2" name="Title 1"/>
+          <p:cNvSpPr>
+            <a:spLocks noGrp="1"/>
+          </p:cNvSpPr>
+          <p:nvPr>
+            <p:ph type="title"/>
+          </p:nvPr>
+        </p:nvSpPr>
+        <p:spPr/>
+        <p:txBody>
+          <a:bodyPr/>
+          <a:lstStyle/>
+          <a:p>
+            <a:r>
+              <a:rPr lang="es-ES" dirty="0"/>
+              <a:t>Operadores de Asignación</a:t>
+            </a:r>
+            <a:endParaRPr lang="en-US" dirty="0"/>
+          </a:p>
+        </p:txBody>
+      </p:sp>
+      <p:sp>
+        <p:nvSpPr>
+          <p:cNvPr id="3" name="Content Placeholder 2"/>
+          <p:cNvSpPr>
+            <a:spLocks noGrp="1"/>
+          </p:cNvSpPr>
+          <p:nvPr>
+            <p:ph idx="1"/>
+          </p:nvPr>
+        </p:nvSpPr>
+        <p:spPr/>
+        <p:txBody>
+          <a:bodyPr>
+            <a:normAutofit/>
+          </a:bodyPr>
+          <a:lstStyle/>
+          <a:p>
+            <a:r>
+              <a:rPr lang="es-MX" dirty="0"/>
+              <a:t>Ejemplo:</a:t>
+            </a:r>
+          </a:p>
+          <a:p>
+            <a:pPr algn="just"/>
+            <a:endParaRPr lang="es-MX" dirty="0"/>
+          </a:p>
+          <a:p>
+            <a:pPr algn="just"/>
+            <a:endParaRPr lang="es-MX" dirty="0"/>
+          </a:p>
+          <a:p>
+            <a:pPr algn="just"/>
+            <a:endParaRPr lang="es-MX" dirty="0"/>
+          </a:p>
+          <a:p>
+            <a:pPr algn="just"/>
+            <a:endParaRPr lang="es-MX" dirty="0"/>
+          </a:p>
+          <a:p>
+            <a:pPr algn="just"/>
+            <a:endParaRPr lang="es-ES" dirty="0"/>
+          </a:p>
+        </p:txBody>
+      </p:sp>
+      <p:pic>
+        <p:nvPicPr>
+          <p:cNvPr id="4" name="Picture 3"/>
+          <p:cNvPicPr>
+            <a:picLocks noChangeAspect="1"/>
+          </p:cNvPicPr>
+          <p:nvPr/>
+        </p:nvPicPr>
+        <p:blipFill>
+          <a:blip r:embed="rId2">
+            <a:extLst>
+              <a:ext uri="{28A0092B-C50C-407E-A947-70E740481C1C}">
+                <a14:useLocalDpi xmlns:a14="http://schemas.microsoft.com/office/drawing/2010/main" val="0"/>
+              </a:ext>
+            </a:extLst>
+          </a:blip>
+          <a:stretch>
+            <a:fillRect/>
+          </a:stretch>
+        </p:blipFill>
+        <p:spPr>
+          <a:xfrm>
+            <a:off x="10485700" y="54900"/>
+            <a:ext cx="1261800" cy="1261800"/>
+          </a:xfrm>
+          <a:prstGeom prst="rect">
+            <a:avLst/>
+          </a:prstGeom>
+        </p:spPr>
+      </p:pic>
+      <p:pic>
+        <p:nvPicPr>
+          <p:cNvPr id="5" name="Picture 4"/>
+          <p:cNvPicPr>
+            <a:picLocks noChangeAspect="1"/>
+          </p:cNvPicPr>
+          <p:nvPr/>
+        </p:nvPicPr>
+        <p:blipFill>
+          <a:blip r:embed="rId3"/>
+          <a:stretch>
+            <a:fillRect/>
+          </a:stretch>
+        </p:blipFill>
+        <p:spPr>
+          <a:xfrm>
+            <a:off x="2055016" y="3267075"/>
+            <a:ext cx="4438650" cy="3009900"/>
+          </a:xfrm>
+          <a:prstGeom prst="rect">
+            <a:avLst/>
+          </a:prstGeom>
+        </p:spPr>
+      </p:pic>
+      <p:pic>
+        <p:nvPicPr>
+          <p:cNvPr id="6" name="Picture 5"/>
+          <p:cNvPicPr>
+            <a:picLocks noChangeAspect="1"/>
+          </p:cNvPicPr>
+          <p:nvPr/>
+        </p:nvPicPr>
+        <p:blipFill>
+          <a:blip r:embed="rId4"/>
+          <a:stretch>
+            <a:fillRect/>
+          </a:stretch>
+        </p:blipFill>
+        <p:spPr>
+          <a:xfrm>
+            <a:off x="6836169" y="3267075"/>
+            <a:ext cx="4324350" cy="2952750"/>
+          </a:xfrm>
+          <a:prstGeom prst="rect">
+            <a:avLst/>
+          </a:prstGeom>
+        </p:spPr>
+      </p:pic>
+      <p:cxnSp>
+        <p:nvCxnSpPr>
+          <p:cNvPr id="9" name="Straight Arrow Connector 8"/>
+          <p:cNvCxnSpPr/>
+          <p:nvPr/>
+        </p:nvCxnSpPr>
+        <p:spPr>
+          <a:xfrm flipH="1">
+            <a:off x="9124950" y="4457700"/>
+            <a:ext cx="438150" cy="0"/>
+          </a:xfrm>
+          <a:prstGeom prst="straightConnector1">
+            <a:avLst/>
+          </a:prstGeom>
+          <a:ln w="28575">
+            <a:tailEnd type="triangle"/>
+          </a:ln>
+        </p:spPr>
+        <p:style>
+          <a:lnRef idx="2">
+            <a:schemeClr val="accent4"/>
+          </a:lnRef>
+          <a:fillRef idx="0">
+            <a:schemeClr val="accent4"/>
+          </a:fillRef>
+          <a:effectRef idx="1">
+            <a:schemeClr val="accent4"/>
+          </a:effectRef>
+          <a:fontRef idx="minor">
+            <a:schemeClr val="tx1"/>
+          </a:fontRef>
+        </p:style>
+      </p:cxnSp>
+      <p:sp>
+        <p:nvSpPr>
+          <p:cNvPr id="10" name="TextBox 9"/>
+          <p:cNvSpPr txBox="1"/>
+          <p:nvPr/>
+        </p:nvSpPr>
+        <p:spPr>
+          <a:xfrm>
+            <a:off x="9574190" y="4264194"/>
+            <a:ext cx="1596912" cy="507831"/>
+          </a:xfrm>
+          <a:prstGeom prst="rect">
+            <a:avLst/>
+          </a:prstGeom>
+          <a:noFill/>
+        </p:spPr>
+        <p:txBody>
+          <a:bodyPr wrap="none" rtlCol="0">
+            <a:spAutoFit/>
+          </a:bodyPr>
+          <a:lstStyle/>
+          <a:p>
+            <a:r>
+              <a:rPr lang="en-US" sz="900" b="1" dirty="0"/>
+              <a:t>Para que el resultado </a:t>
+            </a:r>
+          </a:p>
+          <a:p>
+            <a:r>
+              <a:rPr lang="en-US" sz="900" b="1" dirty="0"/>
+              <a:t>sea decimal el denominador </a:t>
+            </a:r>
+          </a:p>
+          <a:p>
+            <a:r>
+              <a:rPr lang="en-US" sz="900" b="1" dirty="0"/>
+              <a:t>debe de ser decimal.</a:t>
+            </a:r>
+          </a:p>
+        </p:txBody>
+      </p:sp>
+    </p:spTree>
+    <p:extLst>
+      <p:ext uri="{BB962C8B-B14F-4D97-AF65-F5344CB8AC3E}">
+        <p14:creationId xmlns:p14="http://schemas.microsoft.com/office/powerpoint/2010/main" val="646643530"/>
+      </p:ext>
+    </p:extLst>
+  </p:cSld>
+  <p:clrMapOvr>
+    <a:masterClrMapping/>
+  </p:clrMapOvr>
+</p:sld>
+</file>
+
+<file path=ppt/slides/slide73.xml><?xml version="1.0" encoding="utf-8"?>
+<p:sld xmlns:a="http://schemas.openxmlformats.org/drawingml/2006/main" xmlns:r="http://schemas.openxmlformats.org/officeDocument/2006/relationships" xmlns:p="http://schemas.openxmlformats.org/presentationml/2006/main">
+  <p:cSld>
+    <p:spTree>
+      <p:nvGrpSpPr>
+        <p:cNvPr id="1" name=""/>
+        <p:cNvGrpSpPr/>
+        <p:nvPr/>
+      </p:nvGrpSpPr>
+      <p:grpSpPr>
+        <a:xfrm>
+          <a:off x="0" y="0"/>
+          <a:ext cx="0" cy="0"/>
+          <a:chOff x="0" y="0"/>
+          <a:chExt cx="0" cy="0"/>
+        </a:xfrm>
+      </p:grpSpPr>
+      <p:sp>
+        <p:nvSpPr>
+          <p:cNvPr id="2" name="Title 1"/>
+          <p:cNvSpPr>
+            <a:spLocks noGrp="1"/>
+          </p:cNvSpPr>
+          <p:nvPr>
+            <p:ph type="title"/>
+          </p:nvPr>
+        </p:nvSpPr>
+        <p:spPr/>
+        <p:txBody>
+          <a:bodyPr/>
+          <a:lstStyle/>
+          <a:p>
+            <a:r>
+              <a:rPr lang="es-ES" dirty="0"/>
+              <a:t>Operadores Relacionales</a:t>
+            </a:r>
+            <a:endParaRPr lang="en-US" dirty="0"/>
+          </a:p>
+        </p:txBody>
+      </p:sp>
+      <p:sp>
+        <p:nvSpPr>
+          <p:cNvPr id="3" name="Content Placeholder 2"/>
+          <p:cNvSpPr>
+            <a:spLocks noGrp="1"/>
+          </p:cNvSpPr>
+          <p:nvPr>
+            <p:ph idx="1"/>
+          </p:nvPr>
+        </p:nvSpPr>
+        <p:spPr/>
+        <p:txBody>
+          <a:bodyPr>
+            <a:normAutofit/>
+          </a:bodyPr>
+          <a:lstStyle/>
+          <a:p>
+            <a:r>
+              <a:rPr lang="es-MX" dirty="0"/>
+              <a:t>El resultado de una operación relacional siempre es booleana </a:t>
+            </a:r>
+            <a:r>
+              <a:rPr lang="en-US" dirty="0"/>
+              <a:t>(</a:t>
+            </a:r>
+            <a:r>
+              <a:rPr lang="en-US" b="1" dirty="0">
+                <a:solidFill>
+                  <a:srgbClr val="00B050"/>
+                </a:solidFill>
+              </a:rPr>
+              <a:t>true</a:t>
+            </a:r>
+            <a:r>
+              <a:rPr lang="en-US" dirty="0"/>
+              <a:t>/</a:t>
+            </a:r>
+            <a:r>
+              <a:rPr lang="en-US" b="1" dirty="0">
+                <a:solidFill>
+                  <a:srgbClr val="FF0000"/>
+                </a:solidFill>
+              </a:rPr>
+              <a:t>false</a:t>
+            </a:r>
+            <a:r>
+              <a:rPr lang="en-US" dirty="0"/>
+              <a:t>)</a:t>
+            </a:r>
+            <a:r>
+              <a:rPr lang="es-MX" dirty="0"/>
+              <a:t>.</a:t>
+            </a:r>
+          </a:p>
+          <a:p>
+            <a:pPr algn="just"/>
+            <a:endParaRPr lang="es-MX" dirty="0"/>
+          </a:p>
+          <a:p>
+            <a:pPr algn="just"/>
+            <a:endParaRPr lang="es-MX" dirty="0"/>
+          </a:p>
+          <a:p>
+            <a:pPr algn="just"/>
+            <a:endParaRPr lang="es-MX" dirty="0"/>
+          </a:p>
+          <a:p>
+            <a:pPr algn="just"/>
+            <a:endParaRPr lang="es-MX" dirty="0"/>
+          </a:p>
+          <a:p>
+            <a:pPr algn="just"/>
+            <a:endParaRPr lang="es-ES" dirty="0"/>
+          </a:p>
+        </p:txBody>
+      </p:sp>
+      <p:pic>
+        <p:nvPicPr>
+          <p:cNvPr id="4" name="Picture 3"/>
+          <p:cNvPicPr>
+            <a:picLocks noChangeAspect="1"/>
+          </p:cNvPicPr>
+          <p:nvPr/>
+        </p:nvPicPr>
+        <p:blipFill>
+          <a:blip r:embed="rId2">
+            <a:extLst>
+              <a:ext uri="{28A0092B-C50C-407E-A947-70E740481C1C}">
+                <a14:useLocalDpi xmlns:a14="http://schemas.microsoft.com/office/drawing/2010/main" val="0"/>
+              </a:ext>
+            </a:extLst>
+          </a:blip>
+          <a:stretch>
+            <a:fillRect/>
+          </a:stretch>
+        </p:blipFill>
+        <p:spPr>
+          <a:xfrm>
+            <a:off x="10485700" y="54900"/>
+            <a:ext cx="1261800" cy="1261800"/>
+          </a:xfrm>
+          <a:prstGeom prst="rect">
+            <a:avLst/>
+          </a:prstGeom>
+        </p:spPr>
+      </p:pic>
+      <p:graphicFrame>
+        <p:nvGraphicFramePr>
+          <p:cNvPr id="6" name="Table 5"/>
+          <p:cNvGraphicFramePr>
+            <a:graphicFrameLocks noGrp="1"/>
+          </p:cNvGraphicFramePr>
+          <p:nvPr>
+            <p:extLst>
+              <p:ext uri="{D42A27DB-BD31-4B8C-83A1-F6EECF244321}">
+                <p14:modId xmlns:p14="http://schemas.microsoft.com/office/powerpoint/2010/main" val="1882860489"/>
+              </p:ext>
+            </p:extLst>
+          </p:nvPr>
+        </p:nvGraphicFramePr>
+        <p:xfrm>
+          <a:off x="1993900" y="3463924"/>
+          <a:ext cx="8127999" cy="2595880"/>
+        </p:xfrm>
+        <a:graphic>
+          <a:graphicData uri="http://schemas.openxmlformats.org/drawingml/2006/table">
+            <a:tbl>
+              <a:tblPr firstRow="1" bandRow="1">
+                <a:tableStyleId>{5C22544A-7EE6-4342-B048-85BDC9FD1C3A}</a:tableStyleId>
+              </a:tblPr>
+              <a:tblGrid>
+                <a:gridCol w="2709333">
+                  <a:extLst>
+                    <a:ext uri="{9D8B030D-6E8A-4147-A177-3AD203B41FA5}">
+                      <a16:colId xmlns:a16="http://schemas.microsoft.com/office/drawing/2014/main" val="4101450725"/>
+                    </a:ext>
+                  </a:extLst>
+                </a:gridCol>
+                <a:gridCol w="2709333">
+                  <a:extLst>
+                    <a:ext uri="{9D8B030D-6E8A-4147-A177-3AD203B41FA5}">
+                      <a16:colId xmlns:a16="http://schemas.microsoft.com/office/drawing/2014/main" val="2774718006"/>
+                    </a:ext>
+                  </a:extLst>
+                </a:gridCol>
+                <a:gridCol w="2709333">
+                  <a:extLst>
+                    <a:ext uri="{9D8B030D-6E8A-4147-A177-3AD203B41FA5}">
+                      <a16:colId xmlns:a16="http://schemas.microsoft.com/office/drawing/2014/main" val="1352485083"/>
+                    </a:ext>
+                  </a:extLst>
+                </a:gridCol>
+              </a:tblGrid>
+              <a:tr h="370840">
+                <a:tc>
+                  <a:txBody>
+                    <a:bodyPr/>
+                    <a:lstStyle/>
+                    <a:p>
+                      <a:pPr algn="ctr"/>
+                      <a:r>
+                        <a:rPr lang="es-MX" dirty="0"/>
+                        <a:t>Operador</a:t>
+                      </a:r>
+                      <a:endParaRPr lang="en-US" dirty="0"/>
+                    </a:p>
+                  </a:txBody>
+                  <a:tcPr/>
+                </a:tc>
+                <a:tc>
+                  <a:txBody>
+                    <a:bodyPr/>
+                    <a:lstStyle/>
+                    <a:p>
+                      <a:pPr algn="ctr"/>
+                      <a:r>
+                        <a:rPr lang="es-MX" dirty="0"/>
+                        <a:t>Significado</a:t>
+                      </a:r>
+                      <a:endParaRPr lang="en-US" dirty="0"/>
+                    </a:p>
+                  </a:txBody>
+                  <a:tcPr/>
+                </a:tc>
+                <a:tc>
+                  <a:txBody>
+                    <a:bodyPr/>
+                    <a:lstStyle/>
+                    <a:p>
+                      <a:pPr algn="ctr"/>
+                      <a:r>
+                        <a:rPr lang="es-MX" dirty="0"/>
+                        <a:t>Ejemplo</a:t>
+                      </a:r>
+                      <a:endParaRPr lang="en-US" dirty="0"/>
+                    </a:p>
+                  </a:txBody>
+                  <a:tcPr/>
+                </a:tc>
+                <a:extLst>
+                  <a:ext uri="{0D108BD9-81ED-4DB2-BD59-A6C34878D82A}">
+                    <a16:rowId xmlns:a16="http://schemas.microsoft.com/office/drawing/2014/main" val="1636450651"/>
+                  </a:ext>
+                </a:extLst>
+              </a:tr>
+              <a:tr h="370840">
+                <a:tc>
+                  <a:txBody>
+                    <a:bodyPr/>
+                    <a:lstStyle/>
+                    <a:p>
+                      <a:pPr algn="ctr"/>
+                      <a:r>
+                        <a:rPr lang="en-US" dirty="0"/>
+                        <a:t>==</a:t>
+                      </a:r>
+                    </a:p>
+                  </a:txBody>
+                  <a:tcPr/>
+                </a:tc>
+                <a:tc>
+                  <a:txBody>
+                    <a:bodyPr/>
+                    <a:lstStyle/>
+                    <a:p>
+                      <a:pPr algn="l"/>
+                      <a:r>
+                        <a:rPr lang="en-US" dirty="0" err="1"/>
+                        <a:t>Igualdad</a:t>
+                      </a:r>
+                      <a:endParaRPr lang="en-US" dirty="0"/>
+                    </a:p>
+                  </a:txBody>
+                  <a:tcPr/>
+                </a:tc>
+                <a:tc>
+                  <a:txBody>
+                    <a:bodyPr/>
+                    <a:lstStyle/>
+                    <a:p>
+                      <a:pPr algn="ctr"/>
+                      <a:r>
+                        <a:rPr lang="en-US" dirty="0"/>
+                        <a:t>a == b</a:t>
+                      </a:r>
+                    </a:p>
+                  </a:txBody>
+                  <a:tcPr/>
+                </a:tc>
+                <a:extLst>
+                  <a:ext uri="{0D108BD9-81ED-4DB2-BD59-A6C34878D82A}">
+                    <a16:rowId xmlns:a16="http://schemas.microsoft.com/office/drawing/2014/main" val="3448554321"/>
+                  </a:ext>
+                </a:extLst>
+              </a:tr>
+              <a:tr h="370840">
+                <a:tc>
+                  <a:txBody>
+                    <a:bodyPr/>
+                    <a:lstStyle/>
+                    <a:p>
+                      <a:pPr algn="ctr"/>
+                      <a:r>
+                        <a:rPr lang="en-US" dirty="0"/>
+                        <a:t>!=</a:t>
+                      </a:r>
+                    </a:p>
+                  </a:txBody>
+                  <a:tcPr/>
+                </a:tc>
+                <a:tc>
+                  <a:txBody>
+                    <a:bodyPr/>
+                    <a:lstStyle/>
+                    <a:p>
+                      <a:pPr marL="0" marR="0" lvl="0" indent="0" algn="l" defTabSz="457200" rtl="0" eaLnBrk="1" fontAlgn="auto" latinLnBrk="0" hangingPunct="1">
+                        <a:lnSpc>
+                          <a:spcPct val="100000"/>
+                        </a:lnSpc>
+                        <a:spcBef>
+                          <a:spcPts val="0"/>
+                        </a:spcBef>
+                        <a:spcAft>
+                          <a:spcPts val="0"/>
+                        </a:spcAft>
+                        <a:buClrTx/>
+                        <a:buSzTx/>
+                        <a:buFontTx/>
+                        <a:buNone/>
+                        <a:tabLst/>
+                        <a:defRPr/>
+                      </a:pPr>
+                      <a:r>
+                        <a:rPr lang="en-US" dirty="0" err="1"/>
+                        <a:t>Distinto</a:t>
+                      </a:r>
+                      <a:endParaRPr lang="en-US" dirty="0"/>
+                    </a:p>
+                  </a:txBody>
+                  <a:tcPr/>
+                </a:tc>
+                <a:tc>
+                  <a:txBody>
+                    <a:bodyPr/>
+                    <a:lstStyle/>
+                    <a:p>
+                      <a:pPr marL="0" marR="0" lvl="0" indent="0" algn="ctr" defTabSz="457200" rtl="0" eaLnBrk="1" fontAlgn="auto" latinLnBrk="0" hangingPunct="1">
+                        <a:lnSpc>
+                          <a:spcPct val="100000"/>
+                        </a:lnSpc>
+                        <a:spcBef>
+                          <a:spcPts val="0"/>
+                        </a:spcBef>
+                        <a:spcAft>
+                          <a:spcPts val="0"/>
+                        </a:spcAft>
+                        <a:buClrTx/>
+                        <a:buSzTx/>
+                        <a:buFontTx/>
+                        <a:buNone/>
+                        <a:tabLst/>
+                        <a:defRPr/>
+                      </a:pPr>
+                      <a:r>
+                        <a:rPr lang="en-US" dirty="0"/>
+                        <a:t>a != b</a:t>
+                      </a:r>
+                    </a:p>
+                  </a:txBody>
+                  <a:tcPr/>
+                </a:tc>
+                <a:extLst>
+                  <a:ext uri="{0D108BD9-81ED-4DB2-BD59-A6C34878D82A}">
+                    <a16:rowId xmlns:a16="http://schemas.microsoft.com/office/drawing/2014/main" val="1238671571"/>
+                  </a:ext>
+                </a:extLst>
+              </a:tr>
+              <a:tr h="370840">
+                <a:tc>
+                  <a:txBody>
+                    <a:bodyPr/>
+                    <a:lstStyle/>
+                    <a:p>
+                      <a:pPr algn="ctr"/>
+                      <a:r>
+                        <a:rPr lang="en-US" dirty="0"/>
+                        <a:t>&lt;</a:t>
+                      </a:r>
+                    </a:p>
+                  </a:txBody>
+                  <a:tcPr/>
+                </a:tc>
+                <a:tc>
+                  <a:txBody>
+                    <a:bodyPr/>
+                    <a:lstStyle/>
+                    <a:p>
+                      <a:pPr algn="l"/>
+                      <a:r>
+                        <a:rPr lang="en-US" dirty="0" err="1"/>
+                        <a:t>Menor</a:t>
+                      </a:r>
+                      <a:r>
+                        <a:rPr lang="en-US" dirty="0"/>
+                        <a:t> que</a:t>
+                      </a:r>
+                    </a:p>
+                  </a:txBody>
+                  <a:tcPr/>
+                </a:tc>
+                <a:tc>
+                  <a:txBody>
+                    <a:bodyPr/>
+                    <a:lstStyle/>
+                    <a:p>
+                      <a:pPr marL="0" marR="0" lvl="0" indent="0" algn="ctr" defTabSz="457200" rtl="0" eaLnBrk="1" fontAlgn="auto" latinLnBrk="0" hangingPunct="1">
+                        <a:lnSpc>
+                          <a:spcPct val="100000"/>
+                        </a:lnSpc>
+                        <a:spcBef>
+                          <a:spcPts val="0"/>
+                        </a:spcBef>
+                        <a:spcAft>
+                          <a:spcPts val="0"/>
+                        </a:spcAft>
+                        <a:buClrTx/>
+                        <a:buSzTx/>
+                        <a:buFontTx/>
+                        <a:buNone/>
+                        <a:tabLst/>
+                        <a:defRPr/>
+                      </a:pPr>
+                      <a:r>
+                        <a:rPr lang="en-US" dirty="0"/>
+                        <a:t>a &lt; b</a:t>
+                      </a:r>
+                    </a:p>
+                  </a:txBody>
+                  <a:tcPr/>
+                </a:tc>
+                <a:extLst>
+                  <a:ext uri="{0D108BD9-81ED-4DB2-BD59-A6C34878D82A}">
+                    <a16:rowId xmlns:a16="http://schemas.microsoft.com/office/drawing/2014/main" val="4210579691"/>
+                  </a:ext>
+                </a:extLst>
+              </a:tr>
+              <a:tr h="370840">
+                <a:tc>
+                  <a:txBody>
+                    <a:bodyPr/>
+                    <a:lstStyle/>
+                    <a:p>
+                      <a:pPr algn="ctr"/>
+                      <a:r>
+                        <a:rPr lang="en-US" dirty="0"/>
+                        <a:t>&gt;</a:t>
+                      </a:r>
+                    </a:p>
+                  </a:txBody>
+                  <a:tcPr/>
+                </a:tc>
+                <a:tc>
+                  <a:txBody>
+                    <a:bodyPr/>
+                    <a:lstStyle/>
+                    <a:p>
+                      <a:pPr algn="l"/>
+                      <a:r>
+                        <a:rPr lang="en-US" dirty="0"/>
+                        <a:t>Mayor que</a:t>
+                      </a:r>
+                    </a:p>
+                  </a:txBody>
+                  <a:tcPr/>
+                </a:tc>
+                <a:tc>
+                  <a:txBody>
+                    <a:bodyPr/>
+                    <a:lstStyle/>
+                    <a:p>
+                      <a:pPr marL="0" marR="0" lvl="0" indent="0" algn="ctr" defTabSz="457200" rtl="0" eaLnBrk="1" fontAlgn="auto" latinLnBrk="0" hangingPunct="1">
+                        <a:lnSpc>
+                          <a:spcPct val="100000"/>
+                        </a:lnSpc>
+                        <a:spcBef>
+                          <a:spcPts val="0"/>
+                        </a:spcBef>
+                        <a:spcAft>
+                          <a:spcPts val="0"/>
+                        </a:spcAft>
+                        <a:buClrTx/>
+                        <a:buSzTx/>
+                        <a:buFontTx/>
+                        <a:buNone/>
+                        <a:tabLst/>
+                        <a:defRPr/>
+                      </a:pPr>
+                      <a:r>
+                        <a:rPr lang="en-US" dirty="0"/>
+                        <a:t>a &gt; b</a:t>
+                      </a:r>
+                    </a:p>
+                  </a:txBody>
+                  <a:tcPr/>
+                </a:tc>
+                <a:extLst>
+                  <a:ext uri="{0D108BD9-81ED-4DB2-BD59-A6C34878D82A}">
+                    <a16:rowId xmlns:a16="http://schemas.microsoft.com/office/drawing/2014/main" val="223873400"/>
+                  </a:ext>
+                </a:extLst>
+              </a:tr>
+              <a:tr h="370840">
+                <a:tc>
+                  <a:txBody>
+                    <a:bodyPr/>
+                    <a:lstStyle/>
+                    <a:p>
+                      <a:pPr algn="ctr"/>
+                      <a:r>
+                        <a:rPr lang="en-US" dirty="0"/>
+                        <a:t>&lt;=</a:t>
+                      </a:r>
+                    </a:p>
+                  </a:txBody>
+                  <a:tcPr/>
+                </a:tc>
+                <a:tc>
+                  <a:txBody>
+                    <a:bodyPr/>
+                    <a:lstStyle/>
+                    <a:p>
+                      <a:pPr algn="l"/>
+                      <a:r>
+                        <a:rPr lang="en-US" dirty="0" err="1"/>
+                        <a:t>Menor</a:t>
+                      </a:r>
+                      <a:r>
+                        <a:rPr lang="en-US" dirty="0"/>
+                        <a:t> o </a:t>
+                      </a:r>
+                      <a:r>
+                        <a:rPr lang="en-US" dirty="0" err="1"/>
+                        <a:t>igual</a:t>
+                      </a:r>
+                      <a:r>
+                        <a:rPr lang="en-US" dirty="0"/>
+                        <a:t> que</a:t>
+                      </a:r>
+                    </a:p>
+                  </a:txBody>
+                  <a:tcPr/>
+                </a:tc>
+                <a:tc>
+                  <a:txBody>
+                    <a:bodyPr/>
+                    <a:lstStyle/>
+                    <a:p>
+                      <a:pPr marL="0" marR="0" lvl="0" indent="0" algn="ctr" defTabSz="457200" rtl="0" eaLnBrk="1" fontAlgn="auto" latinLnBrk="0" hangingPunct="1">
+                        <a:lnSpc>
+                          <a:spcPct val="100000"/>
+                        </a:lnSpc>
+                        <a:spcBef>
+                          <a:spcPts val="0"/>
+                        </a:spcBef>
+                        <a:spcAft>
+                          <a:spcPts val="0"/>
+                        </a:spcAft>
+                        <a:buClrTx/>
+                        <a:buSzTx/>
+                        <a:buFontTx/>
+                        <a:buNone/>
+                        <a:tabLst/>
+                        <a:defRPr/>
+                      </a:pPr>
+                      <a:r>
+                        <a:rPr lang="en-US" dirty="0"/>
+                        <a:t>a &lt;= b</a:t>
+                      </a:r>
+                    </a:p>
+                  </a:txBody>
+                  <a:tcPr/>
+                </a:tc>
+                <a:extLst>
+                  <a:ext uri="{0D108BD9-81ED-4DB2-BD59-A6C34878D82A}">
+                    <a16:rowId xmlns:a16="http://schemas.microsoft.com/office/drawing/2014/main" val="1683909347"/>
+                  </a:ext>
+                </a:extLst>
+              </a:tr>
+              <a:tr h="370840">
+                <a:tc>
+                  <a:txBody>
+                    <a:bodyPr/>
+                    <a:lstStyle/>
+                    <a:p>
+                      <a:pPr algn="ctr"/>
+                      <a:r>
+                        <a:rPr lang="en-US" dirty="0"/>
+                        <a:t>&gt;=</a:t>
+                      </a:r>
+                    </a:p>
+                  </a:txBody>
+                  <a:tcPr/>
+                </a:tc>
+                <a:tc>
+                  <a:txBody>
+                    <a:bodyPr/>
+                    <a:lstStyle/>
+                    <a:p>
+                      <a:pPr algn="l"/>
+                      <a:r>
+                        <a:rPr lang="en-US" dirty="0"/>
+                        <a:t>Mayor o </a:t>
+                      </a:r>
+                      <a:r>
+                        <a:rPr lang="en-US" dirty="0" err="1"/>
+                        <a:t>igual</a:t>
+                      </a:r>
+                      <a:r>
+                        <a:rPr lang="en-US" dirty="0"/>
+                        <a:t> que</a:t>
+                      </a:r>
+                    </a:p>
+                  </a:txBody>
+                  <a:tcPr/>
+                </a:tc>
+                <a:tc>
+                  <a:txBody>
+                    <a:bodyPr/>
+                    <a:lstStyle/>
+                    <a:p>
+                      <a:pPr marL="0" marR="0" lvl="0" indent="0" algn="ctr" defTabSz="457200" rtl="0" eaLnBrk="1" fontAlgn="auto" latinLnBrk="0" hangingPunct="1">
+                        <a:lnSpc>
+                          <a:spcPct val="100000"/>
+                        </a:lnSpc>
+                        <a:spcBef>
+                          <a:spcPts val="0"/>
+                        </a:spcBef>
+                        <a:spcAft>
+                          <a:spcPts val="0"/>
+                        </a:spcAft>
+                        <a:buClrTx/>
+                        <a:buSzTx/>
+                        <a:buFontTx/>
+                        <a:buNone/>
+                        <a:tabLst/>
+                        <a:defRPr/>
+                      </a:pPr>
+                      <a:r>
+                        <a:rPr lang="en-US" dirty="0"/>
+                        <a:t>a &gt;= b</a:t>
+                      </a:r>
+                    </a:p>
+                  </a:txBody>
+                  <a:tcPr/>
+                </a:tc>
+                <a:extLst>
+                  <a:ext uri="{0D108BD9-81ED-4DB2-BD59-A6C34878D82A}">
+                    <a16:rowId xmlns:a16="http://schemas.microsoft.com/office/drawing/2014/main" val="184160768"/>
+                  </a:ext>
+                </a:extLst>
+              </a:tr>
+            </a:tbl>
+          </a:graphicData>
+        </a:graphic>
+      </p:graphicFrame>
+    </p:spTree>
+    <p:extLst>
+      <p:ext uri="{BB962C8B-B14F-4D97-AF65-F5344CB8AC3E}">
+        <p14:creationId xmlns:p14="http://schemas.microsoft.com/office/powerpoint/2010/main" val="4190690025"/>
+      </p:ext>
+    </p:extLst>
+  </p:cSld>
+  <p:clrMapOvr>
+    <a:masterClrMapping/>
+  </p:clrMapOvr>
+</p:sld>
+</file>
+
+<file path=ppt/slides/slide74.xml><?xml version="1.0" encoding="utf-8"?>
+<p:sld xmlns:a="http://schemas.openxmlformats.org/drawingml/2006/main" xmlns:r="http://schemas.openxmlformats.org/officeDocument/2006/relationships" xmlns:p="http://schemas.openxmlformats.org/presentationml/2006/main">
+  <p:cSld>
+    <p:spTree>
+      <p:nvGrpSpPr>
+        <p:cNvPr id="1" name=""/>
+        <p:cNvGrpSpPr/>
+        <p:nvPr/>
+      </p:nvGrpSpPr>
+      <p:grpSpPr>
+        <a:xfrm>
+          <a:off x="0" y="0"/>
+          <a:ext cx="0" cy="0"/>
+          <a:chOff x="0" y="0"/>
+          <a:chExt cx="0" cy="0"/>
+        </a:xfrm>
+      </p:grpSpPr>
+      <p:sp>
+        <p:nvSpPr>
+          <p:cNvPr id="2" name="Title 1"/>
+          <p:cNvSpPr>
+            <a:spLocks noGrp="1"/>
+          </p:cNvSpPr>
+          <p:nvPr>
+            <p:ph type="title"/>
+          </p:nvPr>
+        </p:nvSpPr>
+        <p:spPr/>
+        <p:txBody>
+          <a:bodyPr/>
+          <a:lstStyle/>
+          <a:p>
+            <a:r>
+              <a:rPr lang="es-ES" dirty="0"/>
+              <a:t>Operadores Relacionales</a:t>
+            </a:r>
+            <a:endParaRPr lang="en-US" dirty="0"/>
+          </a:p>
+        </p:txBody>
+      </p:sp>
+      <p:sp>
+        <p:nvSpPr>
+          <p:cNvPr id="3" name="Content Placeholder 2"/>
+          <p:cNvSpPr>
+            <a:spLocks noGrp="1"/>
+          </p:cNvSpPr>
+          <p:nvPr>
+            <p:ph idx="1"/>
+          </p:nvPr>
+        </p:nvSpPr>
+        <p:spPr/>
+        <p:txBody>
+          <a:bodyPr>
+            <a:normAutofit/>
+          </a:bodyPr>
+          <a:lstStyle/>
+          <a:p>
+            <a:r>
+              <a:rPr lang="es-MX" dirty="0"/>
+              <a:t>Ejemplo:</a:t>
+            </a:r>
+          </a:p>
+          <a:p>
+            <a:pPr algn="just"/>
+            <a:endParaRPr lang="es-MX" dirty="0"/>
+          </a:p>
+          <a:p>
+            <a:pPr algn="just"/>
+            <a:endParaRPr lang="es-MX" dirty="0"/>
+          </a:p>
+          <a:p>
+            <a:pPr algn="just"/>
+            <a:endParaRPr lang="es-MX" dirty="0"/>
+          </a:p>
+          <a:p>
+            <a:pPr algn="just"/>
+            <a:endParaRPr lang="es-MX" dirty="0"/>
+          </a:p>
+          <a:p>
+            <a:pPr algn="just"/>
+            <a:endParaRPr lang="es-ES" dirty="0"/>
+          </a:p>
+        </p:txBody>
+      </p:sp>
+      <p:pic>
+        <p:nvPicPr>
+          <p:cNvPr id="4" name="Picture 3"/>
+          <p:cNvPicPr>
+            <a:picLocks noChangeAspect="1"/>
+          </p:cNvPicPr>
+          <p:nvPr/>
+        </p:nvPicPr>
+        <p:blipFill>
+          <a:blip r:embed="rId2">
+            <a:extLst>
+              <a:ext uri="{28A0092B-C50C-407E-A947-70E740481C1C}">
+                <a14:useLocalDpi xmlns:a14="http://schemas.microsoft.com/office/drawing/2010/main" val="0"/>
+              </a:ext>
+            </a:extLst>
+          </a:blip>
+          <a:stretch>
+            <a:fillRect/>
+          </a:stretch>
+        </p:blipFill>
+        <p:spPr>
+          <a:xfrm>
+            <a:off x="10485700" y="54900"/>
+            <a:ext cx="1261800" cy="1261800"/>
+          </a:xfrm>
+          <a:prstGeom prst="rect">
+            <a:avLst/>
+          </a:prstGeom>
+        </p:spPr>
+      </p:pic>
+      <p:pic>
+        <p:nvPicPr>
+          <p:cNvPr id="7" name="Picture 6"/>
+          <p:cNvPicPr>
+            <a:picLocks noChangeAspect="1"/>
+          </p:cNvPicPr>
+          <p:nvPr/>
+        </p:nvPicPr>
+        <p:blipFill>
+          <a:blip r:embed="rId3"/>
+          <a:stretch>
+            <a:fillRect/>
+          </a:stretch>
+        </p:blipFill>
+        <p:spPr>
+          <a:xfrm>
+            <a:off x="3481387" y="3240750"/>
+            <a:ext cx="4062413" cy="3245026"/>
+          </a:xfrm>
+          <a:prstGeom prst="rect">
+            <a:avLst/>
+          </a:prstGeom>
+        </p:spPr>
+      </p:pic>
+    </p:spTree>
+    <p:extLst>
+      <p:ext uri="{BB962C8B-B14F-4D97-AF65-F5344CB8AC3E}">
+        <p14:creationId xmlns:p14="http://schemas.microsoft.com/office/powerpoint/2010/main" val="2959784350"/>
+      </p:ext>
+    </p:extLst>
+  </p:cSld>
+  <p:clrMapOvr>
+    <a:masterClrMapping/>
+  </p:clrMapOvr>
+</p:sld>
+</file>
+
+<file path=ppt/slides/slide75.xml><?xml version="1.0" encoding="utf-8"?>
+<p:sld xmlns:a="http://schemas.openxmlformats.org/drawingml/2006/main" xmlns:r="http://schemas.openxmlformats.org/officeDocument/2006/relationships" xmlns:p="http://schemas.openxmlformats.org/presentationml/2006/main">
+  <p:cSld>
+    <p:spTree>
+      <p:nvGrpSpPr>
+        <p:cNvPr id="1" name=""/>
+        <p:cNvGrpSpPr/>
+        <p:nvPr/>
+      </p:nvGrpSpPr>
+      <p:grpSpPr>
+        <a:xfrm>
+          <a:off x="0" y="0"/>
+          <a:ext cx="0" cy="0"/>
+          <a:chOff x="0" y="0"/>
+          <a:chExt cx="0" cy="0"/>
+        </a:xfrm>
+      </p:grpSpPr>
+      <p:sp>
+        <p:nvSpPr>
+          <p:cNvPr id="2" name="Title 1"/>
+          <p:cNvSpPr>
+            <a:spLocks noGrp="1"/>
+          </p:cNvSpPr>
+          <p:nvPr>
+            <p:ph type="title"/>
+          </p:nvPr>
+        </p:nvSpPr>
+        <p:spPr/>
+        <p:txBody>
+          <a:bodyPr/>
+          <a:lstStyle/>
+          <a:p>
+            <a:r>
+              <a:rPr lang="es-ES" dirty="0"/>
+              <a:t>Operadores L</a:t>
+            </a:r>
+            <a:r>
+              <a:rPr lang="es-MX" dirty="0"/>
+              <a:t>ógicos</a:t>
+            </a:r>
+            <a:endParaRPr lang="en-US" dirty="0"/>
+          </a:p>
+        </p:txBody>
+      </p:sp>
+      <p:sp>
+        <p:nvSpPr>
+          <p:cNvPr id="3" name="Content Placeholder 2"/>
+          <p:cNvSpPr>
+            <a:spLocks noGrp="1"/>
+          </p:cNvSpPr>
+          <p:nvPr>
+            <p:ph idx="1"/>
+          </p:nvPr>
+        </p:nvSpPr>
+        <p:spPr/>
+        <p:txBody>
+          <a:bodyPr>
+            <a:normAutofit/>
+          </a:bodyPr>
+          <a:lstStyle/>
+          <a:p>
+            <a:r>
+              <a:rPr lang="es-MX" dirty="0"/>
+              <a:t>El resultado de una operación lógica siempre es booleana </a:t>
+            </a:r>
+            <a:r>
+              <a:rPr lang="en-US" dirty="0"/>
+              <a:t>(</a:t>
+            </a:r>
+            <a:r>
+              <a:rPr lang="en-US" b="1" dirty="0">
+                <a:solidFill>
+                  <a:srgbClr val="00B050"/>
+                </a:solidFill>
+              </a:rPr>
+              <a:t>true</a:t>
+            </a:r>
+            <a:r>
+              <a:rPr lang="en-US" dirty="0"/>
+              <a:t>/</a:t>
+            </a:r>
+            <a:r>
+              <a:rPr lang="en-US" b="1" dirty="0">
+                <a:solidFill>
+                  <a:srgbClr val="FF0000"/>
+                </a:solidFill>
+              </a:rPr>
+              <a:t>false</a:t>
+            </a:r>
+            <a:r>
+              <a:rPr lang="en-US" dirty="0"/>
+              <a:t>)</a:t>
+            </a:r>
+            <a:r>
+              <a:rPr lang="es-MX" dirty="0"/>
+              <a:t>.</a:t>
+            </a:r>
+          </a:p>
+          <a:p>
+            <a:pPr algn="just"/>
+            <a:endParaRPr lang="es-MX" dirty="0"/>
+          </a:p>
+          <a:p>
+            <a:pPr algn="just"/>
+            <a:endParaRPr lang="es-MX" dirty="0"/>
+          </a:p>
+          <a:p>
+            <a:pPr algn="just"/>
+            <a:endParaRPr lang="es-MX" dirty="0"/>
+          </a:p>
+          <a:p>
+            <a:pPr algn="just"/>
+            <a:endParaRPr lang="es-MX" dirty="0"/>
+          </a:p>
+          <a:p>
+            <a:pPr algn="just"/>
+            <a:endParaRPr lang="es-ES" dirty="0"/>
+          </a:p>
+        </p:txBody>
+      </p:sp>
+      <p:pic>
+        <p:nvPicPr>
+          <p:cNvPr id="4" name="Picture 3"/>
+          <p:cNvPicPr>
+            <a:picLocks noChangeAspect="1"/>
+          </p:cNvPicPr>
+          <p:nvPr/>
+        </p:nvPicPr>
+        <p:blipFill>
+          <a:blip r:embed="rId2">
+            <a:extLst>
+              <a:ext uri="{28A0092B-C50C-407E-A947-70E740481C1C}">
+                <a14:useLocalDpi xmlns:a14="http://schemas.microsoft.com/office/drawing/2010/main" val="0"/>
+              </a:ext>
+            </a:extLst>
+          </a:blip>
+          <a:stretch>
+            <a:fillRect/>
+          </a:stretch>
+        </p:blipFill>
+        <p:spPr>
+          <a:xfrm>
+            <a:off x="10485700" y="54900"/>
+            <a:ext cx="1261800" cy="1261800"/>
+          </a:xfrm>
+          <a:prstGeom prst="rect">
+            <a:avLst/>
+          </a:prstGeom>
+        </p:spPr>
+      </p:pic>
+      <p:graphicFrame>
+        <p:nvGraphicFramePr>
+          <p:cNvPr id="6" name="Table 5"/>
+          <p:cNvGraphicFramePr>
+            <a:graphicFrameLocks noGrp="1"/>
+          </p:cNvGraphicFramePr>
+          <p:nvPr>
+            <p:extLst>
+              <p:ext uri="{D42A27DB-BD31-4B8C-83A1-F6EECF244321}">
+                <p14:modId xmlns:p14="http://schemas.microsoft.com/office/powerpoint/2010/main" val="1065101201"/>
+              </p:ext>
+            </p:extLst>
+          </p:nvPr>
+        </p:nvGraphicFramePr>
+        <p:xfrm>
+          <a:off x="1993900" y="3463924"/>
+          <a:ext cx="8128000" cy="2225040"/>
+        </p:xfrm>
+        <a:graphic>
+          <a:graphicData uri="http://schemas.openxmlformats.org/drawingml/2006/table">
+            <a:tbl>
+              <a:tblPr firstRow="1" bandRow="1">
+                <a:tableStyleId>{5C22544A-7EE6-4342-B048-85BDC9FD1C3A}</a:tableStyleId>
+              </a:tblPr>
+              <a:tblGrid>
+                <a:gridCol w="2032000">
+                  <a:extLst>
+                    <a:ext uri="{9D8B030D-6E8A-4147-A177-3AD203B41FA5}">
+                      <a16:colId xmlns:a16="http://schemas.microsoft.com/office/drawing/2014/main" val="4101450725"/>
+                    </a:ext>
+                  </a:extLst>
+                </a:gridCol>
+                <a:gridCol w="2032000">
+                  <a:extLst>
+                    <a:ext uri="{9D8B030D-6E8A-4147-A177-3AD203B41FA5}">
+                      <a16:colId xmlns:a16="http://schemas.microsoft.com/office/drawing/2014/main" val="2774718006"/>
+                    </a:ext>
+                  </a:extLst>
+                </a:gridCol>
+                <a:gridCol w="2032000">
+                  <a:extLst>
+                    <a:ext uri="{9D8B030D-6E8A-4147-A177-3AD203B41FA5}">
+                      <a16:colId xmlns:a16="http://schemas.microsoft.com/office/drawing/2014/main" val="2223241950"/>
+                    </a:ext>
+                  </a:extLst>
+                </a:gridCol>
+                <a:gridCol w="2032000">
+                  <a:extLst>
+                    <a:ext uri="{9D8B030D-6E8A-4147-A177-3AD203B41FA5}">
+                      <a16:colId xmlns:a16="http://schemas.microsoft.com/office/drawing/2014/main" val="1352485083"/>
+                    </a:ext>
+                  </a:extLst>
+                </a:gridCol>
+              </a:tblGrid>
+              <a:tr h="370840">
+                <a:tc gridSpan="4">
+                  <a:txBody>
+                    <a:bodyPr/>
+                    <a:lstStyle/>
+                    <a:p>
+                      <a:pPr algn="ctr"/>
+                      <a:r>
+                        <a:rPr lang="es-MX" dirty="0"/>
+                        <a:t>Tabla de verdad del operador AND</a:t>
+                      </a:r>
+                      <a:endParaRPr lang="en-US" dirty="0"/>
+                    </a:p>
+                  </a:txBody>
+                  <a:tcPr/>
+                </a:tc>
+                <a:tc hMerge="1">
+                  <a:txBody>
+                    <a:bodyPr/>
+                    <a:lstStyle/>
+                    <a:p>
+                      <a:pPr algn="ctr"/>
+                      <a:endParaRPr lang="en-US" dirty="0"/>
+                    </a:p>
+                  </a:txBody>
+                  <a:tcPr/>
+                </a:tc>
+                <a:tc hMerge="1">
+                  <a:txBody>
+                    <a:bodyPr/>
+                    <a:lstStyle/>
+                    <a:p>
+                      <a:endParaRPr lang="en-US"/>
+                    </a:p>
+                  </a:txBody>
+                  <a:tcPr/>
+                </a:tc>
+                <a:tc hMerge="1">
+                  <a:txBody>
+                    <a:bodyPr/>
+                    <a:lstStyle/>
+                    <a:p>
+                      <a:pPr algn="ctr"/>
+                      <a:endParaRPr lang="en-US" dirty="0"/>
+                    </a:p>
+                  </a:txBody>
+                  <a:tcPr/>
+                </a:tc>
+                <a:extLst>
+                  <a:ext uri="{0D108BD9-81ED-4DB2-BD59-A6C34878D82A}">
+                    <a16:rowId xmlns:a16="http://schemas.microsoft.com/office/drawing/2014/main" val="2200783135"/>
+                  </a:ext>
+                </a:extLst>
+              </a:tr>
+              <a:tr h="370840">
+                <a:tc>
+                  <a:txBody>
+                    <a:bodyPr/>
+                    <a:lstStyle/>
+                    <a:p>
+                      <a:pPr algn="ctr"/>
+                      <a:r>
+                        <a:rPr lang="es-MX" b="1" dirty="0"/>
+                        <a:t>A</a:t>
+                      </a:r>
+                      <a:endParaRPr lang="en-US" b="1" dirty="0"/>
+                    </a:p>
+                  </a:txBody>
+                  <a:tcPr/>
+                </a:tc>
+                <a:tc>
+                  <a:txBody>
+                    <a:bodyPr/>
+                    <a:lstStyle/>
+                    <a:p>
+                      <a:pPr algn="ctr"/>
+                      <a:r>
+                        <a:rPr lang="es-MX" b="1" dirty="0"/>
+                        <a:t>B</a:t>
+                      </a:r>
+                      <a:endParaRPr lang="en-US" b="1" dirty="0"/>
+                    </a:p>
+                  </a:txBody>
+                  <a:tcPr/>
+                </a:tc>
+                <a:tc>
+                  <a:txBody>
+                    <a:bodyPr/>
+                    <a:lstStyle/>
+                    <a:p>
+                      <a:pPr algn="ctr"/>
+                      <a:r>
+                        <a:rPr lang="es-MX" b="1" dirty="0"/>
+                        <a:t>Ejemplo</a:t>
+                      </a:r>
+                      <a:endParaRPr lang="en-US" b="1" dirty="0"/>
+                    </a:p>
+                  </a:txBody>
+                  <a:tcPr/>
+                </a:tc>
+                <a:tc>
+                  <a:txBody>
+                    <a:bodyPr/>
+                    <a:lstStyle/>
+                    <a:p>
+                      <a:pPr algn="ctr"/>
+                      <a:r>
+                        <a:rPr lang="es-MX" b="1" dirty="0"/>
+                        <a:t>Resultado</a:t>
+                      </a:r>
+                      <a:endParaRPr lang="en-US" b="1" dirty="0"/>
+                    </a:p>
+                  </a:txBody>
+                  <a:tcPr/>
+                </a:tc>
+                <a:extLst>
+                  <a:ext uri="{0D108BD9-81ED-4DB2-BD59-A6C34878D82A}">
+                    <a16:rowId xmlns:a16="http://schemas.microsoft.com/office/drawing/2014/main" val="1636450651"/>
+                  </a:ext>
+                </a:extLst>
+              </a:tr>
+              <a:tr h="370840">
+                <a:tc>
+                  <a:txBody>
+                    <a:bodyPr/>
+                    <a:lstStyle/>
+                    <a:p>
+                      <a:pPr algn="ctr"/>
+                      <a:r>
+                        <a:rPr lang="es-MX" dirty="0"/>
+                        <a:t>true</a:t>
+                      </a:r>
+                      <a:endParaRPr lang="en-US" dirty="0"/>
+                    </a:p>
+                  </a:txBody>
+                  <a:tcPr>
+                    <a:solidFill>
+                      <a:schemeClr val="accent2">
+                        <a:lumMod val="60000"/>
+                        <a:lumOff val="40000"/>
+                      </a:schemeClr>
+                    </a:solidFill>
+                  </a:tcPr>
+                </a:tc>
+                <a:tc>
+                  <a:txBody>
+                    <a:bodyPr/>
+                    <a:lstStyle/>
+                    <a:p>
+                      <a:pPr algn="ctr"/>
+                      <a:r>
+                        <a:rPr lang="es-MX" dirty="0"/>
+                        <a:t>true</a:t>
+                      </a:r>
+                      <a:endParaRPr lang="en-US" dirty="0"/>
+                    </a:p>
+                  </a:txBody>
+                  <a:tcPr>
+                    <a:solidFill>
+                      <a:schemeClr val="accent2">
+                        <a:lumMod val="60000"/>
+                        <a:lumOff val="40000"/>
+                      </a:schemeClr>
+                    </a:solidFill>
+                  </a:tcPr>
+                </a:tc>
+                <a:tc>
+                  <a:txBody>
+                    <a:bodyPr/>
+                    <a:lstStyle/>
+                    <a:p>
+                      <a:pPr algn="ctr"/>
+                      <a:r>
+                        <a:rPr lang="es-MX" dirty="0"/>
+                        <a:t>true</a:t>
+                      </a:r>
+                      <a:r>
+                        <a:rPr lang="es-MX" baseline="0" dirty="0"/>
+                        <a:t> </a:t>
+                      </a:r>
+                      <a:r>
+                        <a:rPr lang="en-US" baseline="0" dirty="0"/>
+                        <a:t>&amp;&amp; true</a:t>
+                      </a:r>
+                      <a:endParaRPr lang="en-US" dirty="0"/>
+                    </a:p>
+                  </a:txBody>
+                  <a:tcPr>
+                    <a:solidFill>
+                      <a:schemeClr val="accent2">
+                        <a:lumMod val="60000"/>
+                        <a:lumOff val="40000"/>
+                      </a:schemeClr>
+                    </a:solidFill>
+                  </a:tcPr>
+                </a:tc>
+                <a:tc>
+                  <a:txBody>
+                    <a:bodyPr/>
+                    <a:lstStyle/>
+                    <a:p>
+                      <a:pPr algn="ctr"/>
+                      <a:r>
+                        <a:rPr lang="es-MX" dirty="0"/>
+                        <a:t>true</a:t>
+                      </a:r>
+                      <a:endParaRPr lang="en-US" dirty="0"/>
+                    </a:p>
+                  </a:txBody>
+                  <a:tcPr>
+                    <a:solidFill>
+                      <a:schemeClr val="accent2">
+                        <a:lumMod val="60000"/>
+                        <a:lumOff val="40000"/>
+                      </a:schemeClr>
+                    </a:solidFill>
+                  </a:tcPr>
+                </a:tc>
+                <a:extLst>
+                  <a:ext uri="{0D108BD9-81ED-4DB2-BD59-A6C34878D82A}">
+                    <a16:rowId xmlns:a16="http://schemas.microsoft.com/office/drawing/2014/main" val="3448554321"/>
+                  </a:ext>
+                </a:extLst>
+              </a:tr>
+              <a:tr h="370840">
+                <a:tc>
+                  <a:txBody>
+                    <a:bodyPr/>
+                    <a:lstStyle/>
+                    <a:p>
+                      <a:pPr algn="ctr"/>
+                      <a:r>
+                        <a:rPr lang="es-MX" dirty="0"/>
+                        <a:t>true</a:t>
+                      </a:r>
+                      <a:endParaRPr lang="en-US" dirty="0"/>
+                    </a:p>
+                  </a:txBody>
+                  <a:tcPr/>
+                </a:tc>
+                <a:tc>
+                  <a:txBody>
+                    <a:bodyPr/>
+                    <a:lstStyle/>
+                    <a:p>
+                      <a:pPr marL="0" marR="0" lvl="0" indent="0" algn="ctr" defTabSz="457200" rtl="0" eaLnBrk="1" fontAlgn="auto" latinLnBrk="0" hangingPunct="1">
+                        <a:lnSpc>
+                          <a:spcPct val="100000"/>
+                        </a:lnSpc>
+                        <a:spcBef>
+                          <a:spcPts val="0"/>
+                        </a:spcBef>
+                        <a:spcAft>
+                          <a:spcPts val="0"/>
+                        </a:spcAft>
+                        <a:buClrTx/>
+                        <a:buSzTx/>
+                        <a:buFontTx/>
+                        <a:buNone/>
+                        <a:tabLst/>
+                        <a:defRPr/>
+                      </a:pPr>
+                      <a:r>
+                        <a:rPr lang="es-MX" dirty="0"/>
+                        <a:t>false</a:t>
+                      </a:r>
+                      <a:endParaRPr lang="en-US" dirty="0"/>
+                    </a:p>
+                  </a:txBody>
+                  <a:tcPr/>
+                </a:tc>
+                <a:tc>
+                  <a:txBody>
+                    <a:bodyPr/>
+                    <a:lstStyle/>
+                    <a:p>
+                      <a:pPr marL="0" marR="0" lvl="0" indent="0" algn="ctr" defTabSz="457200" rtl="0" eaLnBrk="1" fontAlgn="auto" latinLnBrk="0" hangingPunct="1">
+                        <a:lnSpc>
+                          <a:spcPct val="100000"/>
+                        </a:lnSpc>
+                        <a:spcBef>
+                          <a:spcPts val="0"/>
+                        </a:spcBef>
+                        <a:spcAft>
+                          <a:spcPts val="0"/>
+                        </a:spcAft>
+                        <a:buClrTx/>
+                        <a:buSzTx/>
+                        <a:buFontTx/>
+                        <a:buNone/>
+                        <a:tabLst/>
+                        <a:defRPr/>
+                      </a:pPr>
+                      <a:r>
+                        <a:rPr lang="es-MX" dirty="0"/>
+                        <a:t>true</a:t>
+                      </a:r>
+                      <a:r>
+                        <a:rPr lang="es-MX" baseline="0" dirty="0"/>
+                        <a:t> </a:t>
+                      </a:r>
+                      <a:r>
+                        <a:rPr lang="en-US" baseline="0" dirty="0"/>
+                        <a:t>&amp;&amp; false</a:t>
+                      </a:r>
+                      <a:endParaRPr lang="en-US" dirty="0"/>
+                    </a:p>
+                  </a:txBody>
+                  <a:tcPr/>
+                </a:tc>
+                <a:tc>
+                  <a:txBody>
+                    <a:bodyPr/>
+                    <a:lstStyle/>
+                    <a:p>
+                      <a:pPr marL="0" marR="0" lvl="0" indent="0" algn="ctr" defTabSz="457200" rtl="0" eaLnBrk="1" fontAlgn="auto" latinLnBrk="0" hangingPunct="1">
+                        <a:lnSpc>
+                          <a:spcPct val="100000"/>
+                        </a:lnSpc>
+                        <a:spcBef>
+                          <a:spcPts val="0"/>
+                        </a:spcBef>
+                        <a:spcAft>
+                          <a:spcPts val="0"/>
+                        </a:spcAft>
+                        <a:buClrTx/>
+                        <a:buSzTx/>
+                        <a:buFontTx/>
+                        <a:buNone/>
+                        <a:tabLst/>
+                        <a:defRPr/>
+                      </a:pPr>
+                      <a:r>
+                        <a:rPr lang="es-MX" dirty="0"/>
+                        <a:t>false</a:t>
+                      </a:r>
+                      <a:endParaRPr lang="en-US" dirty="0"/>
+                    </a:p>
+                  </a:txBody>
+                  <a:tcPr/>
+                </a:tc>
+                <a:extLst>
+                  <a:ext uri="{0D108BD9-81ED-4DB2-BD59-A6C34878D82A}">
+                    <a16:rowId xmlns:a16="http://schemas.microsoft.com/office/drawing/2014/main" val="1238671571"/>
+                  </a:ext>
+                </a:extLst>
+              </a:tr>
+              <a:tr h="370840">
+                <a:tc>
+                  <a:txBody>
+                    <a:bodyPr/>
+                    <a:lstStyle/>
+                    <a:p>
+                      <a:pPr algn="ctr"/>
+                      <a:r>
+                        <a:rPr lang="es-MX" dirty="0"/>
+                        <a:t>false</a:t>
+                      </a:r>
+                      <a:endParaRPr lang="en-US" dirty="0"/>
+                    </a:p>
+                  </a:txBody>
+                  <a:tcPr/>
+                </a:tc>
+                <a:tc>
+                  <a:txBody>
+                    <a:bodyPr/>
+                    <a:lstStyle/>
+                    <a:p>
+                      <a:pPr algn="ctr"/>
+                      <a:r>
+                        <a:rPr lang="es-MX" dirty="0"/>
+                        <a:t>true</a:t>
+                      </a:r>
+                      <a:endParaRPr lang="en-US" dirty="0"/>
+                    </a:p>
+                  </a:txBody>
+                  <a:tcPr/>
+                </a:tc>
+                <a:tc>
+                  <a:txBody>
+                    <a:bodyPr/>
+                    <a:lstStyle/>
+                    <a:p>
+                      <a:pPr marL="0" marR="0" lvl="0" indent="0" algn="ctr" defTabSz="457200" rtl="0" eaLnBrk="1" fontAlgn="auto" latinLnBrk="0" hangingPunct="1">
+                        <a:lnSpc>
+                          <a:spcPct val="100000"/>
+                        </a:lnSpc>
+                        <a:spcBef>
+                          <a:spcPts val="0"/>
+                        </a:spcBef>
+                        <a:spcAft>
+                          <a:spcPts val="0"/>
+                        </a:spcAft>
+                        <a:buClrTx/>
+                        <a:buSzTx/>
+                        <a:buFontTx/>
+                        <a:buNone/>
+                        <a:tabLst/>
+                        <a:defRPr/>
+                      </a:pPr>
+                      <a:r>
+                        <a:rPr lang="es-MX" baseline="0" dirty="0"/>
+                        <a:t>false </a:t>
+                      </a:r>
+                      <a:r>
+                        <a:rPr lang="en-US" baseline="0" dirty="0"/>
+                        <a:t>&amp;&amp; true</a:t>
+                      </a:r>
+                      <a:endParaRPr lang="en-US" dirty="0"/>
+                    </a:p>
+                  </a:txBody>
+                  <a:tcPr/>
+                </a:tc>
+                <a:tc>
+                  <a:txBody>
+                    <a:bodyPr/>
+                    <a:lstStyle/>
+                    <a:p>
+                      <a:pPr marL="0" marR="0" lvl="0" indent="0" algn="ctr" defTabSz="457200" rtl="0" eaLnBrk="1" fontAlgn="auto" latinLnBrk="0" hangingPunct="1">
+                        <a:lnSpc>
+                          <a:spcPct val="100000"/>
+                        </a:lnSpc>
+                        <a:spcBef>
+                          <a:spcPts val="0"/>
+                        </a:spcBef>
+                        <a:spcAft>
+                          <a:spcPts val="0"/>
+                        </a:spcAft>
+                        <a:buClrTx/>
+                        <a:buSzTx/>
+                        <a:buFontTx/>
+                        <a:buNone/>
+                        <a:tabLst/>
+                        <a:defRPr/>
+                      </a:pPr>
+                      <a:r>
+                        <a:rPr lang="es-MX" dirty="0"/>
+                        <a:t>false</a:t>
+                      </a:r>
+                      <a:endParaRPr lang="en-US" dirty="0"/>
+                    </a:p>
+                  </a:txBody>
+                  <a:tcPr/>
+                </a:tc>
+                <a:extLst>
+                  <a:ext uri="{0D108BD9-81ED-4DB2-BD59-A6C34878D82A}">
+                    <a16:rowId xmlns:a16="http://schemas.microsoft.com/office/drawing/2014/main" val="4210579691"/>
+                  </a:ext>
+                </a:extLst>
+              </a:tr>
+              <a:tr h="370840">
+                <a:tc>
+                  <a:txBody>
+                    <a:bodyPr/>
+                    <a:lstStyle/>
+                    <a:p>
+                      <a:pPr algn="ctr"/>
+                      <a:r>
+                        <a:rPr lang="es-MX" dirty="0"/>
+                        <a:t>false</a:t>
+                      </a:r>
+                      <a:endParaRPr lang="en-US" dirty="0"/>
+                    </a:p>
+                  </a:txBody>
+                  <a:tcPr/>
+                </a:tc>
+                <a:tc>
+                  <a:txBody>
+                    <a:bodyPr/>
+                    <a:lstStyle/>
+                    <a:p>
+                      <a:pPr algn="ctr"/>
+                      <a:r>
+                        <a:rPr lang="es-MX" dirty="0"/>
+                        <a:t>false</a:t>
+                      </a:r>
+                      <a:endParaRPr lang="en-US" dirty="0"/>
+                    </a:p>
+                  </a:txBody>
+                  <a:tcPr/>
+                </a:tc>
+                <a:tc>
+                  <a:txBody>
+                    <a:bodyPr/>
+                    <a:lstStyle/>
+                    <a:p>
+                      <a:pPr marL="0" marR="0" lvl="0" indent="0" algn="ctr" defTabSz="457200" rtl="0" eaLnBrk="1" fontAlgn="auto" latinLnBrk="0" hangingPunct="1">
+                        <a:lnSpc>
+                          <a:spcPct val="100000"/>
+                        </a:lnSpc>
+                        <a:spcBef>
+                          <a:spcPts val="0"/>
+                        </a:spcBef>
+                        <a:spcAft>
+                          <a:spcPts val="0"/>
+                        </a:spcAft>
+                        <a:buClrTx/>
+                        <a:buSzTx/>
+                        <a:buFontTx/>
+                        <a:buNone/>
+                        <a:tabLst/>
+                        <a:defRPr/>
+                      </a:pPr>
+                      <a:r>
+                        <a:rPr lang="en-US" dirty="0"/>
+                        <a:t>false &amp;&amp; true</a:t>
+                      </a:r>
+                    </a:p>
+                  </a:txBody>
+                  <a:tcPr/>
+                </a:tc>
+                <a:tc>
+                  <a:txBody>
+                    <a:bodyPr/>
+                    <a:lstStyle/>
+                    <a:p>
+                      <a:pPr marL="0" marR="0" lvl="0" indent="0" algn="ctr" defTabSz="457200" rtl="0" eaLnBrk="1" fontAlgn="auto" latinLnBrk="0" hangingPunct="1">
+                        <a:lnSpc>
+                          <a:spcPct val="100000"/>
+                        </a:lnSpc>
+                        <a:spcBef>
+                          <a:spcPts val="0"/>
+                        </a:spcBef>
+                        <a:spcAft>
+                          <a:spcPts val="0"/>
+                        </a:spcAft>
+                        <a:buClrTx/>
+                        <a:buSzTx/>
+                        <a:buFontTx/>
+                        <a:buNone/>
+                        <a:tabLst/>
+                        <a:defRPr/>
+                      </a:pPr>
+                      <a:r>
+                        <a:rPr lang="es-MX" dirty="0"/>
+                        <a:t>false</a:t>
+                      </a:r>
+                      <a:endParaRPr lang="en-US" dirty="0"/>
+                    </a:p>
+                  </a:txBody>
+                  <a:tcPr/>
+                </a:tc>
+                <a:extLst>
+                  <a:ext uri="{0D108BD9-81ED-4DB2-BD59-A6C34878D82A}">
+                    <a16:rowId xmlns:a16="http://schemas.microsoft.com/office/drawing/2014/main" val="223873400"/>
+                  </a:ext>
+                </a:extLst>
+              </a:tr>
+            </a:tbl>
+          </a:graphicData>
+        </a:graphic>
+      </p:graphicFrame>
+    </p:spTree>
+    <p:extLst>
+      <p:ext uri="{BB962C8B-B14F-4D97-AF65-F5344CB8AC3E}">
+        <p14:creationId xmlns:p14="http://schemas.microsoft.com/office/powerpoint/2010/main" val="820369811"/>
+      </p:ext>
+    </p:extLst>
+  </p:cSld>
+  <p:clrMapOvr>
+    <a:masterClrMapping/>
+  </p:clrMapOvr>
+</p:sld>
+</file>
+
+<file path=ppt/slides/slide76.xml><?xml version="1.0" encoding="utf-8"?>
+<p:sld xmlns:a="http://schemas.openxmlformats.org/drawingml/2006/main" xmlns:r="http://schemas.openxmlformats.org/officeDocument/2006/relationships" xmlns:p="http://schemas.openxmlformats.org/presentationml/2006/main">
+  <p:cSld>
+    <p:spTree>
+      <p:nvGrpSpPr>
+        <p:cNvPr id="1" name=""/>
+        <p:cNvGrpSpPr/>
+        <p:nvPr/>
+      </p:nvGrpSpPr>
+      <p:grpSpPr>
+        <a:xfrm>
+          <a:off x="0" y="0"/>
+          <a:ext cx="0" cy="0"/>
+          <a:chOff x="0" y="0"/>
+          <a:chExt cx="0" cy="0"/>
+        </a:xfrm>
+      </p:grpSpPr>
+      <p:sp>
+        <p:nvSpPr>
+          <p:cNvPr id="2" name="Title 1"/>
+          <p:cNvSpPr>
+            <a:spLocks noGrp="1"/>
+          </p:cNvSpPr>
+          <p:nvPr>
+            <p:ph type="title"/>
+          </p:nvPr>
+        </p:nvSpPr>
+        <p:spPr/>
+        <p:txBody>
+          <a:bodyPr/>
+          <a:lstStyle/>
+          <a:p>
+            <a:r>
+              <a:rPr lang="es-ES" dirty="0"/>
+              <a:t>Operadores L</a:t>
+            </a:r>
+            <a:r>
+              <a:rPr lang="es-MX" dirty="0"/>
+              <a:t>ógicos</a:t>
+            </a:r>
+            <a:endParaRPr lang="en-US" dirty="0"/>
+          </a:p>
+        </p:txBody>
+      </p:sp>
+      <p:sp>
+        <p:nvSpPr>
+          <p:cNvPr id="3" name="Content Placeholder 2"/>
+          <p:cNvSpPr>
+            <a:spLocks noGrp="1"/>
+          </p:cNvSpPr>
+          <p:nvPr>
+            <p:ph idx="1"/>
+          </p:nvPr>
+        </p:nvSpPr>
+        <p:spPr/>
+        <p:txBody>
+          <a:bodyPr>
+            <a:normAutofit/>
+          </a:bodyPr>
+          <a:lstStyle/>
+          <a:p>
+            <a:r>
+              <a:rPr lang="es-MX" dirty="0"/>
+              <a:t>Ejemplo:</a:t>
+            </a:r>
+          </a:p>
+          <a:p>
+            <a:endParaRPr lang="es-MX" dirty="0"/>
+          </a:p>
+          <a:p>
+            <a:pPr algn="just"/>
+            <a:endParaRPr lang="es-MX" dirty="0"/>
+          </a:p>
+          <a:p>
+            <a:pPr algn="just"/>
+            <a:endParaRPr lang="es-MX" dirty="0"/>
+          </a:p>
+          <a:p>
+            <a:pPr algn="just"/>
+            <a:endParaRPr lang="es-MX" dirty="0"/>
+          </a:p>
+          <a:p>
+            <a:pPr algn="just"/>
+            <a:endParaRPr lang="es-ES" dirty="0"/>
+          </a:p>
+        </p:txBody>
+      </p:sp>
+      <p:pic>
+        <p:nvPicPr>
+          <p:cNvPr id="4" name="Picture 3"/>
+          <p:cNvPicPr>
+            <a:picLocks noChangeAspect="1"/>
+          </p:cNvPicPr>
+          <p:nvPr/>
+        </p:nvPicPr>
+        <p:blipFill>
+          <a:blip r:embed="rId2">
+            <a:extLst>
+              <a:ext uri="{28A0092B-C50C-407E-A947-70E740481C1C}">
+                <a14:useLocalDpi xmlns:a14="http://schemas.microsoft.com/office/drawing/2010/main" val="0"/>
+              </a:ext>
+            </a:extLst>
+          </a:blip>
+          <a:stretch>
+            <a:fillRect/>
+          </a:stretch>
+        </p:blipFill>
+        <p:spPr>
+          <a:xfrm>
+            <a:off x="10485700" y="54900"/>
+            <a:ext cx="1261800" cy="1261800"/>
+          </a:xfrm>
+          <a:prstGeom prst="rect">
+            <a:avLst/>
+          </a:prstGeom>
+        </p:spPr>
+      </p:pic>
+      <p:pic>
+        <p:nvPicPr>
+          <p:cNvPr id="7" name="Picture 6"/>
+          <p:cNvPicPr>
+            <a:picLocks noChangeAspect="1"/>
+          </p:cNvPicPr>
+          <p:nvPr/>
+        </p:nvPicPr>
+        <p:blipFill>
+          <a:blip r:embed="rId3"/>
+          <a:stretch>
+            <a:fillRect/>
+          </a:stretch>
+        </p:blipFill>
+        <p:spPr>
+          <a:xfrm>
+            <a:off x="3490912" y="3276600"/>
+            <a:ext cx="4791075" cy="3105150"/>
+          </a:xfrm>
+          <a:prstGeom prst="rect">
+            <a:avLst/>
+          </a:prstGeom>
+        </p:spPr>
+      </p:pic>
+    </p:spTree>
+    <p:extLst>
+      <p:ext uri="{BB962C8B-B14F-4D97-AF65-F5344CB8AC3E}">
+        <p14:creationId xmlns:p14="http://schemas.microsoft.com/office/powerpoint/2010/main" val="2661380189"/>
+      </p:ext>
+    </p:extLst>
+  </p:cSld>
+  <p:clrMapOvr>
+    <a:masterClrMapping/>
+  </p:clrMapOvr>
+</p:sld>
+</file>
+
+<file path=ppt/slides/slide77.xml><?xml version="1.0" encoding="utf-8"?>
+<p:sld xmlns:a="http://schemas.openxmlformats.org/drawingml/2006/main" xmlns:r="http://schemas.openxmlformats.org/officeDocument/2006/relationships" xmlns:p="http://schemas.openxmlformats.org/presentationml/2006/main">
+  <p:cSld>
+    <p:spTree>
+      <p:nvGrpSpPr>
+        <p:cNvPr id="1" name=""/>
+        <p:cNvGrpSpPr/>
+        <p:nvPr/>
+      </p:nvGrpSpPr>
+      <p:grpSpPr>
+        <a:xfrm>
+          <a:off x="0" y="0"/>
+          <a:ext cx="0" cy="0"/>
+          <a:chOff x="0" y="0"/>
+          <a:chExt cx="0" cy="0"/>
+        </a:xfrm>
+      </p:grpSpPr>
+      <p:sp>
+        <p:nvSpPr>
+          <p:cNvPr id="2" name="Title 1"/>
+          <p:cNvSpPr>
+            <a:spLocks noGrp="1"/>
+          </p:cNvSpPr>
+          <p:nvPr>
+            <p:ph type="title"/>
+          </p:nvPr>
+        </p:nvSpPr>
+        <p:spPr/>
+        <p:txBody>
+          <a:bodyPr/>
+          <a:lstStyle/>
+          <a:p>
+            <a:r>
+              <a:rPr lang="es-ES" dirty="0"/>
+              <a:t>Operadores L</a:t>
+            </a:r>
+            <a:r>
+              <a:rPr lang="es-MX" dirty="0"/>
+              <a:t>ógicos</a:t>
+            </a:r>
+            <a:endParaRPr lang="en-US" dirty="0"/>
+          </a:p>
+        </p:txBody>
+      </p:sp>
+      <p:sp>
+        <p:nvSpPr>
+          <p:cNvPr id="3" name="Content Placeholder 2"/>
+          <p:cNvSpPr>
+            <a:spLocks noGrp="1"/>
+          </p:cNvSpPr>
+          <p:nvPr>
+            <p:ph idx="1"/>
+          </p:nvPr>
+        </p:nvSpPr>
+        <p:spPr/>
+        <p:txBody>
+          <a:bodyPr>
+            <a:normAutofit/>
+          </a:bodyPr>
+          <a:lstStyle/>
+          <a:p>
+            <a:r>
+              <a:rPr lang="es-MX" dirty="0"/>
+              <a:t>El resultado de una operación lógica siempre es booleana </a:t>
+            </a:r>
+            <a:r>
+              <a:rPr lang="en-US" dirty="0"/>
+              <a:t>(</a:t>
+            </a:r>
+            <a:r>
+              <a:rPr lang="en-US" b="1" dirty="0">
+                <a:solidFill>
+                  <a:srgbClr val="00B050"/>
+                </a:solidFill>
+              </a:rPr>
+              <a:t>true</a:t>
+            </a:r>
+            <a:r>
+              <a:rPr lang="en-US" dirty="0"/>
+              <a:t>/</a:t>
+            </a:r>
+            <a:r>
+              <a:rPr lang="en-US" b="1" dirty="0">
+                <a:solidFill>
+                  <a:srgbClr val="FF0000"/>
+                </a:solidFill>
+              </a:rPr>
+              <a:t>false</a:t>
+            </a:r>
+            <a:r>
+              <a:rPr lang="en-US" dirty="0"/>
+              <a:t>)</a:t>
+            </a:r>
+            <a:r>
+              <a:rPr lang="es-MX" dirty="0"/>
+              <a:t>.</a:t>
+            </a:r>
+          </a:p>
+          <a:p>
+            <a:pPr algn="just"/>
+            <a:endParaRPr lang="es-MX" dirty="0"/>
+          </a:p>
+          <a:p>
+            <a:pPr algn="just"/>
+            <a:endParaRPr lang="es-MX" dirty="0"/>
+          </a:p>
+          <a:p>
+            <a:pPr algn="just"/>
+            <a:endParaRPr lang="es-MX" dirty="0"/>
+          </a:p>
+          <a:p>
+            <a:pPr algn="just"/>
+            <a:endParaRPr lang="es-MX" dirty="0"/>
+          </a:p>
+          <a:p>
+            <a:pPr algn="just"/>
+            <a:endParaRPr lang="es-ES" dirty="0"/>
+          </a:p>
+        </p:txBody>
+      </p:sp>
+      <p:pic>
+        <p:nvPicPr>
+          <p:cNvPr id="4" name="Picture 3"/>
+          <p:cNvPicPr>
+            <a:picLocks noChangeAspect="1"/>
+          </p:cNvPicPr>
+          <p:nvPr/>
+        </p:nvPicPr>
+        <p:blipFill>
+          <a:blip r:embed="rId2">
+            <a:extLst>
+              <a:ext uri="{28A0092B-C50C-407E-A947-70E740481C1C}">
+                <a14:useLocalDpi xmlns:a14="http://schemas.microsoft.com/office/drawing/2010/main" val="0"/>
+              </a:ext>
+            </a:extLst>
+          </a:blip>
+          <a:stretch>
+            <a:fillRect/>
+          </a:stretch>
+        </p:blipFill>
+        <p:spPr>
+          <a:xfrm>
+            <a:off x="10485700" y="54900"/>
+            <a:ext cx="1261800" cy="1261800"/>
+          </a:xfrm>
+          <a:prstGeom prst="rect">
+            <a:avLst/>
+          </a:prstGeom>
+        </p:spPr>
+      </p:pic>
+      <p:graphicFrame>
+        <p:nvGraphicFramePr>
+          <p:cNvPr id="6" name="Table 5"/>
+          <p:cNvGraphicFramePr>
+            <a:graphicFrameLocks noGrp="1"/>
+          </p:cNvGraphicFramePr>
+          <p:nvPr>
+            <p:extLst>
+              <p:ext uri="{D42A27DB-BD31-4B8C-83A1-F6EECF244321}">
+                <p14:modId xmlns:p14="http://schemas.microsoft.com/office/powerpoint/2010/main" val="4199714497"/>
+              </p:ext>
+            </p:extLst>
+          </p:nvPr>
+        </p:nvGraphicFramePr>
+        <p:xfrm>
+          <a:off x="1993900" y="3463924"/>
+          <a:ext cx="8128000" cy="2225040"/>
+        </p:xfrm>
+        <a:graphic>
+          <a:graphicData uri="http://schemas.openxmlformats.org/drawingml/2006/table">
+            <a:tbl>
+              <a:tblPr firstRow="1" bandRow="1">
+                <a:tableStyleId>{5C22544A-7EE6-4342-B048-85BDC9FD1C3A}</a:tableStyleId>
+              </a:tblPr>
+              <a:tblGrid>
+                <a:gridCol w="2032000">
+                  <a:extLst>
+                    <a:ext uri="{9D8B030D-6E8A-4147-A177-3AD203B41FA5}">
+                      <a16:colId xmlns:a16="http://schemas.microsoft.com/office/drawing/2014/main" val="4101450725"/>
+                    </a:ext>
+                  </a:extLst>
+                </a:gridCol>
+                <a:gridCol w="2032000">
+                  <a:extLst>
+                    <a:ext uri="{9D8B030D-6E8A-4147-A177-3AD203B41FA5}">
+                      <a16:colId xmlns:a16="http://schemas.microsoft.com/office/drawing/2014/main" val="2774718006"/>
+                    </a:ext>
+                  </a:extLst>
+                </a:gridCol>
+                <a:gridCol w="2032000">
+                  <a:extLst>
+                    <a:ext uri="{9D8B030D-6E8A-4147-A177-3AD203B41FA5}">
+                      <a16:colId xmlns:a16="http://schemas.microsoft.com/office/drawing/2014/main" val="2223241950"/>
+                    </a:ext>
+                  </a:extLst>
+                </a:gridCol>
+                <a:gridCol w="2032000">
+                  <a:extLst>
+                    <a:ext uri="{9D8B030D-6E8A-4147-A177-3AD203B41FA5}">
+                      <a16:colId xmlns:a16="http://schemas.microsoft.com/office/drawing/2014/main" val="1352485083"/>
+                    </a:ext>
+                  </a:extLst>
+                </a:gridCol>
+              </a:tblGrid>
+              <a:tr h="370840">
+                <a:tc gridSpan="4">
+                  <a:txBody>
+                    <a:bodyPr/>
+                    <a:lstStyle/>
+                    <a:p>
+                      <a:pPr algn="ctr"/>
+                      <a:r>
+                        <a:rPr lang="es-MX" dirty="0"/>
+                        <a:t>Tabla de verdad del operador OR</a:t>
+                      </a:r>
+                      <a:endParaRPr lang="en-US" dirty="0"/>
+                    </a:p>
+                  </a:txBody>
+                  <a:tcPr/>
+                </a:tc>
+                <a:tc hMerge="1">
+                  <a:txBody>
+                    <a:bodyPr/>
+                    <a:lstStyle/>
+                    <a:p>
+                      <a:pPr algn="ctr"/>
+                      <a:endParaRPr lang="en-US" dirty="0"/>
+                    </a:p>
+                  </a:txBody>
+                  <a:tcPr/>
+                </a:tc>
+                <a:tc hMerge="1">
+                  <a:txBody>
+                    <a:bodyPr/>
+                    <a:lstStyle/>
+                    <a:p>
+                      <a:endParaRPr lang="en-US"/>
+                    </a:p>
+                  </a:txBody>
+                  <a:tcPr/>
+                </a:tc>
+                <a:tc hMerge="1">
+                  <a:txBody>
+                    <a:bodyPr/>
+                    <a:lstStyle/>
+                    <a:p>
+                      <a:pPr algn="ctr"/>
+                      <a:endParaRPr lang="en-US" dirty="0"/>
+                    </a:p>
+                  </a:txBody>
+                  <a:tcPr/>
+                </a:tc>
+                <a:extLst>
+                  <a:ext uri="{0D108BD9-81ED-4DB2-BD59-A6C34878D82A}">
+                    <a16:rowId xmlns:a16="http://schemas.microsoft.com/office/drawing/2014/main" val="2200783135"/>
+                  </a:ext>
+                </a:extLst>
+              </a:tr>
+              <a:tr h="370840">
+                <a:tc>
+                  <a:txBody>
+                    <a:bodyPr/>
+                    <a:lstStyle/>
+                    <a:p>
+                      <a:pPr algn="ctr"/>
+                      <a:r>
+                        <a:rPr lang="es-MX" b="1" dirty="0"/>
+                        <a:t>A</a:t>
+                      </a:r>
+                      <a:endParaRPr lang="en-US" b="1" dirty="0"/>
+                    </a:p>
+                  </a:txBody>
+                  <a:tcPr/>
+                </a:tc>
+                <a:tc>
+                  <a:txBody>
+                    <a:bodyPr/>
+                    <a:lstStyle/>
+                    <a:p>
+                      <a:pPr algn="ctr"/>
+                      <a:r>
+                        <a:rPr lang="es-MX" b="1" dirty="0"/>
+                        <a:t>B</a:t>
+                      </a:r>
+                      <a:endParaRPr lang="en-US" b="1" dirty="0"/>
+                    </a:p>
+                  </a:txBody>
+                  <a:tcPr/>
+                </a:tc>
+                <a:tc>
+                  <a:txBody>
+                    <a:bodyPr/>
+                    <a:lstStyle/>
+                    <a:p>
+                      <a:pPr algn="ctr"/>
+                      <a:r>
+                        <a:rPr lang="es-MX" b="1" dirty="0"/>
+                        <a:t>Ejemplo</a:t>
+                      </a:r>
+                      <a:endParaRPr lang="en-US" b="1" dirty="0"/>
+                    </a:p>
+                  </a:txBody>
+                  <a:tcPr/>
+                </a:tc>
+                <a:tc>
+                  <a:txBody>
+                    <a:bodyPr/>
+                    <a:lstStyle/>
+                    <a:p>
+                      <a:pPr algn="ctr"/>
+                      <a:r>
+                        <a:rPr lang="es-MX" b="1" dirty="0"/>
+                        <a:t>Resultado</a:t>
+                      </a:r>
+                      <a:endParaRPr lang="en-US" b="1" dirty="0"/>
+                    </a:p>
+                  </a:txBody>
+                  <a:tcPr/>
+                </a:tc>
+                <a:extLst>
+                  <a:ext uri="{0D108BD9-81ED-4DB2-BD59-A6C34878D82A}">
+                    <a16:rowId xmlns:a16="http://schemas.microsoft.com/office/drawing/2014/main" val="1636450651"/>
+                  </a:ext>
+                </a:extLst>
+              </a:tr>
+              <a:tr h="370840">
+                <a:tc>
+                  <a:txBody>
+                    <a:bodyPr/>
+                    <a:lstStyle/>
+                    <a:p>
+                      <a:pPr algn="ctr"/>
+                      <a:r>
+                        <a:rPr lang="es-MX" dirty="0"/>
+                        <a:t>true</a:t>
+                      </a:r>
+                      <a:endParaRPr lang="en-US" dirty="0"/>
+                    </a:p>
+                  </a:txBody>
+                  <a:tcPr>
+                    <a:solidFill>
+                      <a:schemeClr val="accent2">
+                        <a:lumMod val="60000"/>
+                        <a:lumOff val="40000"/>
+                      </a:schemeClr>
+                    </a:solidFill>
+                  </a:tcPr>
+                </a:tc>
+                <a:tc>
+                  <a:txBody>
+                    <a:bodyPr/>
+                    <a:lstStyle/>
+                    <a:p>
+                      <a:pPr algn="ctr"/>
+                      <a:r>
+                        <a:rPr lang="es-MX" dirty="0"/>
+                        <a:t>true</a:t>
+                      </a:r>
+                      <a:endParaRPr lang="en-US" dirty="0"/>
+                    </a:p>
+                  </a:txBody>
+                  <a:tcPr>
+                    <a:solidFill>
+                      <a:schemeClr val="accent2">
+                        <a:lumMod val="60000"/>
+                        <a:lumOff val="40000"/>
+                      </a:schemeClr>
+                    </a:solidFill>
+                  </a:tcPr>
+                </a:tc>
+                <a:tc>
+                  <a:txBody>
+                    <a:bodyPr/>
+                    <a:lstStyle/>
+                    <a:p>
+                      <a:pPr algn="ctr"/>
+                      <a:r>
+                        <a:rPr lang="es-MX" dirty="0"/>
+                        <a:t>true</a:t>
+                      </a:r>
+                      <a:r>
+                        <a:rPr lang="es-MX" baseline="0" dirty="0"/>
+                        <a:t> </a:t>
+                      </a:r>
+                      <a:r>
+                        <a:rPr lang="en-US" baseline="0" dirty="0"/>
+                        <a:t>|| true</a:t>
+                      </a:r>
+                      <a:endParaRPr lang="en-US" dirty="0"/>
+                    </a:p>
+                  </a:txBody>
+                  <a:tcPr>
+                    <a:solidFill>
+                      <a:schemeClr val="accent2">
+                        <a:lumMod val="60000"/>
+                        <a:lumOff val="40000"/>
+                      </a:schemeClr>
+                    </a:solidFill>
+                  </a:tcPr>
+                </a:tc>
+                <a:tc>
+                  <a:txBody>
+                    <a:bodyPr/>
+                    <a:lstStyle/>
+                    <a:p>
+                      <a:pPr algn="ctr"/>
+                      <a:r>
+                        <a:rPr lang="es-MX" dirty="0"/>
+                        <a:t>true</a:t>
+                      </a:r>
+                      <a:endParaRPr lang="en-US" dirty="0"/>
+                    </a:p>
+                  </a:txBody>
+                  <a:tcPr>
+                    <a:solidFill>
+                      <a:schemeClr val="accent2">
+                        <a:lumMod val="60000"/>
+                        <a:lumOff val="40000"/>
+                      </a:schemeClr>
+                    </a:solidFill>
+                  </a:tcPr>
+                </a:tc>
+                <a:extLst>
+                  <a:ext uri="{0D108BD9-81ED-4DB2-BD59-A6C34878D82A}">
+                    <a16:rowId xmlns:a16="http://schemas.microsoft.com/office/drawing/2014/main" val="3448554321"/>
+                  </a:ext>
+                </a:extLst>
+              </a:tr>
+              <a:tr h="370840">
+                <a:tc>
+                  <a:txBody>
+                    <a:bodyPr/>
+                    <a:lstStyle/>
+                    <a:p>
+                      <a:pPr algn="ctr"/>
+                      <a:r>
+                        <a:rPr lang="es-MX" dirty="0"/>
+                        <a:t>true</a:t>
+                      </a:r>
+                      <a:endParaRPr lang="en-US" dirty="0"/>
+                    </a:p>
+                  </a:txBody>
+                  <a:tcPr>
+                    <a:solidFill>
+                      <a:schemeClr val="accent2">
+                        <a:lumMod val="60000"/>
+                        <a:lumOff val="40000"/>
+                      </a:schemeClr>
+                    </a:solidFill>
+                  </a:tcPr>
+                </a:tc>
+                <a:tc>
+                  <a:txBody>
+                    <a:bodyPr/>
+                    <a:lstStyle/>
+                    <a:p>
+                      <a:pPr marL="0" marR="0" lvl="0" indent="0" algn="ctr" defTabSz="457200" rtl="0" eaLnBrk="1" fontAlgn="auto" latinLnBrk="0" hangingPunct="1">
+                        <a:lnSpc>
+                          <a:spcPct val="100000"/>
+                        </a:lnSpc>
+                        <a:spcBef>
+                          <a:spcPts val="0"/>
+                        </a:spcBef>
+                        <a:spcAft>
+                          <a:spcPts val="0"/>
+                        </a:spcAft>
+                        <a:buClrTx/>
+                        <a:buSzTx/>
+                        <a:buFontTx/>
+                        <a:buNone/>
+                        <a:tabLst/>
+                        <a:defRPr/>
+                      </a:pPr>
+                      <a:r>
+                        <a:rPr lang="es-MX" dirty="0"/>
+                        <a:t>false</a:t>
+                      </a:r>
+                      <a:endParaRPr lang="en-US" dirty="0"/>
+                    </a:p>
+                  </a:txBody>
+                  <a:tcPr>
+                    <a:solidFill>
+                      <a:schemeClr val="accent2">
+                        <a:lumMod val="60000"/>
+                        <a:lumOff val="40000"/>
+                      </a:schemeClr>
+                    </a:solidFill>
+                  </a:tcPr>
+                </a:tc>
+                <a:tc>
+                  <a:txBody>
+                    <a:bodyPr/>
+                    <a:lstStyle/>
+                    <a:p>
+                      <a:pPr marL="0" marR="0" lvl="0" indent="0" algn="ctr" defTabSz="457200" rtl="0" eaLnBrk="1" fontAlgn="auto" latinLnBrk="0" hangingPunct="1">
+                        <a:lnSpc>
+                          <a:spcPct val="100000"/>
+                        </a:lnSpc>
+                        <a:spcBef>
+                          <a:spcPts val="0"/>
+                        </a:spcBef>
+                        <a:spcAft>
+                          <a:spcPts val="0"/>
+                        </a:spcAft>
+                        <a:buClrTx/>
+                        <a:buSzTx/>
+                        <a:buFontTx/>
+                        <a:buNone/>
+                        <a:tabLst/>
+                        <a:defRPr/>
+                      </a:pPr>
+                      <a:r>
+                        <a:rPr lang="es-MX" dirty="0"/>
+                        <a:t>true </a:t>
+                      </a:r>
+                      <a:r>
+                        <a:rPr lang="en-US" baseline="0" dirty="0"/>
+                        <a:t>|| false</a:t>
+                      </a:r>
+                      <a:endParaRPr lang="en-US" dirty="0"/>
+                    </a:p>
+                  </a:txBody>
+                  <a:tcPr>
+                    <a:solidFill>
+                      <a:schemeClr val="accent2">
+                        <a:lumMod val="60000"/>
+                        <a:lumOff val="40000"/>
+                      </a:schemeClr>
+                    </a:solidFill>
+                  </a:tcPr>
+                </a:tc>
+                <a:tc>
+                  <a:txBody>
+                    <a:bodyPr/>
+                    <a:lstStyle/>
+                    <a:p>
+                      <a:pPr marL="0" marR="0" lvl="0" indent="0" algn="ctr" defTabSz="457200" rtl="0" eaLnBrk="1" fontAlgn="auto" latinLnBrk="0" hangingPunct="1">
+                        <a:lnSpc>
+                          <a:spcPct val="100000"/>
+                        </a:lnSpc>
+                        <a:spcBef>
+                          <a:spcPts val="0"/>
+                        </a:spcBef>
+                        <a:spcAft>
+                          <a:spcPts val="0"/>
+                        </a:spcAft>
+                        <a:buClrTx/>
+                        <a:buSzTx/>
+                        <a:buFontTx/>
+                        <a:buNone/>
+                        <a:tabLst/>
+                        <a:defRPr/>
+                      </a:pPr>
+                      <a:r>
+                        <a:rPr lang="es-MX" dirty="0"/>
+                        <a:t>true</a:t>
+                      </a:r>
+                      <a:endParaRPr lang="en-US" dirty="0"/>
+                    </a:p>
+                  </a:txBody>
+                  <a:tcPr>
+                    <a:solidFill>
+                      <a:schemeClr val="accent2">
+                        <a:lumMod val="60000"/>
+                        <a:lumOff val="40000"/>
+                      </a:schemeClr>
+                    </a:solidFill>
+                  </a:tcPr>
+                </a:tc>
+                <a:extLst>
+                  <a:ext uri="{0D108BD9-81ED-4DB2-BD59-A6C34878D82A}">
+                    <a16:rowId xmlns:a16="http://schemas.microsoft.com/office/drawing/2014/main" val="1238671571"/>
+                  </a:ext>
+                </a:extLst>
+              </a:tr>
+              <a:tr h="370840">
+                <a:tc>
+                  <a:txBody>
+                    <a:bodyPr/>
+                    <a:lstStyle/>
+                    <a:p>
+                      <a:pPr algn="ctr"/>
+                      <a:r>
+                        <a:rPr lang="es-MX" dirty="0"/>
+                        <a:t>false</a:t>
+                      </a:r>
+                      <a:endParaRPr lang="en-US" dirty="0"/>
+                    </a:p>
+                  </a:txBody>
+                  <a:tcPr>
+                    <a:solidFill>
+                      <a:schemeClr val="accent2">
+                        <a:lumMod val="60000"/>
+                        <a:lumOff val="40000"/>
+                      </a:schemeClr>
+                    </a:solidFill>
+                  </a:tcPr>
+                </a:tc>
+                <a:tc>
+                  <a:txBody>
+                    <a:bodyPr/>
+                    <a:lstStyle/>
+                    <a:p>
+                      <a:pPr algn="ctr"/>
+                      <a:r>
+                        <a:rPr lang="es-MX" dirty="0"/>
+                        <a:t>true</a:t>
+                      </a:r>
+                      <a:endParaRPr lang="en-US" dirty="0"/>
+                    </a:p>
+                  </a:txBody>
+                  <a:tcPr>
+                    <a:solidFill>
+                      <a:schemeClr val="accent2">
+                        <a:lumMod val="60000"/>
+                        <a:lumOff val="40000"/>
+                      </a:schemeClr>
+                    </a:solidFill>
+                  </a:tcPr>
+                </a:tc>
+                <a:tc>
+                  <a:txBody>
+                    <a:bodyPr/>
+                    <a:lstStyle/>
+                    <a:p>
+                      <a:pPr marL="0" marR="0" lvl="0" indent="0" algn="ctr" defTabSz="457200" rtl="0" eaLnBrk="1" fontAlgn="auto" latinLnBrk="0" hangingPunct="1">
+                        <a:lnSpc>
+                          <a:spcPct val="100000"/>
+                        </a:lnSpc>
+                        <a:spcBef>
+                          <a:spcPts val="0"/>
+                        </a:spcBef>
+                        <a:spcAft>
+                          <a:spcPts val="0"/>
+                        </a:spcAft>
+                        <a:buClrTx/>
+                        <a:buSzTx/>
+                        <a:buFontTx/>
+                        <a:buNone/>
+                        <a:tabLst/>
+                        <a:defRPr/>
+                      </a:pPr>
+                      <a:r>
+                        <a:rPr lang="es-MX" baseline="0" dirty="0"/>
+                        <a:t>false </a:t>
+                      </a:r>
+                      <a:r>
+                        <a:rPr lang="en-US" baseline="0" dirty="0"/>
+                        <a:t>|| true</a:t>
+                      </a:r>
+                      <a:endParaRPr lang="en-US" dirty="0"/>
+                    </a:p>
+                  </a:txBody>
+                  <a:tcPr>
+                    <a:solidFill>
+                      <a:schemeClr val="accent2">
+                        <a:lumMod val="60000"/>
+                        <a:lumOff val="40000"/>
+                      </a:schemeClr>
+                    </a:solidFill>
+                  </a:tcPr>
+                </a:tc>
+                <a:tc>
+                  <a:txBody>
+                    <a:bodyPr/>
+                    <a:lstStyle/>
+                    <a:p>
+                      <a:pPr marL="0" marR="0" lvl="0" indent="0" algn="ctr" defTabSz="457200" rtl="0" eaLnBrk="1" fontAlgn="auto" latinLnBrk="0" hangingPunct="1">
+                        <a:lnSpc>
+                          <a:spcPct val="100000"/>
+                        </a:lnSpc>
+                        <a:spcBef>
+                          <a:spcPts val="0"/>
+                        </a:spcBef>
+                        <a:spcAft>
+                          <a:spcPts val="0"/>
+                        </a:spcAft>
+                        <a:buClrTx/>
+                        <a:buSzTx/>
+                        <a:buFontTx/>
+                        <a:buNone/>
+                        <a:tabLst/>
+                        <a:defRPr/>
+                      </a:pPr>
+                      <a:r>
+                        <a:rPr lang="es-MX" dirty="0"/>
+                        <a:t>true</a:t>
+                      </a:r>
+                      <a:endParaRPr lang="en-US" dirty="0"/>
+                    </a:p>
+                  </a:txBody>
+                  <a:tcPr>
+                    <a:solidFill>
+                      <a:schemeClr val="accent2">
+                        <a:lumMod val="60000"/>
+                        <a:lumOff val="40000"/>
+                      </a:schemeClr>
+                    </a:solidFill>
+                  </a:tcPr>
+                </a:tc>
+                <a:extLst>
+                  <a:ext uri="{0D108BD9-81ED-4DB2-BD59-A6C34878D82A}">
+                    <a16:rowId xmlns:a16="http://schemas.microsoft.com/office/drawing/2014/main" val="4210579691"/>
+                  </a:ext>
+                </a:extLst>
+              </a:tr>
+              <a:tr h="370840">
+                <a:tc>
+                  <a:txBody>
+                    <a:bodyPr/>
+                    <a:lstStyle/>
+                    <a:p>
+                      <a:pPr algn="ctr"/>
+                      <a:r>
+                        <a:rPr lang="es-MX" dirty="0"/>
+                        <a:t>false</a:t>
+                      </a:r>
+                      <a:endParaRPr lang="en-US" dirty="0"/>
+                    </a:p>
+                  </a:txBody>
+                  <a:tcPr/>
+                </a:tc>
+                <a:tc>
+                  <a:txBody>
+                    <a:bodyPr/>
+                    <a:lstStyle/>
+                    <a:p>
+                      <a:pPr algn="ctr"/>
+                      <a:r>
+                        <a:rPr lang="es-MX" dirty="0"/>
+                        <a:t>false</a:t>
+                      </a:r>
+                      <a:endParaRPr lang="en-US" dirty="0"/>
+                    </a:p>
+                  </a:txBody>
+                  <a:tcPr/>
+                </a:tc>
+                <a:tc>
+                  <a:txBody>
+                    <a:bodyPr/>
+                    <a:lstStyle/>
+                    <a:p>
+                      <a:pPr marL="0" marR="0" lvl="0" indent="0" algn="ctr" defTabSz="457200" rtl="0" eaLnBrk="1" fontAlgn="auto" latinLnBrk="0" hangingPunct="1">
+                        <a:lnSpc>
+                          <a:spcPct val="100000"/>
+                        </a:lnSpc>
+                        <a:spcBef>
+                          <a:spcPts val="0"/>
+                        </a:spcBef>
+                        <a:spcAft>
+                          <a:spcPts val="0"/>
+                        </a:spcAft>
+                        <a:buClrTx/>
+                        <a:buSzTx/>
+                        <a:buFontTx/>
+                        <a:buNone/>
+                        <a:tabLst/>
+                        <a:defRPr/>
+                      </a:pPr>
+                      <a:r>
+                        <a:rPr lang="en-US" dirty="0"/>
+                        <a:t>false </a:t>
+                      </a:r>
+                      <a:r>
+                        <a:rPr lang="en-US" baseline="0" dirty="0"/>
+                        <a:t>||</a:t>
+                      </a:r>
+                      <a:r>
+                        <a:rPr lang="en-US" dirty="0"/>
+                        <a:t> true</a:t>
+                      </a:r>
+                    </a:p>
+                  </a:txBody>
+                  <a:tcPr/>
+                </a:tc>
+                <a:tc>
+                  <a:txBody>
+                    <a:bodyPr/>
+                    <a:lstStyle/>
+                    <a:p>
+                      <a:pPr marL="0" marR="0" lvl="0" indent="0" algn="ctr" defTabSz="457200" rtl="0" eaLnBrk="1" fontAlgn="auto" latinLnBrk="0" hangingPunct="1">
+                        <a:lnSpc>
+                          <a:spcPct val="100000"/>
+                        </a:lnSpc>
+                        <a:spcBef>
+                          <a:spcPts val="0"/>
+                        </a:spcBef>
+                        <a:spcAft>
+                          <a:spcPts val="0"/>
+                        </a:spcAft>
+                        <a:buClrTx/>
+                        <a:buSzTx/>
+                        <a:buFontTx/>
+                        <a:buNone/>
+                        <a:tabLst/>
+                        <a:defRPr/>
+                      </a:pPr>
+                      <a:r>
+                        <a:rPr lang="es-MX" dirty="0"/>
+                        <a:t>false</a:t>
+                      </a:r>
+                      <a:endParaRPr lang="en-US" dirty="0"/>
+                    </a:p>
+                  </a:txBody>
+                  <a:tcPr/>
+                </a:tc>
+                <a:extLst>
+                  <a:ext uri="{0D108BD9-81ED-4DB2-BD59-A6C34878D82A}">
+                    <a16:rowId xmlns:a16="http://schemas.microsoft.com/office/drawing/2014/main" val="223873400"/>
+                  </a:ext>
+                </a:extLst>
+              </a:tr>
+            </a:tbl>
+          </a:graphicData>
+        </a:graphic>
+      </p:graphicFrame>
+    </p:spTree>
+    <p:extLst>
+      <p:ext uri="{BB962C8B-B14F-4D97-AF65-F5344CB8AC3E}">
+        <p14:creationId xmlns:p14="http://schemas.microsoft.com/office/powerpoint/2010/main" val="1423524718"/>
+      </p:ext>
+    </p:extLst>
+  </p:cSld>
+  <p:clrMapOvr>
+    <a:masterClrMapping/>
+  </p:clrMapOvr>
+</p:sld>
+</file>
+
+<file path=ppt/slides/slide78.xml><?xml version="1.0" encoding="utf-8"?>
+<p:sld xmlns:a="http://schemas.openxmlformats.org/drawingml/2006/main" xmlns:r="http://schemas.openxmlformats.org/officeDocument/2006/relationships" xmlns:p="http://schemas.openxmlformats.org/presentationml/2006/main">
+  <p:cSld>
+    <p:spTree>
+      <p:nvGrpSpPr>
+        <p:cNvPr id="1" name=""/>
+        <p:cNvGrpSpPr/>
+        <p:nvPr/>
+      </p:nvGrpSpPr>
+      <p:grpSpPr>
+        <a:xfrm>
+          <a:off x="0" y="0"/>
+          <a:ext cx="0" cy="0"/>
+          <a:chOff x="0" y="0"/>
+          <a:chExt cx="0" cy="0"/>
+        </a:xfrm>
+      </p:grpSpPr>
+      <p:sp>
+        <p:nvSpPr>
+          <p:cNvPr id="2" name="Title 1"/>
+          <p:cNvSpPr>
+            <a:spLocks noGrp="1"/>
+          </p:cNvSpPr>
+          <p:nvPr>
+            <p:ph type="title"/>
+          </p:nvPr>
+        </p:nvSpPr>
+        <p:spPr/>
+        <p:txBody>
+          <a:bodyPr/>
+          <a:lstStyle/>
+          <a:p>
+            <a:r>
+              <a:rPr lang="es-ES" dirty="0"/>
+              <a:t>Operadores  de incremento  y decremento</a:t>
+            </a:r>
+          </a:p>
+        </p:txBody>
+      </p:sp>
+      <p:sp>
+        <p:nvSpPr>
+          <p:cNvPr id="3" name="Content Placeholder 2"/>
+          <p:cNvSpPr>
+            <a:spLocks noGrp="1"/>
+          </p:cNvSpPr>
+          <p:nvPr>
+            <p:ph idx="1"/>
+          </p:nvPr>
+        </p:nvSpPr>
+        <p:spPr/>
+        <p:txBody>
+          <a:bodyPr>
+            <a:normAutofit/>
+          </a:bodyPr>
+          <a:lstStyle/>
+          <a:p>
+            <a:pPr algn="just"/>
+            <a:r>
+              <a:rPr lang="es-ES" dirty="0"/>
+              <a:t>Operador de incremento permite incrementar el valor de una variable y puede ser del tipo pre/post incremento.</a:t>
+            </a:r>
+          </a:p>
+          <a:p>
+            <a:pPr algn="just"/>
+            <a:endParaRPr lang="es-ES" dirty="0"/>
+          </a:p>
+          <a:p>
+            <a:pPr algn="just"/>
+            <a:endParaRPr lang="es-ES" dirty="0"/>
+          </a:p>
+          <a:p>
+            <a:pPr algn="just"/>
+            <a:endParaRPr lang="es-ES" dirty="0"/>
+          </a:p>
+          <a:p>
+            <a:pPr algn="just"/>
+            <a:endParaRPr lang="en-US" dirty="0"/>
+          </a:p>
+          <a:p>
+            <a:pPr algn="just"/>
+            <a:endParaRPr lang="en-US" dirty="0"/>
+          </a:p>
+        </p:txBody>
+      </p:sp>
+      <p:pic>
+        <p:nvPicPr>
+          <p:cNvPr id="4" name="Picture 3"/>
+          <p:cNvPicPr>
+            <a:picLocks noChangeAspect="1"/>
+          </p:cNvPicPr>
+          <p:nvPr/>
+        </p:nvPicPr>
+        <p:blipFill>
+          <a:blip r:embed="rId2">
+            <a:extLst>
+              <a:ext uri="{28A0092B-C50C-407E-A947-70E740481C1C}">
+                <a14:useLocalDpi xmlns:a14="http://schemas.microsoft.com/office/drawing/2010/main" val="0"/>
+              </a:ext>
+            </a:extLst>
+          </a:blip>
+          <a:stretch>
+            <a:fillRect/>
+          </a:stretch>
+        </p:blipFill>
+        <p:spPr>
+          <a:xfrm>
+            <a:off x="10485700" y="54900"/>
+            <a:ext cx="1261800" cy="1261800"/>
+          </a:xfrm>
+          <a:prstGeom prst="rect">
+            <a:avLst/>
+          </a:prstGeom>
+        </p:spPr>
+      </p:pic>
+      <p:pic>
+        <p:nvPicPr>
+          <p:cNvPr id="5" name="Picture 4"/>
+          <p:cNvPicPr>
+            <a:picLocks noChangeAspect="1"/>
+          </p:cNvPicPr>
+          <p:nvPr/>
+        </p:nvPicPr>
+        <p:blipFill>
+          <a:blip r:embed="rId3"/>
+          <a:stretch>
+            <a:fillRect/>
+          </a:stretch>
+        </p:blipFill>
+        <p:spPr>
+          <a:xfrm>
+            <a:off x="3105150" y="3829050"/>
+            <a:ext cx="3752850" cy="1962150"/>
+          </a:xfrm>
+          <a:prstGeom prst="rect">
+            <a:avLst/>
+          </a:prstGeom>
+        </p:spPr>
+      </p:pic>
+    </p:spTree>
+    <p:extLst>
+      <p:ext uri="{BB962C8B-B14F-4D97-AF65-F5344CB8AC3E}">
+        <p14:creationId xmlns:p14="http://schemas.microsoft.com/office/powerpoint/2010/main" val="171843262"/>
+      </p:ext>
+    </p:extLst>
+  </p:cSld>
+  <p:clrMapOvr>
+    <a:masterClrMapping/>
+  </p:clrMapOvr>
+</p:sld>
+</file>
+
+<file path=ppt/slides/slide79.xml><?xml version="1.0" encoding="utf-8"?>
+<p:sld xmlns:a="http://schemas.openxmlformats.org/drawingml/2006/main" xmlns:r="http://schemas.openxmlformats.org/officeDocument/2006/relationships" xmlns:p="http://schemas.openxmlformats.org/presentationml/2006/main">
+  <p:cSld>
+    <p:spTree>
+      <p:nvGrpSpPr>
+        <p:cNvPr id="1" name=""/>
+        <p:cNvGrpSpPr/>
+        <p:nvPr/>
+      </p:nvGrpSpPr>
+      <p:grpSpPr>
+        <a:xfrm>
+          <a:off x="0" y="0"/>
+          <a:ext cx="0" cy="0"/>
+          <a:chOff x="0" y="0"/>
+          <a:chExt cx="0" cy="0"/>
+        </a:xfrm>
+      </p:grpSpPr>
+      <p:sp>
+        <p:nvSpPr>
+          <p:cNvPr id="2" name="Title 1"/>
+          <p:cNvSpPr>
+            <a:spLocks noGrp="1"/>
+          </p:cNvSpPr>
+          <p:nvPr>
+            <p:ph type="title"/>
+          </p:nvPr>
+        </p:nvSpPr>
+        <p:spPr/>
+        <p:txBody>
+          <a:bodyPr/>
+          <a:lstStyle/>
+          <a:p>
+            <a:r>
+              <a:rPr lang="es-ES" dirty="0"/>
+              <a:t>Operadores  de incremento  y decremento</a:t>
+            </a:r>
+          </a:p>
+        </p:txBody>
+      </p:sp>
+      <p:sp>
+        <p:nvSpPr>
+          <p:cNvPr id="3" name="Content Placeholder 2"/>
+          <p:cNvSpPr>
+            <a:spLocks noGrp="1"/>
+          </p:cNvSpPr>
+          <p:nvPr>
+            <p:ph idx="1"/>
+          </p:nvPr>
+        </p:nvSpPr>
+        <p:spPr/>
+        <p:txBody>
+          <a:bodyPr>
+            <a:normAutofit/>
+          </a:bodyPr>
+          <a:lstStyle/>
+          <a:p>
+            <a:pPr algn="just"/>
+            <a:r>
+              <a:rPr lang="es-ES" dirty="0"/>
+              <a:t>Operador de decremento permite decrementar el valor de una variable y puede ser del tipo pre/post decremento.</a:t>
+            </a:r>
+          </a:p>
+          <a:p>
+            <a:pPr algn="just"/>
+            <a:endParaRPr lang="es-ES" dirty="0"/>
+          </a:p>
+          <a:p>
+            <a:pPr algn="just"/>
+            <a:endParaRPr lang="es-ES" dirty="0"/>
+          </a:p>
+          <a:p>
+            <a:pPr algn="just"/>
+            <a:endParaRPr lang="es-ES" dirty="0"/>
+          </a:p>
+          <a:p>
+            <a:pPr algn="just"/>
+            <a:endParaRPr lang="en-US" dirty="0"/>
+          </a:p>
+          <a:p>
+            <a:pPr algn="just"/>
+            <a:endParaRPr lang="en-US" dirty="0"/>
+          </a:p>
+        </p:txBody>
+      </p:sp>
+      <p:pic>
+        <p:nvPicPr>
+          <p:cNvPr id="4" name="Picture 3"/>
+          <p:cNvPicPr>
+            <a:picLocks noChangeAspect="1"/>
+          </p:cNvPicPr>
+          <p:nvPr/>
+        </p:nvPicPr>
+        <p:blipFill>
+          <a:blip r:embed="rId2">
+            <a:extLst>
+              <a:ext uri="{28A0092B-C50C-407E-A947-70E740481C1C}">
+                <a14:useLocalDpi xmlns:a14="http://schemas.microsoft.com/office/drawing/2010/main" val="0"/>
+              </a:ext>
+            </a:extLst>
+          </a:blip>
+          <a:stretch>
+            <a:fillRect/>
+          </a:stretch>
+        </p:blipFill>
+        <p:spPr>
+          <a:xfrm>
+            <a:off x="10485700" y="54900"/>
+            <a:ext cx="1261800" cy="1261800"/>
+          </a:xfrm>
+          <a:prstGeom prst="rect">
+            <a:avLst/>
+          </a:prstGeom>
+        </p:spPr>
+      </p:pic>
+      <p:pic>
+        <p:nvPicPr>
+          <p:cNvPr id="6" name="Picture 5"/>
+          <p:cNvPicPr>
+            <a:picLocks noChangeAspect="1"/>
+          </p:cNvPicPr>
+          <p:nvPr/>
+        </p:nvPicPr>
+        <p:blipFill>
+          <a:blip r:embed="rId3"/>
+          <a:stretch>
+            <a:fillRect/>
+          </a:stretch>
+        </p:blipFill>
+        <p:spPr>
+          <a:xfrm>
+            <a:off x="3176587" y="3781425"/>
+            <a:ext cx="3933825" cy="2009775"/>
+          </a:xfrm>
+          <a:prstGeom prst="rect">
+            <a:avLst/>
+          </a:prstGeom>
+        </p:spPr>
+      </p:pic>
+    </p:spTree>
+    <p:extLst>
+      <p:ext uri="{BB962C8B-B14F-4D97-AF65-F5344CB8AC3E}">
+        <p14:creationId xmlns:p14="http://schemas.microsoft.com/office/powerpoint/2010/main" val="3281286215"/>
       </p:ext>
     </p:extLst>
   </p:cSld>
@@ -15914,7 +24220,6 @@
               <a:rPr lang="en-US" dirty="0"/>
               <a:t>Breve historia de Java</a:t>
             </a:r>
-            <a:endParaRPr lang="en-US" dirty="0"/>
           </a:p>
         </p:txBody>
       </p:sp>
@@ -16022,6 +24327,168 @@
     <p:extLst>
       <p:ext uri="{BB962C8B-B14F-4D97-AF65-F5344CB8AC3E}">
         <p14:creationId xmlns:p14="http://schemas.microsoft.com/office/powerpoint/2010/main" val="3997581994"/>
+      </p:ext>
+    </p:extLst>
+  </p:cSld>
+  <p:clrMapOvr>
+    <a:masterClrMapping/>
+  </p:clrMapOvr>
+</p:sld>
+</file>
+
+<file path=ppt/slides/slide80.xml><?xml version="1.0" encoding="utf-8"?>
+<p:sld xmlns:a="http://schemas.openxmlformats.org/drawingml/2006/main" xmlns:r="http://schemas.openxmlformats.org/officeDocument/2006/relationships" xmlns:p="http://schemas.openxmlformats.org/presentationml/2006/main">
+  <p:cSld>
+    <p:spTree>
+      <p:nvGrpSpPr>
+        <p:cNvPr id="1" name=""/>
+        <p:cNvGrpSpPr/>
+        <p:nvPr/>
+      </p:nvGrpSpPr>
+      <p:grpSpPr>
+        <a:xfrm>
+          <a:off x="0" y="0"/>
+          <a:ext cx="0" cy="0"/>
+          <a:chOff x="0" y="0"/>
+          <a:chExt cx="0" cy="0"/>
+        </a:xfrm>
+      </p:grpSpPr>
+      <p:sp>
+        <p:nvSpPr>
+          <p:cNvPr id="2" name="Title 1"/>
+          <p:cNvSpPr>
+            <a:spLocks noGrp="1"/>
+          </p:cNvSpPr>
+          <p:nvPr>
+            <p:ph type="title"/>
+          </p:nvPr>
+        </p:nvSpPr>
+        <p:spPr/>
+        <p:txBody>
+          <a:bodyPr/>
+          <a:lstStyle/>
+          <a:p>
+            <a:r>
+              <a:rPr lang="es-ES" dirty="0"/>
+              <a:t>Programación en Java</a:t>
+            </a:r>
+            <a:endParaRPr lang="en-US" dirty="0"/>
+          </a:p>
+        </p:txBody>
+      </p:sp>
+      <p:sp>
+        <p:nvSpPr>
+          <p:cNvPr id="3" name="Content Placeholder 2"/>
+          <p:cNvSpPr>
+            <a:spLocks noGrp="1"/>
+          </p:cNvSpPr>
+          <p:nvPr>
+            <p:ph idx="1"/>
+          </p:nvPr>
+        </p:nvSpPr>
+        <p:spPr/>
+        <p:txBody>
+          <a:bodyPr>
+            <a:normAutofit fontScale="92500" lnSpcReduction="20000"/>
+          </a:bodyPr>
+          <a:lstStyle/>
+          <a:p>
+            <a:pPr algn="just"/>
+            <a:r>
+              <a:rPr lang="en-US" dirty="0"/>
+              <a:t>Estructuras de control</a:t>
+            </a:r>
+          </a:p>
+          <a:p>
+            <a:pPr lvl="1" algn="just"/>
+            <a:r>
+              <a:rPr lang="en-US" dirty="0"/>
+              <a:t>If, else, switch, do-while, while, for</a:t>
+            </a:r>
+          </a:p>
+          <a:p>
+            <a:pPr lvl="1" algn="just"/>
+            <a:r>
+              <a:rPr lang="en-US" dirty="0"/>
+              <a:t>Arreglos en Java</a:t>
+            </a:r>
+          </a:p>
+          <a:p>
+            <a:pPr algn="just"/>
+            <a:r>
+              <a:rPr lang="es-ES" dirty="0"/>
+              <a:t>Arreglos de tipos de datos primitivos (int, long, char, etc..)</a:t>
+            </a:r>
+          </a:p>
+          <a:p>
+            <a:pPr lvl="1" algn="just"/>
+            <a:r>
+              <a:rPr lang="es-ES" dirty="0"/>
+              <a:t>El arreglo de argumentos del método main</a:t>
+            </a:r>
+          </a:p>
+          <a:p>
+            <a:pPr lvl="1" algn="just"/>
+            <a:r>
+              <a:rPr lang="es-ES" dirty="0"/>
+              <a:t>Arreglos multidimensionales</a:t>
+            </a:r>
+          </a:p>
+          <a:p>
+            <a:pPr lvl="1" algn="just"/>
+            <a:r>
+              <a:rPr lang="es-ES" dirty="0"/>
+              <a:t>Uso de foreach con arreglos</a:t>
+            </a:r>
+          </a:p>
+          <a:p>
+            <a:pPr algn="just"/>
+            <a:r>
+              <a:rPr lang="es-ES" dirty="0"/>
+              <a:t>Castings entre tipos de datos primitivos</a:t>
+            </a:r>
+            <a:endParaRPr lang="en-US" dirty="0"/>
+          </a:p>
+          <a:p>
+            <a:pPr algn="just"/>
+            <a:endParaRPr lang="en-US" dirty="0"/>
+          </a:p>
+        </p:txBody>
+      </p:sp>
+      <p:pic>
+        <p:nvPicPr>
+          <p:cNvPr id="4" name="Picture 3"/>
+          <p:cNvPicPr>
+            <a:picLocks noChangeAspect="1"/>
+          </p:cNvPicPr>
+          <p:nvPr/>
+        </p:nvPicPr>
+        <p:blipFill>
+          <a:blip r:embed="rId2">
+            <a:extLst>
+              <a:ext uri="{28A0092B-C50C-407E-A947-70E740481C1C}">
+                <a14:useLocalDpi xmlns:a14="http://schemas.microsoft.com/office/drawing/2010/main" val="0"/>
+              </a:ext>
+            </a:extLst>
+          </a:blip>
+          <a:stretch>
+            <a:fillRect/>
+          </a:stretch>
+        </p:blipFill>
+        <p:spPr>
+          <a:xfrm>
+            <a:off x="10485700" y="54900"/>
+            <a:ext cx="1261800" cy="1261800"/>
+          </a:xfrm>
+          <a:prstGeom prst="rect">
+            <a:avLst/>
+          </a:prstGeom>
+        </p:spPr>
+      </p:pic>
+    </p:spTree>
+    <p:extLst>
+      <p:ext uri="{BB962C8B-B14F-4D97-AF65-F5344CB8AC3E}">
+        <p14:creationId xmlns:p14="http://schemas.microsoft.com/office/powerpoint/2010/main" val="3090302861"/>
       </p:ext>
     </p:extLst>
   </p:cSld>
@@ -16067,7 +24534,6 @@
               <a:rPr lang="en-US" dirty="0"/>
               <a:t>Breve historia de Java</a:t>
             </a:r>
-            <a:endParaRPr lang="en-US" dirty="0"/>
           </a:p>
         </p:txBody>
       </p:sp>

--- a/Java_8_desde_cero.pptx
+++ b/Java_8_desde_cero.pptx
@@ -16819,7 +16819,6 @@
               <a:rPr lang="en-US" dirty="0"/>
               <a:t>Tipos de datos primitivos</a:t>
             </a:r>
-            <a:endParaRPr lang="en-US" dirty="0"/>
           </a:p>
         </p:txBody>
       </p:sp>
@@ -17074,7 +17073,6 @@
               <a:rPr lang="en-US" dirty="0"/>
               <a:t> </a:t>
             </a:r>
-            <a:endParaRPr lang="en-US" dirty="0"/>
           </a:p>
         </p:txBody>
       </p:sp>
@@ -17121,13 +17119,8 @@
             </a:r>
             <a:r>
               <a:rPr lang="en-US" sz="1300" dirty="0"/>
-              <a:t>Rango de </a:t>
-            </a:r>
-            <a:r>
-              <a:rPr lang="en-US" sz="1300" dirty="0"/>
-              <a:t>-2147486648 hasta 2147486647. El valor por defecto es cero.</a:t>
-            </a:r>
-            <a:endParaRPr lang="en-US" sz="1300" dirty="0"/>
+              <a:t>Rango de -2147486648 hasta 2147486647. El valor por defecto es cero.</a:t>
+            </a:r>
           </a:p>
         </p:txBody>
       </p:sp>
@@ -17170,11 +17163,7 @@
             </a:r>
             <a:r>
               <a:rPr lang="es-MX" sz="1300" dirty="0"/>
-              <a:t>Rango de </a:t>
-            </a:r>
-            <a:r>
-              <a:rPr lang="es-MX" sz="1300" dirty="0"/>
-              <a:t>-9223372036854775808 hasta 9223372036854775807. </a:t>
+              <a:t>Rango de -9223372036854775808 hasta 9223372036854775807. </a:t>
             </a:r>
             <a:r>
               <a:rPr lang="es-ES" sz="1300" dirty="0"/>
@@ -17233,7 +17222,6 @@
               <a:rPr lang="en-US" dirty="0"/>
               <a:t>Tipos de datos primitivos</a:t>
             </a:r>
-            <a:endParaRPr lang="en-US" dirty="0"/>
           </a:p>
         </p:txBody>
       </p:sp>
@@ -17427,7 +17415,6 @@
               <a:rPr lang="en-US" dirty="0"/>
               <a:t> </a:t>
             </a:r>
-            <a:endParaRPr lang="en-US" dirty="0"/>
           </a:p>
         </p:txBody>
       </p:sp>
@@ -17476,7 +17463,6 @@
               <a:rPr lang="en-US" sz="1300" dirty="0"/>
               <a:t>El valor por defecto es 0.0D.</a:t>
             </a:r>
-            <a:endParaRPr lang="en-US" sz="1300" dirty="0"/>
           </a:p>
         </p:txBody>
       </p:sp>
@@ -17529,7 +17515,6 @@
               <a:rPr lang="en-US" dirty="0"/>
               <a:t>Tipos de datos primitivos</a:t>
             </a:r>
-            <a:endParaRPr lang="en-US" dirty="0"/>
           </a:p>
         </p:txBody>
       </p:sp>
@@ -17723,7 +17708,6 @@
               <a:rPr lang="en-US" dirty="0"/>
               <a:t> </a:t>
             </a:r>
-            <a:endParaRPr lang="en-US" dirty="0"/>
           </a:p>
         </p:txBody>
       </p:sp>
@@ -17776,7 +17760,6 @@
               <a:rPr lang="en-US" dirty="0"/>
               <a:t>Tipos de datos primitivos</a:t>
             </a:r>
-            <a:endParaRPr lang="en-US" dirty="0"/>
           </a:p>
         </p:txBody>
       </p:sp>
@@ -17978,7 +17961,6 @@
               <a:rPr lang="en-US" dirty="0"/>
               <a:t> </a:t>
             </a:r>
-            <a:endParaRPr lang="en-US" dirty="0"/>
           </a:p>
         </p:txBody>
       </p:sp>
@@ -18043,7 +18025,6 @@
               <a:rPr lang="en-US" dirty="0"/>
               <a:t>  referencia</a:t>
             </a:r>
-            <a:endParaRPr lang="en-US" dirty="0"/>
           </a:p>
         </p:txBody>
       </p:sp>
@@ -18265,7 +18246,6 @@
               <a:rPr lang="en-US" dirty="0"/>
               <a:t> </a:t>
             </a:r>
-            <a:endParaRPr lang="en-US" dirty="0"/>
           </a:p>
         </p:txBody>
       </p:sp>
@@ -23941,7 +23921,7 @@
             <a:pPr algn="just"/>
             <a:r>
               <a:rPr lang="es-ES" dirty="0"/>
-              <a:t>Operador de incremento permite incrementar el valor de una variable y puede ser del tipo pre/post incremento.</a:t>
+              <a:t>Operador de incremento permite incrementar en 1 el valor de una variable y puede ser del tipo pre/post incremento.</a:t>
             </a:r>
           </a:p>
           <a:p>
@@ -24092,7 +24072,7 @@
             <a:pPr algn="just"/>
             <a:r>
               <a:rPr lang="es-ES" dirty="0"/>
-              <a:t>Operador de decremento permite decrementar el valor de una variable y puede ser del tipo pre/post decremento.</a:t>
+              <a:t>Operador de decremento permite decrementar en 1 el valor de una variable y puede ser del tipo pre/post decremento.</a:t>
             </a:r>
           </a:p>
           <a:p>

--- a/Java_8_desde_cero.pptx
+++ b/Java_8_desde_cero.pptx
@@ -85,6 +85,9 @@
     <p:sldId id="329" r:id="rId79"/>
     <p:sldId id="341" r:id="rId80"/>
     <p:sldId id="314" r:id="rId81"/>
+    <p:sldId id="342" r:id="rId82"/>
+    <p:sldId id="343" r:id="rId83"/>
+    <p:sldId id="344" r:id="rId84"/>
   </p:sldIdLst>
   <p:sldSz cx="12192000" cy="6858000"/>
   <p:notesSz cx="6858000" cy="9144000"/>
@@ -705,7 +708,7 @@
           <a:p>
             <a:fld id="{EC745060-679C-4CE5-816B-B6A49815C7B9}" type="datetimeFigureOut">
               <a:rPr lang="en-US" smtClean="0"/>
-              <a:t>5/2/2018</a:t>
+              <a:t>5/3/2018</a:t>
             </a:fld>
             <a:endParaRPr lang="en-US"/>
           </a:p>
@@ -1001,7 +1004,7 @@
           <a:p>
             <a:fld id="{EC745060-679C-4CE5-816B-B6A49815C7B9}" type="datetimeFigureOut">
               <a:rPr lang="en-US" smtClean="0"/>
-              <a:t>5/2/2018</a:t>
+              <a:t>5/3/2018</a:t>
             </a:fld>
             <a:endParaRPr lang="en-US"/>
           </a:p>
@@ -1249,7 +1252,7 @@
           <a:p>
             <a:fld id="{EC745060-679C-4CE5-816B-B6A49815C7B9}" type="datetimeFigureOut">
               <a:rPr lang="en-US" smtClean="0"/>
-              <a:t>5/2/2018</a:t>
+              <a:t>5/3/2018</a:t>
             </a:fld>
             <a:endParaRPr lang="en-US"/>
           </a:p>
@@ -1789,7 +1792,7 @@
           <a:p>
             <a:fld id="{EC745060-679C-4CE5-816B-B6A49815C7B9}" type="datetimeFigureOut">
               <a:rPr lang="en-US" smtClean="0"/>
-              <a:t>5/2/2018</a:t>
+              <a:t>5/3/2018</a:t>
             </a:fld>
             <a:endParaRPr lang="en-US"/>
           </a:p>
@@ -2037,7 +2040,7 @@
           <a:p>
             <a:fld id="{EC745060-679C-4CE5-816B-B6A49815C7B9}" type="datetimeFigureOut">
               <a:rPr lang="en-US" smtClean="0"/>
-              <a:t>5/2/2018</a:t>
+              <a:t>5/3/2018</a:t>
             </a:fld>
             <a:endParaRPr lang="en-US"/>
           </a:p>
@@ -2569,7 +2572,7 @@
           <a:p>
             <a:fld id="{EC745060-679C-4CE5-816B-B6A49815C7B9}" type="datetimeFigureOut">
               <a:rPr lang="en-US" smtClean="0"/>
-              <a:t>5/2/2018</a:t>
+              <a:t>5/3/2018</a:t>
             </a:fld>
             <a:endParaRPr lang="en-US"/>
           </a:p>
@@ -2866,7 +2869,7 @@
           <a:p>
             <a:fld id="{EC745060-679C-4CE5-816B-B6A49815C7B9}" type="datetimeFigureOut">
               <a:rPr lang="en-US" smtClean="0"/>
-              <a:t>5/2/2018</a:t>
+              <a:t>5/3/2018</a:t>
             </a:fld>
             <a:endParaRPr lang="en-US"/>
           </a:p>
@@ -3040,7 +3043,7 @@
           <a:p>
             <a:fld id="{EC745060-679C-4CE5-816B-B6A49815C7B9}" type="datetimeFigureOut">
               <a:rPr lang="en-US" smtClean="0"/>
-              <a:t>5/2/2018</a:t>
+              <a:t>5/3/2018</a:t>
             </a:fld>
             <a:endParaRPr lang="en-US"/>
           </a:p>
@@ -3220,7 +3223,7 @@
           <a:p>
             <a:fld id="{EC745060-679C-4CE5-816B-B6A49815C7B9}" type="datetimeFigureOut">
               <a:rPr lang="en-US" smtClean="0"/>
-              <a:t>5/2/2018</a:t>
+              <a:t>5/3/2018</a:t>
             </a:fld>
             <a:endParaRPr lang="en-US"/>
           </a:p>
@@ -3390,7 +3393,7 @@
           <a:p>
             <a:fld id="{EC745060-679C-4CE5-816B-B6A49815C7B9}" type="datetimeFigureOut">
               <a:rPr lang="en-US" smtClean="0"/>
-              <a:t>5/2/2018</a:t>
+              <a:t>5/3/2018</a:t>
             </a:fld>
             <a:endParaRPr lang="en-US"/>
           </a:p>
@@ -3641,7 +3644,7 @@
           <a:p>
             <a:fld id="{EC745060-679C-4CE5-816B-B6A49815C7B9}" type="datetimeFigureOut">
               <a:rPr lang="en-US" smtClean="0"/>
-              <a:t>5/2/2018</a:t>
+              <a:t>5/3/2018</a:t>
             </a:fld>
             <a:endParaRPr lang="en-US"/>
           </a:p>
@@ -3938,7 +3941,7 @@
           <a:p>
             <a:fld id="{EC745060-679C-4CE5-816B-B6A49815C7B9}" type="datetimeFigureOut">
               <a:rPr lang="en-US" smtClean="0"/>
-              <a:t>5/2/2018</a:t>
+              <a:t>5/3/2018</a:t>
             </a:fld>
             <a:endParaRPr lang="en-US"/>
           </a:p>
@@ -4380,7 +4383,7 @@
           <a:p>
             <a:fld id="{EC745060-679C-4CE5-816B-B6A49815C7B9}" type="datetimeFigureOut">
               <a:rPr lang="en-US" smtClean="0"/>
-              <a:t>5/2/2018</a:t>
+              <a:t>5/3/2018</a:t>
             </a:fld>
             <a:endParaRPr lang="en-US"/>
           </a:p>
@@ -4498,7 +4501,7 @@
           <a:p>
             <a:fld id="{EC745060-679C-4CE5-816B-B6A49815C7B9}" type="datetimeFigureOut">
               <a:rPr lang="en-US" smtClean="0"/>
-              <a:t>5/2/2018</a:t>
+              <a:t>5/3/2018</a:t>
             </a:fld>
             <a:endParaRPr lang="en-US"/>
           </a:p>
@@ -4593,7 +4596,7 @@
           <a:p>
             <a:fld id="{EC745060-679C-4CE5-816B-B6A49815C7B9}" type="datetimeFigureOut">
               <a:rPr lang="en-US" smtClean="0"/>
-              <a:t>5/2/2018</a:t>
+              <a:t>5/3/2018</a:t>
             </a:fld>
             <a:endParaRPr lang="en-US"/>
           </a:p>
@@ -4876,7 +4879,7 @@
           <a:p>
             <a:fld id="{EC745060-679C-4CE5-816B-B6A49815C7B9}" type="datetimeFigureOut">
               <a:rPr lang="en-US" smtClean="0"/>
-              <a:t>5/2/2018</a:t>
+              <a:t>5/3/2018</a:t>
             </a:fld>
             <a:endParaRPr lang="en-US"/>
           </a:p>
@@ -5167,7 +5170,7 @@
           <a:p>
             <a:fld id="{EC745060-679C-4CE5-816B-B6A49815C7B9}" type="datetimeFigureOut">
               <a:rPr lang="en-US" smtClean="0"/>
-              <a:t>5/2/2018</a:t>
+              <a:t>5/3/2018</a:t>
             </a:fld>
             <a:endParaRPr lang="en-US"/>
           </a:p>
@@ -5697,7 +5700,7 @@
           <a:p>
             <a:fld id="{EC745060-679C-4CE5-816B-B6A49815C7B9}" type="datetimeFigureOut">
               <a:rPr lang="en-US" smtClean="0"/>
-              <a:t>5/2/2018</a:t>
+              <a:t>5/3/2018</a:t>
             </a:fld>
             <a:endParaRPr lang="en-US"/>
           </a:p>
@@ -24478,6 +24481,437 @@
 </p:sld>
 </file>
 
+<file path=ppt/slides/slide81.xml><?xml version="1.0" encoding="utf-8"?>
+<p:sld xmlns:a="http://schemas.openxmlformats.org/drawingml/2006/main" xmlns:r="http://schemas.openxmlformats.org/officeDocument/2006/relationships" xmlns:p="http://schemas.openxmlformats.org/presentationml/2006/main">
+  <p:cSld>
+    <p:spTree>
+      <p:nvGrpSpPr>
+        <p:cNvPr id="1" name=""/>
+        <p:cNvGrpSpPr/>
+        <p:nvPr/>
+      </p:nvGrpSpPr>
+      <p:grpSpPr>
+        <a:xfrm>
+          <a:off x="0" y="0"/>
+          <a:ext cx="0" cy="0"/>
+          <a:chOff x="0" y="0"/>
+          <a:chExt cx="0" cy="0"/>
+        </a:xfrm>
+      </p:grpSpPr>
+      <p:sp>
+        <p:nvSpPr>
+          <p:cNvPr id="2" name="Title 1"/>
+          <p:cNvSpPr>
+            <a:spLocks noGrp="1"/>
+          </p:cNvSpPr>
+          <p:nvPr>
+            <p:ph type="title"/>
+          </p:nvPr>
+        </p:nvSpPr>
+        <p:spPr/>
+        <p:txBody>
+          <a:bodyPr/>
+          <a:lstStyle/>
+          <a:p>
+            <a:r>
+              <a:rPr lang="es-ES" dirty="0"/>
+              <a:t>Clases en Java</a:t>
+            </a:r>
+            <a:endParaRPr lang="en-US" dirty="0"/>
+          </a:p>
+        </p:txBody>
+      </p:sp>
+      <p:sp>
+        <p:nvSpPr>
+          <p:cNvPr id="3" name="Content Placeholder 2"/>
+          <p:cNvSpPr>
+            <a:spLocks noGrp="1"/>
+          </p:cNvSpPr>
+          <p:nvPr>
+            <p:ph idx="1"/>
+          </p:nvPr>
+        </p:nvSpPr>
+        <p:spPr/>
+        <p:txBody>
+          <a:bodyPr>
+            <a:normAutofit fontScale="85000" lnSpcReduction="20000"/>
+          </a:bodyPr>
+          <a:lstStyle/>
+          <a:p>
+            <a:r>
+              <a:rPr lang="es-ES" dirty="0"/>
+              <a:t>Definición de un  Objeto</a:t>
+            </a:r>
+          </a:p>
+          <a:p>
+            <a:r>
+              <a:rPr lang="es-ES" dirty="0"/>
+              <a:t>Modelado de Objetos con Java</a:t>
+            </a:r>
+          </a:p>
+          <a:p>
+            <a:r>
+              <a:rPr lang="es-ES" dirty="0"/>
+              <a:t>Definición de clases en Java</a:t>
+            </a:r>
+          </a:p>
+          <a:p>
+            <a:pPr lvl="1"/>
+            <a:r>
+              <a:rPr lang="es-ES" dirty="0"/>
+              <a:t>Atributos</a:t>
+            </a:r>
+          </a:p>
+          <a:p>
+            <a:pPr lvl="1"/>
+            <a:r>
+              <a:rPr lang="es-ES" dirty="0"/>
+              <a:t>Métodos</a:t>
+            </a:r>
+          </a:p>
+          <a:p>
+            <a:r>
+              <a:rPr lang="es-ES" dirty="0"/>
+              <a:t>Instanciación: Referencias a objetos</a:t>
+            </a:r>
+          </a:p>
+          <a:p>
+            <a:r>
+              <a:rPr lang="es-ES" dirty="0"/>
+              <a:t>Constructores</a:t>
+            </a:r>
+          </a:p>
+          <a:p>
+            <a:r>
+              <a:rPr lang="es-ES" dirty="0"/>
+              <a:t>Encapsulamiento</a:t>
+            </a:r>
+          </a:p>
+        </p:txBody>
+      </p:sp>
+      <p:pic>
+        <p:nvPicPr>
+          <p:cNvPr id="4" name="Picture 3"/>
+          <p:cNvPicPr>
+            <a:picLocks noChangeAspect="1"/>
+          </p:cNvPicPr>
+          <p:nvPr/>
+        </p:nvPicPr>
+        <p:blipFill>
+          <a:blip r:embed="rId2">
+            <a:extLst>
+              <a:ext uri="{28A0092B-C50C-407E-A947-70E740481C1C}">
+                <a14:useLocalDpi xmlns:a14="http://schemas.microsoft.com/office/drawing/2010/main" val="0"/>
+              </a:ext>
+            </a:extLst>
+          </a:blip>
+          <a:stretch>
+            <a:fillRect/>
+          </a:stretch>
+        </p:blipFill>
+        <p:spPr>
+          <a:xfrm>
+            <a:off x="10485700" y="54900"/>
+            <a:ext cx="1261800" cy="1261800"/>
+          </a:xfrm>
+          <a:prstGeom prst="rect">
+            <a:avLst/>
+          </a:prstGeom>
+        </p:spPr>
+      </p:pic>
+    </p:spTree>
+    <p:extLst>
+      <p:ext uri="{BB962C8B-B14F-4D97-AF65-F5344CB8AC3E}">
+        <p14:creationId xmlns:p14="http://schemas.microsoft.com/office/powerpoint/2010/main" val="2896605055"/>
+      </p:ext>
+    </p:extLst>
+  </p:cSld>
+  <p:clrMapOvr>
+    <a:masterClrMapping/>
+  </p:clrMapOvr>
+</p:sld>
+</file>
+
+<file path=ppt/slides/slide82.xml><?xml version="1.0" encoding="utf-8"?>
+<p:sld xmlns:a="http://schemas.openxmlformats.org/drawingml/2006/main" xmlns:r="http://schemas.openxmlformats.org/officeDocument/2006/relationships" xmlns:p="http://schemas.openxmlformats.org/presentationml/2006/main">
+  <p:cSld>
+    <p:spTree>
+      <p:nvGrpSpPr>
+        <p:cNvPr id="1" name=""/>
+        <p:cNvGrpSpPr/>
+        <p:nvPr/>
+      </p:nvGrpSpPr>
+      <p:grpSpPr>
+        <a:xfrm>
+          <a:off x="0" y="0"/>
+          <a:ext cx="0" cy="0"/>
+          <a:chOff x="0" y="0"/>
+          <a:chExt cx="0" cy="0"/>
+        </a:xfrm>
+      </p:grpSpPr>
+      <p:sp>
+        <p:nvSpPr>
+          <p:cNvPr id="2" name="Title 1"/>
+          <p:cNvSpPr>
+            <a:spLocks noGrp="1"/>
+          </p:cNvSpPr>
+          <p:nvPr>
+            <p:ph type="title"/>
+          </p:nvPr>
+        </p:nvSpPr>
+        <p:spPr/>
+        <p:txBody>
+          <a:bodyPr/>
+          <a:lstStyle/>
+          <a:p>
+            <a:r>
+              <a:rPr lang="es-ES" dirty="0"/>
+              <a:t>Clases en Java</a:t>
+            </a:r>
+            <a:endParaRPr lang="en-US" dirty="0"/>
+          </a:p>
+        </p:txBody>
+      </p:sp>
+      <p:sp>
+        <p:nvSpPr>
+          <p:cNvPr id="3" name="Content Placeholder 2"/>
+          <p:cNvSpPr>
+            <a:spLocks noGrp="1"/>
+          </p:cNvSpPr>
+          <p:nvPr>
+            <p:ph idx="1"/>
+          </p:nvPr>
+        </p:nvSpPr>
+        <p:spPr/>
+        <p:txBody>
+          <a:bodyPr>
+            <a:normAutofit lnSpcReduction="10000"/>
+          </a:bodyPr>
+          <a:lstStyle/>
+          <a:p>
+            <a:r>
+              <a:rPr lang="es-ES" dirty="0"/>
+              <a:t>Atributos de una clase</a:t>
+            </a:r>
+          </a:p>
+          <a:p>
+            <a:pPr lvl="1"/>
+            <a:r>
+              <a:rPr lang="es-ES" dirty="0"/>
+              <a:t>Variables de instancia</a:t>
+            </a:r>
+          </a:p>
+          <a:p>
+            <a:pPr lvl="1"/>
+            <a:r>
+              <a:rPr lang="es-ES" dirty="0"/>
+              <a:t>Variables de clase</a:t>
+            </a:r>
+          </a:p>
+          <a:p>
+            <a:r>
+              <a:rPr lang="es-ES" dirty="0"/>
+              <a:t>Métodos de una clase</a:t>
+            </a:r>
+          </a:p>
+          <a:p>
+            <a:pPr lvl="1"/>
+            <a:r>
+              <a:rPr lang="es-ES" dirty="0"/>
+              <a:t>Métodos de instancia</a:t>
+            </a:r>
+          </a:p>
+          <a:p>
+            <a:pPr lvl="1"/>
+            <a:r>
+              <a:rPr lang="es-ES" dirty="0"/>
+              <a:t>Métodos de clase</a:t>
+            </a:r>
+          </a:p>
+          <a:p>
+            <a:r>
+              <a:rPr lang="en-US" dirty="0" err="1"/>
+              <a:t>Atributos</a:t>
+            </a:r>
+            <a:r>
+              <a:rPr lang="en-US" dirty="0"/>
+              <a:t> y Variables</a:t>
+            </a:r>
+          </a:p>
+        </p:txBody>
+      </p:sp>
+      <p:pic>
+        <p:nvPicPr>
+          <p:cNvPr id="4" name="Picture 3"/>
+          <p:cNvPicPr>
+            <a:picLocks noChangeAspect="1"/>
+          </p:cNvPicPr>
+          <p:nvPr/>
+        </p:nvPicPr>
+        <p:blipFill>
+          <a:blip r:embed="rId2">
+            <a:extLst>
+              <a:ext uri="{28A0092B-C50C-407E-A947-70E740481C1C}">
+                <a14:useLocalDpi xmlns:a14="http://schemas.microsoft.com/office/drawing/2010/main" val="0"/>
+              </a:ext>
+            </a:extLst>
+          </a:blip>
+          <a:stretch>
+            <a:fillRect/>
+          </a:stretch>
+        </p:blipFill>
+        <p:spPr>
+          <a:xfrm>
+            <a:off x="10485700" y="54900"/>
+            <a:ext cx="1261800" cy="1261800"/>
+          </a:xfrm>
+          <a:prstGeom prst="rect">
+            <a:avLst/>
+          </a:prstGeom>
+        </p:spPr>
+      </p:pic>
+    </p:spTree>
+    <p:extLst>
+      <p:ext uri="{BB962C8B-B14F-4D97-AF65-F5344CB8AC3E}">
+        <p14:creationId xmlns:p14="http://schemas.microsoft.com/office/powerpoint/2010/main" val="689691954"/>
+      </p:ext>
+    </p:extLst>
+  </p:cSld>
+  <p:clrMapOvr>
+    <a:masterClrMapping/>
+  </p:clrMapOvr>
+</p:sld>
+</file>
+
+<file path=ppt/slides/slide83.xml><?xml version="1.0" encoding="utf-8"?>
+<p:sld xmlns:a="http://schemas.openxmlformats.org/drawingml/2006/main" xmlns:r="http://schemas.openxmlformats.org/officeDocument/2006/relationships" xmlns:p="http://schemas.openxmlformats.org/presentationml/2006/main">
+  <p:cSld>
+    <p:spTree>
+      <p:nvGrpSpPr>
+        <p:cNvPr id="1" name=""/>
+        <p:cNvGrpSpPr/>
+        <p:nvPr/>
+      </p:nvGrpSpPr>
+      <p:grpSpPr>
+        <a:xfrm>
+          <a:off x="0" y="0"/>
+          <a:ext cx="0" cy="0"/>
+          <a:chOff x="0" y="0"/>
+          <a:chExt cx="0" cy="0"/>
+        </a:xfrm>
+      </p:grpSpPr>
+      <p:sp>
+        <p:nvSpPr>
+          <p:cNvPr id="2" name="Title 1"/>
+          <p:cNvSpPr>
+            <a:spLocks noGrp="1"/>
+          </p:cNvSpPr>
+          <p:nvPr>
+            <p:ph type="title"/>
+          </p:nvPr>
+        </p:nvSpPr>
+        <p:spPr/>
+        <p:txBody>
+          <a:bodyPr/>
+          <a:lstStyle/>
+          <a:p>
+            <a:r>
+              <a:rPr lang="es-ES" dirty="0"/>
+              <a:t>Clases en Java</a:t>
+            </a:r>
+            <a:endParaRPr lang="en-US" dirty="0"/>
+          </a:p>
+        </p:txBody>
+      </p:sp>
+      <p:sp>
+        <p:nvSpPr>
+          <p:cNvPr id="3" name="Content Placeholder 2"/>
+          <p:cNvSpPr>
+            <a:spLocks noGrp="1"/>
+          </p:cNvSpPr>
+          <p:nvPr>
+            <p:ph idx="1"/>
+          </p:nvPr>
+        </p:nvSpPr>
+        <p:spPr/>
+        <p:txBody>
+          <a:bodyPr>
+            <a:normAutofit/>
+          </a:bodyPr>
+          <a:lstStyle/>
+          <a:p>
+            <a:r>
+              <a:rPr lang="es-ES" dirty="0"/>
+              <a:t>Argumentos y parámetros</a:t>
+            </a:r>
+          </a:p>
+          <a:p>
+            <a:r>
+              <a:rPr lang="es-ES" dirty="0"/>
+              <a:t>Paquetes en Java</a:t>
+            </a:r>
+          </a:p>
+          <a:p>
+            <a:pPr lvl="1"/>
+            <a:r>
+              <a:rPr lang="es-ES" dirty="0"/>
+              <a:t>Static import</a:t>
+            </a:r>
+          </a:p>
+          <a:p>
+            <a:endParaRPr lang="es-ES" dirty="0"/>
+          </a:p>
+          <a:p>
+            <a:endParaRPr lang="es-ES" dirty="0"/>
+          </a:p>
+          <a:p>
+            <a:endParaRPr lang="es-ES" dirty="0"/>
+          </a:p>
+        </p:txBody>
+      </p:sp>
+      <p:pic>
+        <p:nvPicPr>
+          <p:cNvPr id="4" name="Picture 3"/>
+          <p:cNvPicPr>
+            <a:picLocks noChangeAspect="1"/>
+          </p:cNvPicPr>
+          <p:nvPr/>
+        </p:nvPicPr>
+        <p:blipFill>
+          <a:blip r:embed="rId2">
+            <a:extLst>
+              <a:ext uri="{28A0092B-C50C-407E-A947-70E740481C1C}">
+                <a14:useLocalDpi xmlns:a14="http://schemas.microsoft.com/office/drawing/2010/main" val="0"/>
+              </a:ext>
+            </a:extLst>
+          </a:blip>
+          <a:stretch>
+            <a:fillRect/>
+          </a:stretch>
+        </p:blipFill>
+        <p:spPr>
+          <a:xfrm>
+            <a:off x="10485700" y="54900"/>
+            <a:ext cx="1261800" cy="1261800"/>
+          </a:xfrm>
+          <a:prstGeom prst="rect">
+            <a:avLst/>
+          </a:prstGeom>
+        </p:spPr>
+      </p:pic>
+    </p:spTree>
+    <p:extLst>
+      <p:ext uri="{BB962C8B-B14F-4D97-AF65-F5344CB8AC3E}">
+        <p14:creationId xmlns:p14="http://schemas.microsoft.com/office/powerpoint/2010/main" val="1007652599"/>
+      </p:ext>
+    </p:extLst>
+  </p:cSld>
+  <p:clrMapOvr>
+    <a:masterClrMapping/>
+  </p:clrMapOvr>
+</p:sld>
+</file>
+
 <file path=ppt/slides/slide9.xml><?xml version="1.0" encoding="utf-8"?>
 <p:sld xmlns:a="http://schemas.openxmlformats.org/drawingml/2006/main" xmlns:r="http://schemas.openxmlformats.org/officeDocument/2006/relationships" xmlns:p="http://schemas.openxmlformats.org/presentationml/2006/main">
   <p:cSld>
